--- a/Presentation_P02.pptx
+++ b/Presentation_P02.pptx
@@ -1,49 +1,54 @@
 
 <file path=ppt/presentation.xml><?xml version="1.0" encoding="utf-8"?>
-<p:presentation xmlns:a="http://schemas.openxmlformats.org/drawingml/2006/main" xmlns:r="http://schemas.openxmlformats.org/officeDocument/2006/relationships" xmlns:p="http://schemas.openxmlformats.org/presentationml/2006/main" saveSubsetFonts="1">
+<p:presentation xmlns:a="http://schemas.openxmlformats.org/drawingml/2006/main" xmlns:r="http://schemas.openxmlformats.org/officeDocument/2006/relationships" xmlns:p="http://schemas.openxmlformats.org/presentationml/2006/main" showSpecialPlsOnTitleSld="0" saveSubsetFonts="1">
   <p:sldMasterIdLst>
     <p:sldMasterId id="2147483744" r:id="rId1"/>
   </p:sldMasterIdLst>
+  <p:notesMasterIdLst>
+    <p:notesMasterId r:id="rId43"/>
+  </p:notesMasterIdLst>
   <p:sldIdLst>
     <p:sldId id="256" r:id="rId2"/>
     <p:sldId id="257" r:id="rId3"/>
     <p:sldId id="258" r:id="rId4"/>
     <p:sldId id="259" r:id="rId5"/>
-    <p:sldId id="260" r:id="rId6"/>
-    <p:sldId id="261" r:id="rId7"/>
-    <p:sldId id="262" r:id="rId8"/>
-    <p:sldId id="263" r:id="rId9"/>
-    <p:sldId id="264" r:id="rId10"/>
-    <p:sldId id="265" r:id="rId11"/>
-    <p:sldId id="266" r:id="rId12"/>
-    <p:sldId id="267" r:id="rId13"/>
-    <p:sldId id="268" r:id="rId14"/>
-    <p:sldId id="269" r:id="rId15"/>
-    <p:sldId id="270" r:id="rId16"/>
-    <p:sldId id="271" r:id="rId17"/>
-    <p:sldId id="272" r:id="rId18"/>
-    <p:sldId id="276" r:id="rId19"/>
-    <p:sldId id="274" r:id="rId20"/>
-    <p:sldId id="277" r:id="rId21"/>
-    <p:sldId id="278" r:id="rId22"/>
-    <p:sldId id="279" r:id="rId23"/>
-    <p:sldId id="280" r:id="rId24"/>
-    <p:sldId id="281" r:id="rId25"/>
-    <p:sldId id="282" r:id="rId26"/>
-    <p:sldId id="289" r:id="rId27"/>
-    <p:sldId id="283" r:id="rId28"/>
-    <p:sldId id="284" r:id="rId29"/>
-    <p:sldId id="285" r:id="rId30"/>
-    <p:sldId id="286" r:id="rId31"/>
-    <p:sldId id="287" r:id="rId32"/>
-    <p:sldId id="288" r:id="rId33"/>
-    <p:sldId id="290" r:id="rId34"/>
-    <p:sldId id="293" r:id="rId35"/>
-    <p:sldId id="294" r:id="rId36"/>
-    <p:sldId id="295" r:id="rId37"/>
-    <p:sldId id="296" r:id="rId38"/>
-    <p:sldId id="297" r:id="rId39"/>
-    <p:sldId id="298" r:id="rId40"/>
+    <p:sldId id="299" r:id="rId6"/>
+    <p:sldId id="260" r:id="rId7"/>
+    <p:sldId id="261" r:id="rId8"/>
+    <p:sldId id="262" r:id="rId9"/>
+    <p:sldId id="263" r:id="rId10"/>
+    <p:sldId id="264" r:id="rId11"/>
+    <p:sldId id="265" r:id="rId12"/>
+    <p:sldId id="266" r:id="rId13"/>
+    <p:sldId id="267" r:id="rId14"/>
+    <p:sldId id="268" r:id="rId15"/>
+    <p:sldId id="269" r:id="rId16"/>
+    <p:sldId id="270" r:id="rId17"/>
+    <p:sldId id="271" r:id="rId18"/>
+    <p:sldId id="272" r:id="rId19"/>
+    <p:sldId id="276" r:id="rId20"/>
+    <p:sldId id="274" r:id="rId21"/>
+    <p:sldId id="277" r:id="rId22"/>
+    <p:sldId id="278" r:id="rId23"/>
+    <p:sldId id="279" r:id="rId24"/>
+    <p:sldId id="280" r:id="rId25"/>
+    <p:sldId id="281" r:id="rId26"/>
+    <p:sldId id="282" r:id="rId27"/>
+    <p:sldId id="289" r:id="rId28"/>
+    <p:sldId id="283" r:id="rId29"/>
+    <p:sldId id="284" r:id="rId30"/>
+    <p:sldId id="285" r:id="rId31"/>
+    <p:sldId id="286" r:id="rId32"/>
+    <p:sldId id="287" r:id="rId33"/>
+    <p:sldId id="288" r:id="rId34"/>
+    <p:sldId id="290" r:id="rId35"/>
+    <p:sldId id="293" r:id="rId36"/>
+    <p:sldId id="294" r:id="rId37"/>
+    <p:sldId id="295" r:id="rId38"/>
+    <p:sldId id="296" r:id="rId39"/>
+    <p:sldId id="297" r:id="rId40"/>
+    <p:sldId id="300" r:id="rId41"/>
+    <p:sldId id="298" r:id="rId42"/>
   </p:sldIdLst>
   <p:sldSz cx="9144000" cy="6858000" type="screen4x3"/>
   <p:notesSz cx="6858000" cy="9144000"/>
@@ -145,6 +150,440 @@
 </p:presentation>
 </file>
 
+<file path=ppt/notesMasters/notesMaster1.xml><?xml version="1.0" encoding="utf-8"?>
+<p:notesMaster xmlns:a="http://schemas.openxmlformats.org/drawingml/2006/main" xmlns:r="http://schemas.openxmlformats.org/officeDocument/2006/relationships" xmlns:p="http://schemas.openxmlformats.org/presentationml/2006/main">
+  <p:cSld>
+    <p:bg>
+      <p:bgRef idx="1001">
+        <a:schemeClr val="bg1"/>
+      </p:bgRef>
+    </p:bg>
+    <p:spTree>
+      <p:nvGrpSpPr>
+        <p:cNvPr id="1" name=""/>
+        <p:cNvGrpSpPr/>
+        <p:nvPr/>
+      </p:nvGrpSpPr>
+      <p:grpSpPr>
+        <a:xfrm>
+          <a:off x="0" y="0"/>
+          <a:ext cx="0" cy="0"/>
+          <a:chOff x="0" y="0"/>
+          <a:chExt cx="0" cy="0"/>
+        </a:xfrm>
+      </p:grpSpPr>
+      <p:sp>
+        <p:nvSpPr>
+          <p:cNvPr id="2" name="Espace réservé de l'en-tête 1"/>
+          <p:cNvSpPr>
+            <a:spLocks noGrp="1"/>
+          </p:cNvSpPr>
+          <p:nvPr>
+            <p:ph type="hdr" sz="quarter"/>
+          </p:nvPr>
+        </p:nvSpPr>
+        <p:spPr>
+          <a:xfrm>
+            <a:off x="0" y="0"/>
+            <a:ext cx="2971800" cy="457200"/>
+          </a:xfrm>
+          <a:prstGeom prst="rect">
+            <a:avLst/>
+          </a:prstGeom>
+        </p:spPr>
+        <p:txBody>
+          <a:bodyPr vert="horz" lIns="91440" tIns="45720" rIns="91440" bIns="45720" rtlCol="0"/>
+          <a:lstStyle>
+            <a:lvl1pPr algn="l">
+              <a:defRPr sz="1200"/>
+            </a:lvl1pPr>
+          </a:lstStyle>
+          <a:p>
+            <a:endParaRPr lang="fr-FR"/>
+          </a:p>
+        </p:txBody>
+      </p:sp>
+      <p:sp>
+        <p:nvSpPr>
+          <p:cNvPr id="3" name="Espace réservé de la date 2"/>
+          <p:cNvSpPr>
+            <a:spLocks noGrp="1"/>
+          </p:cNvSpPr>
+          <p:nvPr>
+            <p:ph type="dt" idx="1"/>
+          </p:nvPr>
+        </p:nvSpPr>
+        <p:spPr>
+          <a:xfrm>
+            <a:off x="3884613" y="0"/>
+            <a:ext cx="2971800" cy="457200"/>
+          </a:xfrm>
+          <a:prstGeom prst="rect">
+            <a:avLst/>
+          </a:prstGeom>
+        </p:spPr>
+        <p:txBody>
+          <a:bodyPr vert="horz" lIns="91440" tIns="45720" rIns="91440" bIns="45720" rtlCol="0"/>
+          <a:lstStyle>
+            <a:lvl1pPr algn="r">
+              <a:defRPr sz="1200"/>
+            </a:lvl1pPr>
+          </a:lstStyle>
+          <a:p>
+            <a:fld id="{ABF6B599-33D0-4B0A-A30F-23D8C63E0E15}" type="datetimeFigureOut">
+              <a:rPr lang="fr-FR" smtClean="0"/>
+              <a:t>14/11/2020</a:t>
+            </a:fld>
+            <a:endParaRPr lang="fr-FR"/>
+          </a:p>
+        </p:txBody>
+      </p:sp>
+      <p:sp>
+        <p:nvSpPr>
+          <p:cNvPr id="4" name="Espace réservé de l'image des diapositives 3"/>
+          <p:cNvSpPr>
+            <a:spLocks noGrp="1" noRot="1" noChangeAspect="1"/>
+          </p:cNvSpPr>
+          <p:nvPr>
+            <p:ph type="sldImg" idx="2"/>
+          </p:nvPr>
+        </p:nvSpPr>
+        <p:spPr>
+          <a:xfrm>
+            <a:off x="1143000" y="685800"/>
+            <a:ext cx="4572000" cy="3429000"/>
+          </a:xfrm>
+          <a:prstGeom prst="rect">
+            <a:avLst/>
+          </a:prstGeom>
+          <a:noFill/>
+          <a:ln w="12700">
+            <a:solidFill>
+              <a:prstClr val="black"/>
+            </a:solidFill>
+          </a:ln>
+        </p:spPr>
+        <p:txBody>
+          <a:bodyPr vert="horz" lIns="91440" tIns="45720" rIns="91440" bIns="45720" rtlCol="0" anchor="ctr"/>
+          <a:lstStyle/>
+          <a:p>
+            <a:endParaRPr lang="fr-FR"/>
+          </a:p>
+        </p:txBody>
+      </p:sp>
+      <p:sp>
+        <p:nvSpPr>
+          <p:cNvPr id="5" name="Espace réservé des commentaires 4"/>
+          <p:cNvSpPr>
+            <a:spLocks noGrp="1"/>
+          </p:cNvSpPr>
+          <p:nvPr>
+            <p:ph type="body" sz="quarter" idx="3"/>
+          </p:nvPr>
+        </p:nvSpPr>
+        <p:spPr>
+          <a:xfrm>
+            <a:off x="685800" y="4343400"/>
+            <a:ext cx="5486400" cy="4114800"/>
+          </a:xfrm>
+          <a:prstGeom prst="rect">
+            <a:avLst/>
+          </a:prstGeom>
+        </p:spPr>
+        <p:txBody>
+          <a:bodyPr vert="horz" lIns="91440" tIns="45720" rIns="91440" bIns="45720" rtlCol="0"/>
+          <a:lstStyle/>
+          <a:p>
+            <a:pPr lvl="0"/>
+            <a:r>
+              <a:rPr lang="fr-FR" smtClean="0"/>
+              <a:t>Modifiez les styles du texte du masque</a:t>
+            </a:r>
+          </a:p>
+          <a:p>
+            <a:pPr lvl="1"/>
+            <a:r>
+              <a:rPr lang="fr-FR" smtClean="0"/>
+              <a:t>Deuxième niveau</a:t>
+            </a:r>
+          </a:p>
+          <a:p>
+            <a:pPr lvl="2"/>
+            <a:r>
+              <a:rPr lang="fr-FR" smtClean="0"/>
+              <a:t>Troisième niveau</a:t>
+            </a:r>
+          </a:p>
+          <a:p>
+            <a:pPr lvl="3"/>
+            <a:r>
+              <a:rPr lang="fr-FR" smtClean="0"/>
+              <a:t>Quatrième niveau</a:t>
+            </a:r>
+          </a:p>
+          <a:p>
+            <a:pPr lvl="4"/>
+            <a:r>
+              <a:rPr lang="fr-FR" smtClean="0"/>
+              <a:t>Cinquième niveau</a:t>
+            </a:r>
+            <a:endParaRPr lang="fr-FR"/>
+          </a:p>
+        </p:txBody>
+      </p:sp>
+      <p:sp>
+        <p:nvSpPr>
+          <p:cNvPr id="6" name="Espace réservé du pied de page 5"/>
+          <p:cNvSpPr>
+            <a:spLocks noGrp="1"/>
+          </p:cNvSpPr>
+          <p:nvPr>
+            <p:ph type="ftr" sz="quarter" idx="4"/>
+          </p:nvPr>
+        </p:nvSpPr>
+        <p:spPr>
+          <a:xfrm>
+            <a:off x="0" y="8685213"/>
+            <a:ext cx="2971800" cy="457200"/>
+          </a:xfrm>
+          <a:prstGeom prst="rect">
+            <a:avLst/>
+          </a:prstGeom>
+        </p:spPr>
+        <p:txBody>
+          <a:bodyPr vert="horz" lIns="91440" tIns="45720" rIns="91440" bIns="45720" rtlCol="0" anchor="b"/>
+          <a:lstStyle>
+            <a:lvl1pPr algn="l">
+              <a:defRPr sz="1200"/>
+            </a:lvl1pPr>
+          </a:lstStyle>
+          <a:p>
+            <a:endParaRPr lang="fr-FR"/>
+          </a:p>
+        </p:txBody>
+      </p:sp>
+      <p:sp>
+        <p:nvSpPr>
+          <p:cNvPr id="7" name="Espace réservé du numéro de diapositive 6"/>
+          <p:cNvSpPr>
+            <a:spLocks noGrp="1"/>
+          </p:cNvSpPr>
+          <p:nvPr>
+            <p:ph type="sldNum" sz="quarter" idx="5"/>
+          </p:nvPr>
+        </p:nvSpPr>
+        <p:spPr>
+          <a:xfrm>
+            <a:off x="3884613" y="8685213"/>
+            <a:ext cx="2971800" cy="457200"/>
+          </a:xfrm>
+          <a:prstGeom prst="rect">
+            <a:avLst/>
+          </a:prstGeom>
+        </p:spPr>
+        <p:txBody>
+          <a:bodyPr vert="horz" lIns="91440" tIns="45720" rIns="91440" bIns="45720" rtlCol="0" anchor="b"/>
+          <a:lstStyle>
+            <a:lvl1pPr algn="r">
+              <a:defRPr sz="1200"/>
+            </a:lvl1pPr>
+          </a:lstStyle>
+          <a:p>
+            <a:fld id="{244B5381-3182-4E1C-AE8C-612778C2C802}" type="slidenum">
+              <a:rPr lang="fr-FR" smtClean="0"/>
+              <a:t>‹N°›</a:t>
+            </a:fld>
+            <a:endParaRPr lang="fr-FR"/>
+          </a:p>
+        </p:txBody>
+      </p:sp>
+    </p:spTree>
+    <p:extLst>
+      <p:ext uri="{BB962C8B-B14F-4D97-AF65-F5344CB8AC3E}">
+        <p14:creationId xmlns:p14="http://schemas.microsoft.com/office/powerpoint/2010/main" val="1581922996"/>
+      </p:ext>
+    </p:extLst>
+  </p:cSld>
+  <p:clrMap bg1="lt1" tx1="dk1" bg2="lt2" tx2="dk2" accent1="accent1" accent2="accent2" accent3="accent3" accent4="accent4" accent5="accent5" accent6="accent6" hlink="hlink" folHlink="folHlink"/>
+  <p:notesStyle>
+    <a:lvl1pPr marL="0" algn="l" defTabSz="914400" rtl="0" eaLnBrk="1" latinLnBrk="0" hangingPunct="1">
+      <a:defRPr sz="1200" kern="1200">
+        <a:solidFill>
+          <a:schemeClr val="tx1"/>
+        </a:solidFill>
+        <a:latin typeface="+mn-lt"/>
+        <a:ea typeface="+mn-ea"/>
+        <a:cs typeface="+mn-cs"/>
+      </a:defRPr>
+    </a:lvl1pPr>
+    <a:lvl2pPr marL="457200" algn="l" defTabSz="914400" rtl="0" eaLnBrk="1" latinLnBrk="0" hangingPunct="1">
+      <a:defRPr sz="1200" kern="1200">
+        <a:solidFill>
+          <a:schemeClr val="tx1"/>
+        </a:solidFill>
+        <a:latin typeface="+mn-lt"/>
+        <a:ea typeface="+mn-ea"/>
+        <a:cs typeface="+mn-cs"/>
+      </a:defRPr>
+    </a:lvl2pPr>
+    <a:lvl3pPr marL="914400" algn="l" defTabSz="914400" rtl="0" eaLnBrk="1" latinLnBrk="0" hangingPunct="1">
+      <a:defRPr sz="1200" kern="1200">
+        <a:solidFill>
+          <a:schemeClr val="tx1"/>
+        </a:solidFill>
+        <a:latin typeface="+mn-lt"/>
+        <a:ea typeface="+mn-ea"/>
+        <a:cs typeface="+mn-cs"/>
+      </a:defRPr>
+    </a:lvl3pPr>
+    <a:lvl4pPr marL="1371600" algn="l" defTabSz="914400" rtl="0" eaLnBrk="1" latinLnBrk="0" hangingPunct="1">
+      <a:defRPr sz="1200" kern="1200">
+        <a:solidFill>
+          <a:schemeClr val="tx1"/>
+        </a:solidFill>
+        <a:latin typeface="+mn-lt"/>
+        <a:ea typeface="+mn-ea"/>
+        <a:cs typeface="+mn-cs"/>
+      </a:defRPr>
+    </a:lvl4pPr>
+    <a:lvl5pPr marL="1828800" algn="l" defTabSz="914400" rtl="0" eaLnBrk="1" latinLnBrk="0" hangingPunct="1">
+      <a:defRPr sz="1200" kern="1200">
+        <a:solidFill>
+          <a:schemeClr val="tx1"/>
+        </a:solidFill>
+        <a:latin typeface="+mn-lt"/>
+        <a:ea typeface="+mn-ea"/>
+        <a:cs typeface="+mn-cs"/>
+      </a:defRPr>
+    </a:lvl5pPr>
+    <a:lvl6pPr marL="2286000" algn="l" defTabSz="914400" rtl="0" eaLnBrk="1" latinLnBrk="0" hangingPunct="1">
+      <a:defRPr sz="1200" kern="1200">
+        <a:solidFill>
+          <a:schemeClr val="tx1"/>
+        </a:solidFill>
+        <a:latin typeface="+mn-lt"/>
+        <a:ea typeface="+mn-ea"/>
+        <a:cs typeface="+mn-cs"/>
+      </a:defRPr>
+    </a:lvl6pPr>
+    <a:lvl7pPr marL="2743200" algn="l" defTabSz="914400" rtl="0" eaLnBrk="1" latinLnBrk="0" hangingPunct="1">
+      <a:defRPr sz="1200" kern="1200">
+        <a:solidFill>
+          <a:schemeClr val="tx1"/>
+        </a:solidFill>
+        <a:latin typeface="+mn-lt"/>
+        <a:ea typeface="+mn-ea"/>
+        <a:cs typeface="+mn-cs"/>
+      </a:defRPr>
+    </a:lvl7pPr>
+    <a:lvl8pPr marL="3200400" algn="l" defTabSz="914400" rtl="0" eaLnBrk="1" latinLnBrk="0" hangingPunct="1">
+      <a:defRPr sz="1200" kern="1200">
+        <a:solidFill>
+          <a:schemeClr val="tx1"/>
+        </a:solidFill>
+        <a:latin typeface="+mn-lt"/>
+        <a:ea typeface="+mn-ea"/>
+        <a:cs typeface="+mn-cs"/>
+      </a:defRPr>
+    </a:lvl8pPr>
+    <a:lvl9pPr marL="3657600" algn="l" defTabSz="914400" rtl="0" eaLnBrk="1" latinLnBrk="0" hangingPunct="1">
+      <a:defRPr sz="1200" kern="1200">
+        <a:solidFill>
+          <a:schemeClr val="tx1"/>
+        </a:solidFill>
+        <a:latin typeface="+mn-lt"/>
+        <a:ea typeface="+mn-ea"/>
+        <a:cs typeface="+mn-cs"/>
+      </a:defRPr>
+    </a:lvl9pPr>
+  </p:notesStyle>
+</p:notesMaster>
+</file>
+
+<file path=ppt/notesSlides/notesSlide1.xml><?xml version="1.0" encoding="utf-8"?>
+<p:notes xmlns:a="http://schemas.openxmlformats.org/drawingml/2006/main" xmlns:r="http://schemas.openxmlformats.org/officeDocument/2006/relationships" xmlns:p="http://schemas.openxmlformats.org/presentationml/2006/main">
+  <p:cSld>
+    <p:spTree>
+      <p:nvGrpSpPr>
+        <p:cNvPr id="1" name=""/>
+        <p:cNvGrpSpPr/>
+        <p:nvPr/>
+      </p:nvGrpSpPr>
+      <p:grpSpPr>
+        <a:xfrm>
+          <a:off x="0" y="0"/>
+          <a:ext cx="0" cy="0"/>
+          <a:chOff x="0" y="0"/>
+          <a:chExt cx="0" cy="0"/>
+        </a:xfrm>
+      </p:grpSpPr>
+      <p:sp>
+        <p:nvSpPr>
+          <p:cNvPr id="2" name="Espace réservé de l'image des diapositives 1"/>
+          <p:cNvSpPr>
+            <a:spLocks noGrp="1" noRot="1" noChangeAspect="1"/>
+          </p:cNvSpPr>
+          <p:nvPr>
+            <p:ph type="sldImg"/>
+          </p:nvPr>
+        </p:nvSpPr>
+        <p:spPr/>
+      </p:sp>
+      <p:sp>
+        <p:nvSpPr>
+          <p:cNvPr id="3" name="Espace réservé des commentaires 2"/>
+          <p:cNvSpPr>
+            <a:spLocks noGrp="1"/>
+          </p:cNvSpPr>
+          <p:nvPr>
+            <p:ph type="body" idx="1"/>
+          </p:nvPr>
+        </p:nvSpPr>
+        <p:spPr/>
+        <p:txBody>
+          <a:bodyPr/>
+          <a:lstStyle/>
+          <a:p>
+            <a:endParaRPr lang="fr-FR"/>
+          </a:p>
+        </p:txBody>
+      </p:sp>
+      <p:sp>
+        <p:nvSpPr>
+          <p:cNvPr id="4" name="Espace réservé du numéro de diapositive 3"/>
+          <p:cNvSpPr>
+            <a:spLocks noGrp="1"/>
+          </p:cNvSpPr>
+          <p:nvPr>
+            <p:ph type="sldNum" sz="quarter" idx="10"/>
+          </p:nvPr>
+        </p:nvSpPr>
+        <p:spPr/>
+        <p:txBody>
+          <a:bodyPr/>
+          <a:lstStyle/>
+          <a:p>
+            <a:fld id="{244B5381-3182-4E1C-AE8C-612778C2C802}" type="slidenum">
+              <a:rPr lang="fr-FR" smtClean="0"/>
+              <a:t>24</a:t>
+            </a:fld>
+            <a:endParaRPr lang="fr-FR"/>
+          </a:p>
+        </p:txBody>
+      </p:sp>
+    </p:spTree>
+    <p:extLst>
+      <p:ext uri="{BB962C8B-B14F-4D97-AF65-F5344CB8AC3E}">
+        <p14:creationId xmlns:p14="http://schemas.microsoft.com/office/powerpoint/2010/main" val="1340445371"/>
+      </p:ext>
+    </p:extLst>
+  </p:cSld>
+  <p:clrMapOvr>
+    <a:masterClrMapping/>
+  </p:clrMapOvr>
+</p:notes>
+</file>
+
 <file path=ppt/slideLayouts/slideLayout1.xml><?xml version="1.0" encoding="utf-8"?>
 <p:sldLayout xmlns:a="http://schemas.openxmlformats.org/drawingml/2006/main" xmlns:r="http://schemas.openxmlformats.org/officeDocument/2006/relationships" xmlns:p="http://schemas.openxmlformats.org/presentationml/2006/main" type="title" preserve="1">
   <p:cSld name="Diapositive de titre">
@@ -331,9 +770,9 @@
           <a:bodyPr/>
           <a:lstStyle/>
           <a:p>
-            <a:fld id="{4CBA3E22-9E07-4CDD-BDDF-11F8AF480E96}" type="datetimeFigureOut">
-              <a:rPr lang="fr-FR" smtClean="0"/>
-              <a:t>13/11/2020</a:t>
+            <a:fld id="{BF682155-1374-4965-9F46-20088A740B7D}" type="datetime1">
+              <a:rPr lang="fr-FR" smtClean="0"/>
+              <a:t>14/11/2020</a:t>
             </a:fld>
             <a:endParaRPr lang="fr-FR"/>
           </a:p>
@@ -531,9 +970,9 @@
           <a:bodyPr/>
           <a:lstStyle/>
           <a:p>
-            <a:fld id="{4CBA3E22-9E07-4CDD-BDDF-11F8AF480E96}" type="datetimeFigureOut">
-              <a:rPr lang="fr-FR" smtClean="0"/>
-              <a:t>13/11/2020</a:t>
+            <a:fld id="{25BA6D16-4F10-4D40-A585-759E069FA4EC}" type="datetime1">
+              <a:rPr lang="fr-FR" smtClean="0"/>
+              <a:t>14/11/2020</a:t>
             </a:fld>
             <a:endParaRPr lang="fr-FR"/>
           </a:p>
@@ -706,9 +1145,9 @@
           <a:bodyPr/>
           <a:lstStyle/>
           <a:p>
-            <a:fld id="{4CBA3E22-9E07-4CDD-BDDF-11F8AF480E96}" type="datetimeFigureOut">
-              <a:rPr lang="fr-FR" smtClean="0"/>
-              <a:t>13/11/2020</a:t>
+            <a:fld id="{5B938767-8D08-4AE7-B5CA-E977BFD4E617}" type="datetime1">
+              <a:rPr lang="fr-FR" smtClean="0"/>
+              <a:t>14/11/2020</a:t>
             </a:fld>
             <a:endParaRPr lang="fr-FR"/>
           </a:p>
@@ -871,9 +1310,9 @@
           <a:bodyPr/>
           <a:lstStyle/>
           <a:p>
-            <a:fld id="{4CBA3E22-9E07-4CDD-BDDF-11F8AF480E96}" type="datetimeFigureOut">
-              <a:rPr lang="fr-FR" smtClean="0"/>
-              <a:t>13/11/2020</a:t>
+            <a:fld id="{414EBBBA-46AA-4E0F-9850-B0472B94F64F}" type="datetime1">
+              <a:rPr lang="fr-FR" smtClean="0"/>
+              <a:t>14/11/2020</a:t>
             </a:fld>
             <a:endParaRPr lang="fr-FR"/>
           </a:p>
@@ -1119,9 +1558,9 @@
           <a:bodyPr/>
           <a:lstStyle/>
           <a:p>
-            <a:fld id="{4CBA3E22-9E07-4CDD-BDDF-11F8AF480E96}" type="datetimeFigureOut">
-              <a:rPr lang="fr-FR" smtClean="0"/>
-              <a:t>13/11/2020</a:t>
+            <a:fld id="{8580B99C-6ABF-4741-97F2-DA93A44BA370}" type="datetime1">
+              <a:rPr lang="fr-FR" smtClean="0"/>
+              <a:t>14/11/2020</a:t>
             </a:fld>
             <a:endParaRPr lang="fr-FR"/>
           </a:p>
@@ -1437,9 +1876,9 @@
           <a:bodyPr/>
           <a:lstStyle/>
           <a:p>
-            <a:fld id="{4CBA3E22-9E07-4CDD-BDDF-11F8AF480E96}" type="datetimeFigureOut">
-              <a:rPr lang="fr-FR" smtClean="0"/>
-              <a:t>13/11/2020</a:t>
+            <a:fld id="{668D1D26-178C-46A3-AB6F-E40791A0863B}" type="datetime1">
+              <a:rPr lang="fr-FR" smtClean="0"/>
+              <a:t>14/11/2020</a:t>
             </a:fld>
             <a:endParaRPr lang="fr-FR"/>
           </a:p>
@@ -1903,9 +2342,9 @@
           <a:bodyPr/>
           <a:lstStyle/>
           <a:p>
-            <a:fld id="{4CBA3E22-9E07-4CDD-BDDF-11F8AF480E96}" type="datetimeFigureOut">
-              <a:rPr lang="fr-FR" smtClean="0"/>
-              <a:t>13/11/2020</a:t>
+            <a:fld id="{228BAE85-4F0D-40E8-B798-F713E503D252}" type="datetime1">
+              <a:rPr lang="fr-FR" smtClean="0"/>
+              <a:t>14/11/2020</a:t>
             </a:fld>
             <a:endParaRPr lang="fr-FR"/>
           </a:p>
@@ -2051,9 +2490,9 @@
           <a:bodyPr/>
           <a:lstStyle/>
           <a:p>
-            <a:fld id="{4CBA3E22-9E07-4CDD-BDDF-11F8AF480E96}" type="datetimeFigureOut">
-              <a:rPr lang="fr-FR" smtClean="0"/>
-              <a:t>13/11/2020</a:t>
+            <a:fld id="{DF83B7D2-288A-4817-AA7A-73C7F830B9E2}" type="datetime1">
+              <a:rPr lang="fr-FR" smtClean="0"/>
+              <a:t>14/11/2020</a:t>
             </a:fld>
             <a:endParaRPr lang="fr-FR"/>
           </a:p>
@@ -2141,9 +2580,9 @@
           <a:bodyPr/>
           <a:lstStyle/>
           <a:p>
-            <a:fld id="{4CBA3E22-9E07-4CDD-BDDF-11F8AF480E96}" type="datetimeFigureOut">
-              <a:rPr lang="fr-FR" smtClean="0"/>
-              <a:t>13/11/2020</a:t>
+            <a:fld id="{68F69050-D576-463D-BEF0-37233D4A6484}" type="datetime1">
+              <a:rPr lang="fr-FR" smtClean="0"/>
+              <a:t>14/11/2020</a:t>
             </a:fld>
             <a:endParaRPr lang="fr-FR"/>
           </a:p>
@@ -2415,9 +2854,9 @@
           <a:bodyPr/>
           <a:lstStyle/>
           <a:p>
-            <a:fld id="{4CBA3E22-9E07-4CDD-BDDF-11F8AF480E96}" type="datetimeFigureOut">
-              <a:rPr lang="fr-FR" smtClean="0"/>
-              <a:t>13/11/2020</a:t>
+            <a:fld id="{F9DACB47-F68E-446B-A946-BAF05060CBB1}" type="datetime1">
+              <a:rPr lang="fr-FR" smtClean="0"/>
+              <a:t>14/11/2020</a:t>
             </a:fld>
             <a:endParaRPr lang="fr-FR"/>
           </a:p>
@@ -2634,15 +3073,7 @@
           <a:p>
             <a:r>
               <a:rPr lang="fr-FR" dirty="0" smtClean="0"/>
-              <a:t>Cliquez sur </a:t>
-            </a:r>
-            <a:r>
-              <a:rPr lang="fr-FR" dirty="0" smtClean="0"/>
-              <a:t>l icône </a:t>
-            </a:r>
-            <a:r>
-              <a:rPr lang="fr-FR" dirty="0" smtClean="0"/>
-              <a:t>pour ajouter une image</a:t>
+              <a:t>Cliquez sur l icône pour ajouter une image</a:t>
             </a:r>
             <a:endParaRPr lang="en-US" dirty="0"/>
           </a:p>
@@ -2728,9 +3159,9 @@
           <a:bodyPr/>
           <a:lstStyle/>
           <a:p>
-            <a:fld id="{4CBA3E22-9E07-4CDD-BDDF-11F8AF480E96}" type="datetimeFigureOut">
-              <a:rPr lang="fr-FR" smtClean="0"/>
-              <a:t>13/11/2020</a:t>
+            <a:fld id="{61FB1DBF-9BD5-4BCD-A924-AB28EEB126F7}" type="datetime1">
+              <a:rPr lang="fr-FR" smtClean="0"/>
+              <a:t>14/11/2020</a:t>
             </a:fld>
             <a:endParaRPr lang="fr-FR"/>
           </a:p>
@@ -3026,9 +3457,9 @@
             </a:lvl1pPr>
           </a:lstStyle>
           <a:p>
-            <a:fld id="{4CBA3E22-9E07-4CDD-BDDF-11F8AF480E96}" type="datetimeFigureOut">
-              <a:rPr lang="fr-FR" smtClean="0"/>
-              <a:t>13/11/2020</a:t>
+            <a:fld id="{C882374E-396D-4C7A-B184-0FF96A05C5AC}" type="datetime1">
+              <a:rPr lang="fr-FR" smtClean="0"/>
+              <a:t>14/11/2020</a:t>
             </a:fld>
             <a:endParaRPr lang="fr-FR"/>
           </a:p>
@@ -3124,6 +3555,7 @@
     <p:sldLayoutId id="2147483754" r:id="rId10"/>
     <p:sldLayoutId id="2147483755" r:id="rId11"/>
   </p:sldLayoutIdLst>
+  <p:hf hdr="0" ftr="0" dt="0"/>
   <p:txStyles>
     <p:titleStyle>
       <a:lvl1pPr algn="l" defTabSz="914400" rtl="0" eaLnBrk="1" latinLnBrk="0" hangingPunct="1">
@@ -3458,12 +3890,23 @@
             <p:ph type="subTitle" idx="1"/>
           </p:nvPr>
         </p:nvSpPr>
-        <p:spPr/>
+        <p:spPr>
+          <a:xfrm>
+            <a:off x="685800" y="3505200"/>
+            <a:ext cx="6400800" cy="1940024"/>
+          </a:xfrm>
+        </p:spPr>
         <p:txBody>
           <a:bodyPr>
             <a:normAutofit/>
           </a:bodyPr>
           <a:lstStyle/>
+          <a:p>
+            <a:r>
+              <a:rPr lang="fr-FR" dirty="0" smtClean="0"/>
+              <a:t>Hugo REBEIX</a:t>
+            </a:r>
+          </a:p>
           <a:p>
             <a:r>
               <a:rPr lang="fr-FR" dirty="0" smtClean="0"/>
@@ -3536,74 +3979,12 @@
         </p:nvSpPr>
         <p:spPr/>
         <p:txBody>
-          <a:bodyPr>
-            <a:normAutofit/>
-          </a:bodyPr>
-          <a:lstStyle/>
-          <a:p>
-            <a:r>
-              <a:rPr lang="fr-FR" dirty="0" smtClean="0"/>
-              <a:t>Remplissage des colonnes années</a:t>
-            </a:r>
-            <a:endParaRPr lang="fr-FR" dirty="0"/>
-          </a:p>
-        </p:txBody>
-      </p:sp>
-      <p:sp>
-        <p:nvSpPr>
-          <p:cNvPr id="7" name="ZoneTexte 6"/>
-          <p:cNvSpPr txBox="1"/>
-          <p:nvPr/>
-        </p:nvSpPr>
-        <p:spPr>
-          <a:xfrm>
-            <a:off x="409451" y="5445224"/>
-            <a:ext cx="8064896" cy="923330"/>
-          </a:xfrm>
-          <a:prstGeom prst="rect">
-            <a:avLst/>
-          </a:prstGeom>
-          <a:noFill/>
-        </p:spPr>
-        <p:txBody>
-          <a:bodyPr wrap="square" rtlCol="0">
-            <a:spAutoFit/>
-          </a:bodyPr>
-          <a:lstStyle/>
-          <a:p>
-            <a:r>
-              <a:rPr lang="fr-FR" dirty="0" smtClean="0"/>
-              <a:t>Les données sont très renseignées </a:t>
-            </a:r>
-            <a:r>
-              <a:rPr lang="fr-FR" dirty="0" err="1" smtClean="0"/>
-              <a:t>jusqu</a:t>
-            </a:r>
-            <a:r>
-              <a:rPr lang="fr-FR" dirty="0" smtClean="0"/>
-              <a:t> à </a:t>
-            </a:r>
-            <a:r>
-              <a:rPr lang="fr-FR" dirty="0" smtClean="0"/>
-              <a:t>2015 puis très peu de données entre 2016 et 2019.</a:t>
-            </a:r>
-          </a:p>
-          <a:p>
-            <a:r>
-              <a:rPr lang="fr-FR" dirty="0" smtClean="0"/>
-              <a:t>Les projections commencent en 2020, </a:t>
-            </a:r>
-            <a:r>
-              <a:rPr lang="fr-FR" dirty="0" err="1" smtClean="0"/>
-              <a:t>jusqu</a:t>
-            </a:r>
-            <a:r>
-              <a:rPr lang="fr-FR" dirty="0" smtClean="0"/>
-              <a:t> à </a:t>
-            </a:r>
-            <a:r>
-              <a:rPr lang="fr-FR" dirty="0" smtClean="0"/>
-              <a:t>2100.</a:t>
+          <a:bodyPr/>
+          <a:lstStyle/>
+          <a:p>
+            <a:r>
+              <a:rPr lang="fr-FR" dirty="0" smtClean="0"/>
+              <a:t>Remplissage absolu</a:t>
             </a:r>
             <a:endParaRPr lang="fr-FR" dirty="0"/>
           </a:p>
@@ -3611,11 +3992,13 @@
       </p:sp>
       <p:pic>
         <p:nvPicPr>
-          <p:cNvPr id="8" name="Image 7"/>
+          <p:cNvPr id="6" name="Espace réservé du contenu 5"/>
           <p:cNvPicPr>
-            <a:picLocks noChangeAspect="1"/>
+            <a:picLocks noGrp="1" noChangeAspect="1"/>
           </p:cNvPicPr>
-          <p:nvPr/>
+          <p:nvPr>
+            <p:ph idx="1"/>
+          </p:nvPr>
         </p:nvPicPr>
         <p:blipFill>
           <a:blip r:embed="rId2">
@@ -3631,18 +4014,38 @@
         </p:blipFill>
         <p:spPr>
           <a:xfrm>
-            <a:off x="10570" y="2024008"/>
-            <a:ext cx="9144000" cy="2651864"/>
+            <a:off x="1835696" y="1844824"/>
+            <a:ext cx="5398285" cy="4525963"/>
           </a:xfrm>
-          <a:prstGeom prst="rect">
-            <a:avLst/>
-          </a:prstGeom>
         </p:spPr>
       </p:pic>
+      <p:sp>
+        <p:nvSpPr>
+          <p:cNvPr id="3" name="Espace réservé du numéro de diapositive 2"/>
+          <p:cNvSpPr>
+            <a:spLocks noGrp="1"/>
+          </p:cNvSpPr>
+          <p:nvPr>
+            <p:ph type="sldNum" sz="quarter" idx="12"/>
+          </p:nvPr>
+        </p:nvSpPr>
+        <p:spPr/>
+        <p:txBody>
+          <a:bodyPr/>
+          <a:lstStyle/>
+          <a:p>
+            <a:fld id="{724BE394-8A7C-45DA-99F5-6969B9139923}" type="slidenum">
+              <a:rPr lang="fr-FR" smtClean="0"/>
+              <a:t>10</a:t>
+            </a:fld>
+            <a:endParaRPr lang="fr-FR"/>
+          </a:p>
+        </p:txBody>
+      </p:sp>
     </p:spTree>
     <p:extLst>
       <p:ext uri="{BB962C8B-B14F-4D97-AF65-F5344CB8AC3E}">
-        <p14:creationId xmlns:p14="http://schemas.microsoft.com/office/powerpoint/2010/main" val="608239780"/>
+        <p14:creationId xmlns:p14="http://schemas.microsoft.com/office/powerpoint/2010/main" val="2799619606"/>
       </p:ext>
     </p:extLst>
   </p:cSld>
@@ -3688,12 +4091,14 @@
         </p:nvSpPr>
         <p:spPr/>
         <p:txBody>
-          <a:bodyPr/>
-          <a:lstStyle/>
-          <a:p>
-            <a:r>
-              <a:rPr lang="fr-FR" dirty="0" smtClean="0"/>
-              <a:t>Qualification du set de données</a:t>
+          <a:bodyPr>
+            <a:normAutofit/>
+          </a:bodyPr>
+          <a:lstStyle/>
+          <a:p>
+            <a:r>
+              <a:rPr lang="fr-FR" dirty="0" smtClean="0"/>
+              <a:t>Remplissage des colonnes années</a:t>
             </a:r>
             <a:endParaRPr lang="fr-FR" dirty="0"/>
           </a:p>
@@ -3701,51 +4106,113 @@
       </p:sp>
       <p:sp>
         <p:nvSpPr>
-          <p:cNvPr id="3" name="Espace réservé du contenu 2"/>
-          <p:cNvSpPr>
-            <a:spLocks noGrp="1"/>
-          </p:cNvSpPr>
-          <p:nvPr>
-            <p:ph idx="1"/>
-          </p:nvPr>
-        </p:nvSpPr>
-        <p:spPr/>
-        <p:txBody>
-          <a:bodyPr/>
-          <a:lstStyle/>
-          <a:p>
-            <a:r>
-              <a:rPr lang="fr-FR" dirty="0" smtClean="0"/>
-              <a:t>Ce set de données contient beaucoup de colonnes inutiles et de données non renseignées.</a:t>
-            </a:r>
-          </a:p>
-          <a:p>
+          <p:cNvPr id="7" name="ZoneTexte 6"/>
+          <p:cNvSpPr txBox="1"/>
+          <p:nvPr/>
+        </p:nvSpPr>
+        <p:spPr>
+          <a:xfrm>
+            <a:off x="409451" y="5445224"/>
+            <a:ext cx="8064896" cy="923330"/>
+          </a:xfrm>
+          <a:prstGeom prst="rect">
+            <a:avLst/>
+          </a:prstGeom>
+          <a:noFill/>
+        </p:spPr>
+        <p:txBody>
+          <a:bodyPr wrap="square" rtlCol="0">
+            <a:spAutoFit/>
+          </a:bodyPr>
+          <a:lstStyle/>
+          <a:p>
+            <a:r>
+              <a:rPr lang="fr-FR" dirty="0" smtClean="0"/>
+              <a:t>Les données sont très renseignées </a:t>
+            </a:r>
+            <a:r>
+              <a:rPr lang="fr-FR" dirty="0" err="1" smtClean="0"/>
+              <a:t>jusqu</a:t>
+            </a:r>
+            <a:r>
+              <a:rPr lang="fr-FR" dirty="0" smtClean="0"/>
+              <a:t> à 2015 puis très peu de données entre 2016 et 2019.</a:t>
+            </a:r>
+          </a:p>
+          <a:p>
+            <a:r>
+              <a:rPr lang="fr-FR" dirty="0" smtClean="0"/>
+              <a:t>Les projections commencent en 2020, </a:t>
+            </a:r>
+            <a:r>
+              <a:rPr lang="fr-FR" dirty="0" err="1" smtClean="0"/>
+              <a:t>jusqu</a:t>
+            </a:r>
+            <a:r>
+              <a:rPr lang="fr-FR" dirty="0" smtClean="0"/>
+              <a:t> à 2100.</a:t>
+            </a:r>
             <a:endParaRPr lang="fr-FR" dirty="0"/>
           </a:p>
-          <a:p>
-            <a:endParaRPr lang="fr-FR" dirty="0" smtClean="0"/>
-          </a:p>
-          <a:p>
-            <a:r>
-              <a:rPr lang="fr-FR" dirty="0" smtClean="0"/>
-              <a:t>Le nombre important </a:t>
-            </a:r>
-            <a:r>
-              <a:rPr lang="fr-FR" dirty="0" smtClean="0"/>
-              <a:t>d indicateurs </a:t>
-            </a:r>
-            <a:r>
-              <a:rPr lang="fr-FR" dirty="0" smtClean="0"/>
-              <a:t>ainsi que la grande quantité de prédictions rend ce set de données tout à fait adapté à notre étude, moyennant une compréhension de la base et un nettoyage</a:t>
-            </a:r>
-            <a:endParaRPr lang="fr-FR" dirty="0"/>
+        </p:txBody>
+      </p:sp>
+      <p:pic>
+        <p:nvPicPr>
+          <p:cNvPr id="8" name="Image 7"/>
+          <p:cNvPicPr>
+            <a:picLocks noChangeAspect="1"/>
+          </p:cNvPicPr>
+          <p:nvPr/>
+        </p:nvPicPr>
+        <p:blipFill>
+          <a:blip r:embed="rId2">
+            <a:extLst>
+              <a:ext uri="{28A0092B-C50C-407E-A947-70E740481C1C}">
+                <a14:useLocalDpi xmlns:a14="http://schemas.microsoft.com/office/drawing/2010/main" val="0"/>
+              </a:ext>
+            </a:extLst>
+          </a:blip>
+          <a:stretch>
+            <a:fillRect/>
+          </a:stretch>
+        </p:blipFill>
+        <p:spPr>
+          <a:xfrm>
+            <a:off x="10570" y="2024008"/>
+            <a:ext cx="9144000" cy="2651864"/>
+          </a:xfrm>
+          <a:prstGeom prst="rect">
+            <a:avLst/>
+          </a:prstGeom>
+        </p:spPr>
+      </p:pic>
+      <p:sp>
+        <p:nvSpPr>
+          <p:cNvPr id="3" name="Espace réservé du numéro de diapositive 2"/>
+          <p:cNvSpPr>
+            <a:spLocks noGrp="1"/>
+          </p:cNvSpPr>
+          <p:nvPr>
+            <p:ph type="sldNum" sz="quarter" idx="12"/>
+          </p:nvPr>
+        </p:nvSpPr>
+        <p:spPr/>
+        <p:txBody>
+          <a:bodyPr/>
+          <a:lstStyle/>
+          <a:p>
+            <a:fld id="{724BE394-8A7C-45DA-99F5-6969B9139923}" type="slidenum">
+              <a:rPr lang="fr-FR" smtClean="0"/>
+              <a:t>11</a:t>
+            </a:fld>
+            <a:endParaRPr lang="fr-FR"/>
           </a:p>
         </p:txBody>
       </p:sp>
     </p:spTree>
     <p:extLst>
       <p:ext uri="{BB962C8B-B14F-4D97-AF65-F5344CB8AC3E}">
-        <p14:creationId xmlns:p14="http://schemas.microsoft.com/office/powerpoint/2010/main" val="3098824988"/>
+        <p14:creationId xmlns:p14="http://schemas.microsoft.com/office/powerpoint/2010/main" val="608239780"/>
       </p:ext>
     </p:extLst>
   </p:cSld>
@@ -3796,7 +4263,7 @@
           <a:p>
             <a:r>
               <a:rPr lang="fr-FR" dirty="0" smtClean="0"/>
-              <a:t>Nettoyage</a:t>
+              <a:t>Qualification du set de données</a:t>
             </a:r>
             <a:endParaRPr lang="fr-FR" dirty="0"/>
           </a:p>
@@ -3804,19 +4271,58 @@
       </p:sp>
       <p:sp>
         <p:nvSpPr>
-          <p:cNvPr id="3" name="Espace réservé du texte 2"/>
-          <p:cNvSpPr>
-            <a:spLocks noGrp="1"/>
-          </p:cNvSpPr>
-          <p:nvPr>
-            <p:ph type="body" idx="1"/>
-          </p:nvPr>
-        </p:nvSpPr>
-        <p:spPr/>
-        <p:txBody>
-          <a:bodyPr/>
-          <a:lstStyle/>
-          <a:p>
+          <p:cNvPr id="3" name="Espace réservé du contenu 2"/>
+          <p:cNvSpPr>
+            <a:spLocks noGrp="1"/>
+          </p:cNvSpPr>
+          <p:nvPr>
+            <p:ph idx="1"/>
+          </p:nvPr>
+        </p:nvSpPr>
+        <p:spPr/>
+        <p:txBody>
+          <a:bodyPr/>
+          <a:lstStyle/>
+          <a:p>
+            <a:r>
+              <a:rPr lang="fr-FR" dirty="0" smtClean="0"/>
+              <a:t>Ce set de données contient beaucoup de colonnes inutiles et de données non renseignées.</a:t>
+            </a:r>
+          </a:p>
+          <a:p>
+            <a:endParaRPr lang="fr-FR" dirty="0"/>
+          </a:p>
+          <a:p>
+            <a:endParaRPr lang="fr-FR" dirty="0" smtClean="0"/>
+          </a:p>
+          <a:p>
+            <a:r>
+              <a:rPr lang="fr-FR" dirty="0" smtClean="0"/>
+              <a:t>Le nombre important d indicateurs ainsi que la grande quantité de prédictions rend ce set de données tout à fait adapté à notre étude, moyennant une compréhension de la base et un nettoyage</a:t>
+            </a:r>
+            <a:endParaRPr lang="fr-FR" dirty="0"/>
+          </a:p>
+        </p:txBody>
+      </p:sp>
+      <p:sp>
+        <p:nvSpPr>
+          <p:cNvPr id="4" name="Espace réservé du numéro de diapositive 3"/>
+          <p:cNvSpPr>
+            <a:spLocks noGrp="1"/>
+          </p:cNvSpPr>
+          <p:nvPr>
+            <p:ph type="sldNum" sz="quarter" idx="12"/>
+          </p:nvPr>
+        </p:nvSpPr>
+        <p:spPr/>
+        <p:txBody>
+          <a:bodyPr/>
+          <a:lstStyle/>
+          <a:p>
+            <a:fld id="{724BE394-8A7C-45DA-99F5-6969B9139923}" type="slidenum">
+              <a:rPr lang="fr-FR" smtClean="0"/>
+              <a:t>12</a:t>
+            </a:fld>
             <a:endParaRPr lang="fr-FR"/>
           </a:p>
         </p:txBody>
@@ -3824,7 +4330,7 @@
     </p:spTree>
     <p:extLst>
       <p:ext uri="{BB962C8B-B14F-4D97-AF65-F5344CB8AC3E}">
-        <p14:creationId xmlns:p14="http://schemas.microsoft.com/office/powerpoint/2010/main" val="2804079828"/>
+        <p14:creationId xmlns:p14="http://schemas.microsoft.com/office/powerpoint/2010/main" val="3098824988"/>
       </p:ext>
     </p:extLst>
   </p:cSld>
@@ -3875,7 +4381,7 @@
           <a:p>
             <a:r>
               <a:rPr lang="fr-FR" dirty="0" smtClean="0"/>
-              <a:t>Filtrage des colonnes	</a:t>
+              <a:t>Nettoyage</a:t>
             </a:r>
             <a:endParaRPr lang="fr-FR" dirty="0"/>
           </a:p>
@@ -3883,70 +4389,50 @@
       </p:sp>
       <p:sp>
         <p:nvSpPr>
-          <p:cNvPr id="3" name="Espace réservé du contenu 2"/>
-          <p:cNvSpPr>
-            <a:spLocks noGrp="1"/>
-          </p:cNvSpPr>
-          <p:nvPr>
-            <p:ph idx="1"/>
-          </p:nvPr>
-        </p:nvSpPr>
-        <p:spPr>
-          <a:xfrm>
-            <a:off x="3347864" y="1600200"/>
-            <a:ext cx="5338936" cy="4876800"/>
-          </a:xfrm>
-        </p:spPr>
-        <p:txBody>
-          <a:bodyPr/>
-          <a:lstStyle/>
-          <a:p>
-            <a:r>
-              <a:rPr lang="fr-FR" dirty="0" err="1" smtClean="0"/>
-              <a:t>Supression</a:t>
-            </a:r>
-            <a:r>
-              <a:rPr lang="fr-FR" dirty="0" smtClean="0"/>
-              <a:t> arbitraire des colonnes remplies à moins de 25% sauf pour les colonnes années qui sont la valeur ajoutée</a:t>
-            </a:r>
-            <a:endParaRPr lang="fr-FR" dirty="0"/>
-          </a:p>
-        </p:txBody>
-      </p:sp>
-      <p:pic>
-        <p:nvPicPr>
-          <p:cNvPr id="5" name="Image 4"/>
-          <p:cNvPicPr>
-            <a:picLocks noChangeAspect="1"/>
-          </p:cNvPicPr>
-          <p:nvPr/>
-        </p:nvPicPr>
-        <p:blipFill>
-          <a:blip r:embed="rId2">
-            <a:extLst>
-              <a:ext uri="{28A0092B-C50C-407E-A947-70E740481C1C}">
-                <a14:useLocalDpi xmlns:a14="http://schemas.microsoft.com/office/drawing/2010/main" val="0"/>
-              </a:ext>
-            </a:extLst>
-          </a:blip>
-          <a:stretch>
-            <a:fillRect/>
-          </a:stretch>
-        </p:blipFill>
-        <p:spPr>
-          <a:xfrm>
-            <a:off x="683568" y="1340768"/>
-            <a:ext cx="2187130" cy="5204911"/>
-          </a:xfrm>
-          <a:prstGeom prst="rect">
-            <a:avLst/>
-          </a:prstGeom>
-        </p:spPr>
-      </p:pic>
+          <p:cNvPr id="3" name="Espace réservé du texte 2"/>
+          <p:cNvSpPr>
+            <a:spLocks noGrp="1"/>
+          </p:cNvSpPr>
+          <p:nvPr>
+            <p:ph type="body" idx="1"/>
+          </p:nvPr>
+        </p:nvSpPr>
+        <p:spPr/>
+        <p:txBody>
+          <a:bodyPr/>
+          <a:lstStyle/>
+          <a:p>
+            <a:endParaRPr lang="fr-FR"/>
+          </a:p>
+        </p:txBody>
+      </p:sp>
+      <p:sp>
+        <p:nvSpPr>
+          <p:cNvPr id="4" name="Espace réservé du numéro de diapositive 3"/>
+          <p:cNvSpPr>
+            <a:spLocks noGrp="1"/>
+          </p:cNvSpPr>
+          <p:nvPr>
+            <p:ph type="sldNum" sz="quarter" idx="12"/>
+          </p:nvPr>
+        </p:nvSpPr>
+        <p:spPr/>
+        <p:txBody>
+          <a:bodyPr/>
+          <a:lstStyle/>
+          <a:p>
+            <a:fld id="{724BE394-8A7C-45DA-99F5-6969B9139923}" type="slidenum">
+              <a:rPr lang="fr-FR" smtClean="0"/>
+              <a:t>13</a:t>
+            </a:fld>
+            <a:endParaRPr lang="fr-FR"/>
+          </a:p>
+        </p:txBody>
+      </p:sp>
     </p:spTree>
     <p:extLst>
       <p:ext uri="{BB962C8B-B14F-4D97-AF65-F5344CB8AC3E}">
-        <p14:creationId xmlns:p14="http://schemas.microsoft.com/office/powerpoint/2010/main" val="746531073"/>
+        <p14:creationId xmlns:p14="http://schemas.microsoft.com/office/powerpoint/2010/main" val="2804079828"/>
       </p:ext>
     </p:extLst>
   </p:cSld>
@@ -3997,6 +4483,151 @@
           <a:p>
             <a:r>
               <a:rPr lang="fr-FR" dirty="0" smtClean="0"/>
+              <a:t>Filtrage des colonnes	</a:t>
+            </a:r>
+            <a:endParaRPr lang="fr-FR" dirty="0"/>
+          </a:p>
+        </p:txBody>
+      </p:sp>
+      <p:sp>
+        <p:nvSpPr>
+          <p:cNvPr id="3" name="Espace réservé du contenu 2"/>
+          <p:cNvSpPr>
+            <a:spLocks noGrp="1"/>
+          </p:cNvSpPr>
+          <p:nvPr>
+            <p:ph idx="1"/>
+          </p:nvPr>
+        </p:nvSpPr>
+        <p:spPr>
+          <a:xfrm>
+            <a:off x="3347864" y="1600200"/>
+            <a:ext cx="5338936" cy="4876800"/>
+          </a:xfrm>
+        </p:spPr>
+        <p:txBody>
+          <a:bodyPr/>
+          <a:lstStyle/>
+          <a:p>
+            <a:r>
+              <a:rPr lang="fr-FR" dirty="0" err="1" smtClean="0"/>
+              <a:t>Supression</a:t>
+            </a:r>
+            <a:r>
+              <a:rPr lang="fr-FR" dirty="0" smtClean="0"/>
+              <a:t> arbitraire des colonnes remplies à moins de 25% sauf pour les colonnes années qui sont la valeur ajoutée</a:t>
+            </a:r>
+            <a:endParaRPr lang="fr-FR" dirty="0"/>
+          </a:p>
+        </p:txBody>
+      </p:sp>
+      <p:pic>
+        <p:nvPicPr>
+          <p:cNvPr id="5" name="Image 4"/>
+          <p:cNvPicPr>
+            <a:picLocks noChangeAspect="1"/>
+          </p:cNvPicPr>
+          <p:nvPr/>
+        </p:nvPicPr>
+        <p:blipFill>
+          <a:blip r:embed="rId2">
+            <a:extLst>
+              <a:ext uri="{28A0092B-C50C-407E-A947-70E740481C1C}">
+                <a14:useLocalDpi xmlns:a14="http://schemas.microsoft.com/office/drawing/2010/main" val="0"/>
+              </a:ext>
+            </a:extLst>
+          </a:blip>
+          <a:stretch>
+            <a:fillRect/>
+          </a:stretch>
+        </p:blipFill>
+        <p:spPr>
+          <a:xfrm>
+            <a:off x="683568" y="1340768"/>
+            <a:ext cx="2187130" cy="5204911"/>
+          </a:xfrm>
+          <a:prstGeom prst="rect">
+            <a:avLst/>
+          </a:prstGeom>
+        </p:spPr>
+      </p:pic>
+      <p:sp>
+        <p:nvSpPr>
+          <p:cNvPr id="4" name="Espace réservé du numéro de diapositive 3"/>
+          <p:cNvSpPr>
+            <a:spLocks noGrp="1"/>
+          </p:cNvSpPr>
+          <p:nvPr>
+            <p:ph type="sldNum" sz="quarter" idx="12"/>
+          </p:nvPr>
+        </p:nvSpPr>
+        <p:spPr/>
+        <p:txBody>
+          <a:bodyPr/>
+          <a:lstStyle/>
+          <a:p>
+            <a:fld id="{724BE394-8A7C-45DA-99F5-6969B9139923}" type="slidenum">
+              <a:rPr lang="fr-FR" smtClean="0"/>
+              <a:t>14</a:t>
+            </a:fld>
+            <a:endParaRPr lang="fr-FR"/>
+          </a:p>
+        </p:txBody>
+      </p:sp>
+    </p:spTree>
+    <p:extLst>
+      <p:ext uri="{BB962C8B-B14F-4D97-AF65-F5344CB8AC3E}">
+        <p14:creationId xmlns:p14="http://schemas.microsoft.com/office/powerpoint/2010/main" val="746531073"/>
+      </p:ext>
+    </p:extLst>
+  </p:cSld>
+  <p:clrMapOvr>
+    <a:masterClrMapping/>
+  </p:clrMapOvr>
+  <p:timing>
+    <p:tnLst>
+      <p:par>
+        <p:cTn id="1" dur="indefinite" restart="never" nodeType="tmRoot"/>
+      </p:par>
+    </p:tnLst>
+  </p:timing>
+</p:sld>
+</file>
+
+<file path=ppt/slides/slide15.xml><?xml version="1.0" encoding="utf-8"?>
+<p:sld xmlns:a="http://schemas.openxmlformats.org/drawingml/2006/main" xmlns:r="http://schemas.openxmlformats.org/officeDocument/2006/relationships" xmlns:p="http://schemas.openxmlformats.org/presentationml/2006/main">
+  <p:cSld>
+    <p:spTree>
+      <p:nvGrpSpPr>
+        <p:cNvPr id="1" name=""/>
+        <p:cNvGrpSpPr/>
+        <p:nvPr/>
+      </p:nvGrpSpPr>
+      <p:grpSpPr>
+        <a:xfrm>
+          <a:off x="0" y="0"/>
+          <a:ext cx="0" cy="0"/>
+          <a:chOff x="0" y="0"/>
+          <a:chExt cx="0" cy="0"/>
+        </a:xfrm>
+      </p:grpSpPr>
+      <p:sp>
+        <p:nvSpPr>
+          <p:cNvPr id="2" name="Titre 1"/>
+          <p:cNvSpPr>
+            <a:spLocks noGrp="1"/>
+          </p:cNvSpPr>
+          <p:nvPr>
+            <p:ph type="title"/>
+          </p:nvPr>
+        </p:nvSpPr>
+        <p:spPr/>
+        <p:txBody>
+          <a:bodyPr/>
+          <a:lstStyle/>
+          <a:p>
+            <a:r>
+              <a:rPr lang="fr-FR" dirty="0" smtClean="0"/>
               <a:t>Filtrage des colonnes</a:t>
             </a:r>
             <a:endParaRPr lang="fr-FR" dirty="0"/>
@@ -4060,6 +4691,29 @@
           </a:prstGeom>
         </p:spPr>
       </p:pic>
+      <p:sp>
+        <p:nvSpPr>
+          <p:cNvPr id="5" name="Espace réservé du numéro de diapositive 4"/>
+          <p:cNvSpPr>
+            <a:spLocks noGrp="1"/>
+          </p:cNvSpPr>
+          <p:nvPr>
+            <p:ph type="sldNum" sz="quarter" idx="12"/>
+          </p:nvPr>
+        </p:nvSpPr>
+        <p:spPr/>
+        <p:txBody>
+          <a:bodyPr/>
+          <a:lstStyle/>
+          <a:p>
+            <a:fld id="{724BE394-8A7C-45DA-99F5-6969B9139923}" type="slidenum">
+              <a:rPr lang="fr-FR" smtClean="0"/>
+              <a:t>15</a:t>
+            </a:fld>
+            <a:endParaRPr lang="fr-FR"/>
+          </a:p>
+        </p:txBody>
+      </p:sp>
     </p:spTree>
     <p:extLst>
       <p:ext uri="{BB962C8B-B14F-4D97-AF65-F5344CB8AC3E}">
@@ -4080,7 +4734,7 @@
 </p:sld>
 </file>
 
-<file path=ppt/slides/slide15.xml><?xml version="1.0" encoding="utf-8"?>
+<file path=ppt/slides/slide16.xml><?xml version="1.0" encoding="utf-8"?>
 <p:sld xmlns:a="http://schemas.openxmlformats.org/drawingml/2006/main" xmlns:r="http://schemas.openxmlformats.org/officeDocument/2006/relationships" xmlns:p="http://schemas.openxmlformats.org/presentationml/2006/main">
   <p:cSld>
     <p:spTree>
@@ -4219,97 +4873,33 @@
           </a:p>
         </p:txBody>
       </p:sp>
+      <p:sp>
+        <p:nvSpPr>
+          <p:cNvPr id="3" name="Espace réservé du numéro de diapositive 2"/>
+          <p:cNvSpPr>
+            <a:spLocks noGrp="1"/>
+          </p:cNvSpPr>
+          <p:nvPr>
+            <p:ph type="sldNum" sz="quarter" idx="12"/>
+          </p:nvPr>
+        </p:nvSpPr>
+        <p:spPr/>
+        <p:txBody>
+          <a:bodyPr/>
+          <a:lstStyle/>
+          <a:p>
+            <a:fld id="{724BE394-8A7C-45DA-99F5-6969B9139923}" type="slidenum">
+              <a:rPr lang="fr-FR" smtClean="0"/>
+              <a:t>16</a:t>
+            </a:fld>
+            <a:endParaRPr lang="fr-FR"/>
+          </a:p>
+        </p:txBody>
+      </p:sp>
     </p:spTree>
     <p:extLst>
       <p:ext uri="{BB962C8B-B14F-4D97-AF65-F5344CB8AC3E}">
         <p14:creationId xmlns:p14="http://schemas.microsoft.com/office/powerpoint/2010/main" val="3834879631"/>
-      </p:ext>
-    </p:extLst>
-  </p:cSld>
-  <p:clrMapOvr>
-    <a:masterClrMapping/>
-  </p:clrMapOvr>
-  <p:timing>
-    <p:tnLst>
-      <p:par>
-        <p:cTn id="1" dur="indefinite" restart="never" nodeType="tmRoot"/>
-      </p:par>
-    </p:tnLst>
-  </p:timing>
-</p:sld>
-</file>
-
-<file path=ppt/slides/slide16.xml><?xml version="1.0" encoding="utf-8"?>
-<p:sld xmlns:a="http://schemas.openxmlformats.org/drawingml/2006/main" xmlns:r="http://schemas.openxmlformats.org/officeDocument/2006/relationships" xmlns:p="http://schemas.openxmlformats.org/presentationml/2006/main">
-  <p:cSld>
-    <p:spTree>
-      <p:nvGrpSpPr>
-        <p:cNvPr id="1" name=""/>
-        <p:cNvGrpSpPr/>
-        <p:nvPr/>
-      </p:nvGrpSpPr>
-      <p:grpSpPr>
-        <a:xfrm>
-          <a:off x="0" y="0"/>
-          <a:ext cx="0" cy="0"/>
-          <a:chOff x="0" y="0"/>
-          <a:chExt cx="0" cy="0"/>
-        </a:xfrm>
-      </p:grpSpPr>
-      <p:sp>
-        <p:nvSpPr>
-          <p:cNvPr id="2" name="Titre 1"/>
-          <p:cNvSpPr>
-            <a:spLocks noGrp="1"/>
-          </p:cNvSpPr>
-          <p:nvPr>
-            <p:ph type="title"/>
-          </p:nvPr>
-        </p:nvSpPr>
-        <p:spPr/>
-        <p:txBody>
-          <a:bodyPr/>
-          <a:lstStyle/>
-          <a:p>
-            <a:r>
-              <a:rPr lang="fr-FR" dirty="0" smtClean="0"/>
-              <a:t>Analyse </a:t>
-            </a:r>
-            <a:r>
-              <a:rPr lang="fr-FR" dirty="0" smtClean="0"/>
-              <a:t>d indicateurs</a:t>
-            </a:r>
-            <a:endParaRPr lang="fr-FR" dirty="0"/>
-          </a:p>
-        </p:txBody>
-      </p:sp>
-      <p:sp>
-        <p:nvSpPr>
-          <p:cNvPr id="3" name="Espace réservé du texte 2"/>
-          <p:cNvSpPr>
-            <a:spLocks noGrp="1"/>
-          </p:cNvSpPr>
-          <p:nvPr>
-            <p:ph type="body" idx="1"/>
-          </p:nvPr>
-        </p:nvSpPr>
-        <p:spPr/>
-        <p:txBody>
-          <a:bodyPr/>
-          <a:lstStyle/>
-          <a:p>
-            <a:r>
-              <a:rPr lang="fr-FR" dirty="0" smtClean="0"/>
-              <a:t>Et sélection de pays</a:t>
-            </a:r>
-            <a:endParaRPr lang="fr-FR" dirty="0"/>
-          </a:p>
-        </p:txBody>
-      </p:sp>
-    </p:spTree>
-    <p:extLst>
-      <p:ext uri="{BB962C8B-B14F-4D97-AF65-F5344CB8AC3E}">
-        <p14:creationId xmlns:p14="http://schemas.microsoft.com/office/powerpoint/2010/main" val="3055180757"/>
       </p:ext>
     </p:extLst>
   </p:cSld>
@@ -4360,7 +4950,7 @@
           <a:p>
             <a:r>
               <a:rPr lang="fr-FR" dirty="0" smtClean="0"/>
-              <a:t>Indicateurs ciblés</a:t>
+              <a:t>Analyse d indicateurs</a:t>
             </a:r>
             <a:endParaRPr lang="fr-FR" dirty="0"/>
           </a:p>
@@ -4368,106 +4958,54 @@
       </p:sp>
       <p:sp>
         <p:nvSpPr>
-          <p:cNvPr id="3" name="Espace réservé du contenu 2"/>
-          <p:cNvSpPr>
-            <a:spLocks noGrp="1"/>
-          </p:cNvSpPr>
-          <p:nvPr>
-            <p:ph idx="1"/>
-          </p:nvPr>
-        </p:nvSpPr>
-        <p:spPr/>
-        <p:txBody>
-          <a:bodyPr>
-            <a:normAutofit/>
-          </a:bodyPr>
-          <a:lstStyle/>
-          <a:p>
-            <a:r>
-              <a:rPr lang="fr-FR" sz="2800" dirty="0" smtClean="0"/>
-              <a:t>Il est nécessaire que </a:t>
-            </a:r>
-            <a:r>
-              <a:rPr lang="fr-FR" sz="2800" dirty="0" smtClean="0"/>
-              <a:t>l accès </a:t>
-            </a:r>
-            <a:r>
-              <a:rPr lang="fr-FR" sz="2800" dirty="0" smtClean="0"/>
-              <a:t>à internet soit très répandu</a:t>
-            </a:r>
-          </a:p>
-          <a:p>
-            <a:r>
-              <a:rPr lang="fr-FR" sz="2800" dirty="0" smtClean="0"/>
-              <a:t>Le pays doit avoir une population élevée</a:t>
-            </a:r>
-          </a:p>
-          <a:p>
-            <a:r>
-              <a:rPr lang="fr-FR" sz="2800" dirty="0" smtClean="0"/>
-              <a:t>Le taux </a:t>
-            </a:r>
-            <a:r>
-              <a:rPr lang="fr-FR" sz="2800" dirty="0" smtClean="0"/>
-              <a:t>d alphabétisation </a:t>
-            </a:r>
-            <a:r>
-              <a:rPr lang="fr-FR" sz="2800" dirty="0" smtClean="0"/>
-              <a:t>doit être haut parmi la population jeune</a:t>
-            </a:r>
-          </a:p>
-          <a:p>
-            <a:r>
-              <a:rPr lang="fr-FR" sz="2800" dirty="0" smtClean="0"/>
-              <a:t>Le pays doit avoir un PIB haut.</a:t>
-            </a:r>
-          </a:p>
-          <a:p>
-            <a:r>
-              <a:rPr lang="fr-FR" sz="2800" dirty="0" smtClean="0"/>
-              <a:t>Enfin, nous </a:t>
-            </a:r>
-            <a:r>
-              <a:rPr lang="fr-FR" sz="2800" dirty="0"/>
-              <a:t>cherchons des pays ayant un nombre croissant </a:t>
-            </a:r>
-            <a:r>
-              <a:rPr lang="fr-FR" sz="2800" dirty="0" smtClean="0"/>
-              <a:t>d élèves </a:t>
-            </a:r>
-            <a:r>
-              <a:rPr lang="fr-FR" sz="2800" dirty="0"/>
-              <a:t>dans le secondaire.</a:t>
-            </a:r>
-          </a:p>
-          <a:p>
-            <a:pPr>
-              <a:buFont typeface="Wingdings" panose="05000000000000000000" pitchFamily="2" charset="2"/>
-              <a:buChar char="Ø"/>
-            </a:pPr>
-            <a:r>
-              <a:rPr lang="fr-FR" sz="2800" dirty="0"/>
-              <a:t> </a:t>
-            </a:r>
-            <a:r>
-              <a:rPr lang="fr-FR" sz="2800" dirty="0" smtClean="0"/>
-              <a:t>Critères arbitraires utilisés dans </a:t>
-            </a:r>
-            <a:r>
-              <a:rPr lang="fr-FR" sz="2800" dirty="0" smtClean="0"/>
-              <a:t>l étude</a:t>
-            </a:r>
-            <a:r>
-              <a:rPr lang="fr-FR" sz="2800" dirty="0" smtClean="0"/>
-              <a:t>.</a:t>
-            </a:r>
+          <p:cNvPr id="3" name="Espace réservé du texte 2"/>
+          <p:cNvSpPr>
+            <a:spLocks noGrp="1"/>
+          </p:cNvSpPr>
+          <p:nvPr>
+            <p:ph type="body" idx="1"/>
+          </p:nvPr>
+        </p:nvSpPr>
+        <p:spPr/>
+        <p:txBody>
+          <a:bodyPr/>
+          <a:lstStyle/>
+          <a:p>
+            <a:r>
+              <a:rPr lang="fr-FR" dirty="0" smtClean="0"/>
+              <a:t>Et sélection de pays</a:t>
+            </a:r>
+            <a:endParaRPr lang="fr-FR" dirty="0"/>
+          </a:p>
+        </p:txBody>
+      </p:sp>
+      <p:sp>
+        <p:nvSpPr>
+          <p:cNvPr id="4" name="Espace réservé du numéro de diapositive 3"/>
+          <p:cNvSpPr>
+            <a:spLocks noGrp="1"/>
+          </p:cNvSpPr>
+          <p:nvPr>
+            <p:ph type="sldNum" sz="quarter" idx="12"/>
+          </p:nvPr>
+        </p:nvSpPr>
+        <p:spPr/>
+        <p:txBody>
+          <a:bodyPr/>
+          <a:lstStyle/>
+          <a:p>
+            <a:fld id="{724BE394-8A7C-45DA-99F5-6969B9139923}" type="slidenum">
+              <a:rPr lang="fr-FR" smtClean="0"/>
+              <a:t>17</a:t>
+            </a:fld>
+            <a:endParaRPr lang="fr-FR"/>
           </a:p>
         </p:txBody>
       </p:sp>
     </p:spTree>
     <p:extLst>
       <p:ext uri="{BB962C8B-B14F-4D97-AF65-F5344CB8AC3E}">
-        <p14:creationId xmlns:p14="http://schemas.microsoft.com/office/powerpoint/2010/main" val="442684062"/>
+        <p14:creationId xmlns:p14="http://schemas.microsoft.com/office/powerpoint/2010/main" val="3055180757"/>
       </p:ext>
     </p:extLst>
   </p:cSld>
@@ -4511,12 +5049,30 @@
             <p:ph type="title"/>
           </p:nvPr>
         </p:nvSpPr>
-        <p:spPr>
-          <a:xfrm>
-            <a:off x="467544" y="-243408"/>
-            <a:ext cx="6552728" cy="1264920"/>
-          </a:xfrm>
-        </p:spPr>
+        <p:spPr/>
+        <p:txBody>
+          <a:bodyPr/>
+          <a:lstStyle/>
+          <a:p>
+            <a:r>
+              <a:rPr lang="fr-FR" dirty="0" smtClean="0"/>
+              <a:t>Indicateurs ciblés</a:t>
+            </a:r>
+            <a:endParaRPr lang="fr-FR" dirty="0"/>
+          </a:p>
+        </p:txBody>
+      </p:sp>
+      <p:sp>
+        <p:nvSpPr>
+          <p:cNvPr id="3" name="Espace réservé du contenu 2"/>
+          <p:cNvSpPr>
+            <a:spLocks noGrp="1"/>
+          </p:cNvSpPr>
+          <p:nvPr>
+            <p:ph idx="1"/>
+          </p:nvPr>
+        </p:nvSpPr>
+        <p:spPr/>
         <p:txBody>
           <a:bodyPr>
             <a:normAutofit/>
@@ -4525,99 +5081,77 @@
           <a:p>
             <a:r>
               <a:rPr lang="fr-FR" sz="2800" dirty="0" smtClean="0"/>
-              <a:t>Indicateur Internet</a:t>
+              <a:t>Accès à internet</a:t>
+            </a:r>
+          </a:p>
+          <a:p>
+            <a:r>
+              <a:rPr lang="fr-FR" sz="2800" dirty="0" smtClean="0"/>
+              <a:t>Population</a:t>
+            </a:r>
+          </a:p>
+          <a:p>
+            <a:r>
+              <a:rPr lang="fr-FR" sz="2800" dirty="0" smtClean="0"/>
+              <a:t>Alphabétisation</a:t>
+            </a:r>
+          </a:p>
+          <a:p>
+            <a:r>
+              <a:rPr lang="fr-FR" sz="2800" dirty="0" smtClean="0"/>
+              <a:t>PIB</a:t>
+            </a:r>
+          </a:p>
+          <a:p>
+            <a:r>
+              <a:rPr lang="fr-FR" sz="2800" dirty="0" smtClean="0"/>
+              <a:t>Nombre d’élèves du secondaire</a:t>
             </a:r>
             <a:endParaRPr lang="fr-FR" sz="2800" dirty="0"/>
           </a:p>
-        </p:txBody>
-      </p:sp>
-      <p:sp>
-        <p:nvSpPr>
-          <p:cNvPr id="4" name="Espace réservé du texte 3"/>
-          <p:cNvSpPr>
-            <a:spLocks noGrp="1"/>
-          </p:cNvSpPr>
-          <p:nvPr>
-            <p:ph type="body" sz="half" idx="2"/>
-          </p:nvPr>
-        </p:nvSpPr>
-        <p:spPr>
-          <a:xfrm>
-            <a:off x="107504" y="1650110"/>
-            <a:ext cx="1738536" cy="4242816"/>
-          </a:xfrm>
-        </p:spPr>
-        <p:txBody>
-          <a:bodyPr>
-            <a:normAutofit/>
-          </a:bodyPr>
-          <a:lstStyle/>
-          <a:p>
-            <a:r>
-              <a:rPr lang="fr-FR" dirty="0" smtClean="0"/>
-              <a:t>« Internet </a:t>
-            </a:r>
-            <a:r>
-              <a:rPr lang="fr-FR" dirty="0" err="1" smtClean="0"/>
-              <a:t>Users</a:t>
-            </a:r>
-            <a:r>
-              <a:rPr lang="fr-FR" dirty="0" smtClean="0"/>
-              <a:t> per 100 people»</a:t>
-            </a:r>
-          </a:p>
-          <a:p>
-            <a:endParaRPr lang="fr-FR" dirty="0" smtClean="0"/>
-          </a:p>
-          <a:p>
-            <a:r>
-              <a:rPr lang="fr-FR" dirty="0" smtClean="0"/>
-              <a:t>Code World Bank:</a:t>
-            </a:r>
-          </a:p>
-          <a:p>
-            <a:r>
-              <a:rPr lang="fr-FR" dirty="0" smtClean="0"/>
-              <a:t> IT.NET.USER.P2 </a:t>
-            </a:r>
-            <a:endParaRPr lang="fr-FR" dirty="0" smtClean="0"/>
-          </a:p>
-        </p:txBody>
-      </p:sp>
-      <p:pic>
-        <p:nvPicPr>
-          <p:cNvPr id="5" name="Image 4"/>
-          <p:cNvPicPr>
-            <a:picLocks noChangeAspect="1"/>
-          </p:cNvPicPr>
-          <p:nvPr/>
-        </p:nvPicPr>
-        <p:blipFill>
-          <a:blip r:embed="rId2">
-            <a:extLst>
-              <a:ext uri="{28A0092B-C50C-407E-A947-70E740481C1C}">
-                <a14:useLocalDpi xmlns:a14="http://schemas.microsoft.com/office/drawing/2010/main" val="0"/>
-              </a:ext>
-            </a:extLst>
-          </a:blip>
-          <a:stretch>
-            <a:fillRect/>
-          </a:stretch>
-        </p:blipFill>
-        <p:spPr>
-          <a:xfrm>
-            <a:off x="2483767" y="1340768"/>
-            <a:ext cx="6296501" cy="4991940"/>
-          </a:xfrm>
-          <a:prstGeom prst="rect">
-            <a:avLst/>
-          </a:prstGeom>
-        </p:spPr>
-      </p:pic>
+          <a:p>
+            <a:pPr>
+              <a:buFont typeface="Wingdings" panose="05000000000000000000" pitchFamily="2" charset="2"/>
+              <a:buChar char="Ø"/>
+            </a:pPr>
+            <a:r>
+              <a:rPr lang="fr-FR" sz="2800" dirty="0"/>
+              <a:t> </a:t>
+            </a:r>
+            <a:r>
+              <a:rPr lang="fr-FR" sz="2800" dirty="0" smtClean="0"/>
+              <a:t>Critères à faire valider par l’expert métier</a:t>
+            </a:r>
+          </a:p>
+        </p:txBody>
+      </p:sp>
+      <p:sp>
+        <p:nvSpPr>
+          <p:cNvPr id="4" name="Espace réservé du numéro de diapositive 3"/>
+          <p:cNvSpPr>
+            <a:spLocks noGrp="1"/>
+          </p:cNvSpPr>
+          <p:nvPr>
+            <p:ph type="sldNum" sz="quarter" idx="12"/>
+          </p:nvPr>
+        </p:nvSpPr>
+        <p:spPr/>
+        <p:txBody>
+          <a:bodyPr/>
+          <a:lstStyle/>
+          <a:p>
+            <a:fld id="{724BE394-8A7C-45DA-99F5-6969B9139923}" type="slidenum">
+              <a:rPr lang="fr-FR" smtClean="0"/>
+              <a:t>18</a:t>
+            </a:fld>
+            <a:endParaRPr lang="fr-FR"/>
+          </a:p>
+        </p:txBody>
+      </p:sp>
     </p:spTree>
     <p:extLst>
       <p:ext uri="{BB962C8B-B14F-4D97-AF65-F5344CB8AC3E}">
-        <p14:creationId xmlns:p14="http://schemas.microsoft.com/office/powerpoint/2010/main" val="2271683687"/>
+        <p14:creationId xmlns:p14="http://schemas.microsoft.com/office/powerpoint/2010/main" val="442684062"/>
       </p:ext>
     </p:extLst>
   </p:cSld>
@@ -4730,13 +5264,12 @@
               <a:rPr lang="fr-FR" dirty="0" smtClean="0"/>
               <a:t> IT.NET.USER.P2 </a:t>
             </a:r>
-            <a:endParaRPr lang="fr-FR" dirty="0" smtClean="0"/>
           </a:p>
         </p:txBody>
       </p:sp>
       <p:pic>
         <p:nvPicPr>
-          <p:cNvPr id="7" name="Image 6"/>
+          <p:cNvPr id="5" name="Image 4"/>
           <p:cNvPicPr>
             <a:picLocks noChangeAspect="1"/>
           </p:cNvPicPr>
@@ -4756,18 +5289,41 @@
         </p:blipFill>
         <p:spPr>
           <a:xfrm>
-            <a:off x="1691679" y="1556792"/>
-            <a:ext cx="7452321" cy="4429452"/>
+            <a:off x="2483767" y="1340768"/>
+            <a:ext cx="6296501" cy="4991940"/>
           </a:xfrm>
           <a:prstGeom prst="rect">
             <a:avLst/>
           </a:prstGeom>
         </p:spPr>
       </p:pic>
+      <p:sp>
+        <p:nvSpPr>
+          <p:cNvPr id="3" name="Espace réservé du numéro de diapositive 2"/>
+          <p:cNvSpPr>
+            <a:spLocks noGrp="1"/>
+          </p:cNvSpPr>
+          <p:nvPr>
+            <p:ph type="sldNum" sz="quarter" idx="12"/>
+          </p:nvPr>
+        </p:nvSpPr>
+        <p:spPr/>
+        <p:txBody>
+          <a:bodyPr/>
+          <a:lstStyle/>
+          <a:p>
+            <a:fld id="{724BE394-8A7C-45DA-99F5-6969B9139923}" type="slidenum">
+              <a:rPr lang="fr-FR" smtClean="0"/>
+              <a:t>19</a:t>
+            </a:fld>
+            <a:endParaRPr lang="fr-FR"/>
+          </a:p>
+        </p:txBody>
+      </p:sp>
     </p:spTree>
     <p:extLst>
       <p:ext uri="{BB962C8B-B14F-4D97-AF65-F5344CB8AC3E}">
-        <p14:creationId xmlns:p14="http://schemas.microsoft.com/office/powerpoint/2010/main" val="176924504"/>
+        <p14:creationId xmlns:p14="http://schemas.microsoft.com/office/powerpoint/2010/main" val="2271683687"/>
       </p:ext>
     </p:extLst>
   </p:cSld>
@@ -4857,13 +5413,8 @@
             </a:r>
             <a:r>
               <a:rPr lang="fr-FR" dirty="0" smtClean="0"/>
-              <a:t> ses activités à </a:t>
-            </a:r>
-            <a:r>
-              <a:rPr lang="fr-FR" dirty="0" smtClean="0"/>
-              <a:t>l international</a:t>
-            </a:r>
-            <a:endParaRPr lang="fr-FR" dirty="0" smtClean="0"/>
+              <a:t> ses activités à l international</a:t>
+            </a:r>
           </a:p>
           <a:p>
             <a:r>
@@ -4876,15 +5427,7 @@
             </a:r>
             <a:r>
               <a:rPr lang="fr-FR" dirty="0" smtClean="0"/>
-              <a:t>, on me demande </a:t>
-            </a:r>
-            <a:r>
-              <a:rPr lang="fr-FR" dirty="0" smtClean="0"/>
-              <a:t>d évaluer </a:t>
-            </a:r>
-            <a:r>
-              <a:rPr lang="fr-FR" dirty="0" smtClean="0"/>
-              <a:t>une base de données </a:t>
+              <a:t>, on me demande d évaluer une base de données </a:t>
             </a:r>
             <a:r>
               <a:rPr lang="fr-FR" dirty="0" err="1" smtClean="0"/>
@@ -4927,6 +5470,29 @@
           </a:prstGeom>
         </p:spPr>
       </p:pic>
+      <p:sp>
+        <p:nvSpPr>
+          <p:cNvPr id="5" name="Espace réservé du numéro de diapositive 4"/>
+          <p:cNvSpPr>
+            <a:spLocks noGrp="1"/>
+          </p:cNvSpPr>
+          <p:nvPr>
+            <p:ph type="sldNum" sz="quarter" idx="12"/>
+          </p:nvPr>
+        </p:nvSpPr>
+        <p:spPr/>
+        <p:txBody>
+          <a:bodyPr/>
+          <a:lstStyle/>
+          <a:p>
+            <a:fld id="{724BE394-8A7C-45DA-99F5-6969B9139923}" type="slidenum">
+              <a:rPr lang="fr-FR" smtClean="0"/>
+              <a:t>2</a:t>
+            </a:fld>
+            <a:endParaRPr lang="fr-FR"/>
+          </a:p>
+        </p:txBody>
+      </p:sp>
     </p:spTree>
     <p:extLst>
       <p:ext uri="{BB962C8B-B14F-4D97-AF65-F5344CB8AC3E}">
@@ -4988,7 +5554,7 @@
           <a:p>
             <a:r>
               <a:rPr lang="fr-FR" sz="2800" dirty="0" smtClean="0"/>
-              <a:t>Indicateur Population</a:t>
+              <a:t>Indicateur Internet</a:t>
             </a:r>
             <a:endParaRPr lang="fr-FR" sz="2800" dirty="0"/>
           </a:p>
@@ -5018,15 +5584,15 @@
           <a:p>
             <a:r>
               <a:rPr lang="fr-FR" dirty="0" smtClean="0"/>
-              <a:t>«Population</a:t>
-            </a:r>
-            <a:r>
-              <a:rPr lang="fr-FR" dirty="0"/>
-              <a:t>, </a:t>
-            </a:r>
-            <a:r>
-              <a:rPr lang="fr-FR" dirty="0" smtClean="0"/>
-              <a:t>total»</a:t>
+              <a:t>« Internet </a:t>
+            </a:r>
+            <a:r>
+              <a:rPr lang="fr-FR" dirty="0" err="1" smtClean="0"/>
+              <a:t>Users</a:t>
+            </a:r>
+            <a:r>
+              <a:rPr lang="fr-FR" dirty="0" smtClean="0"/>
+              <a:t> per 100 people»</a:t>
             </a:r>
           </a:p>
           <a:p>
@@ -5041,15 +5607,14 @@
           <a:p>
             <a:r>
               <a:rPr lang="fr-FR" dirty="0" smtClean="0"/>
-              <a:t> SP.POP.TOTL </a:t>
-            </a:r>
-            <a:endParaRPr lang="fr-FR" dirty="0" smtClean="0"/>
+              <a:t> IT.NET.USER.P2 </a:t>
+            </a:r>
           </a:p>
         </p:txBody>
       </p:sp>
       <p:pic>
         <p:nvPicPr>
-          <p:cNvPr id="3" name="Image 2"/>
+          <p:cNvPr id="7" name="Image 6"/>
           <p:cNvPicPr>
             <a:picLocks noChangeAspect="1"/>
           </p:cNvPicPr>
@@ -5069,18 +5634,41 @@
         </p:blipFill>
         <p:spPr>
           <a:xfrm>
-            <a:off x="2483768" y="1229029"/>
-            <a:ext cx="5856034" cy="4814397"/>
+            <a:off x="1691679" y="1556792"/>
+            <a:ext cx="7452321" cy="4429452"/>
           </a:xfrm>
           <a:prstGeom prst="rect">
             <a:avLst/>
           </a:prstGeom>
         </p:spPr>
       </p:pic>
+      <p:sp>
+        <p:nvSpPr>
+          <p:cNvPr id="3" name="Espace réservé du numéro de diapositive 2"/>
+          <p:cNvSpPr>
+            <a:spLocks noGrp="1"/>
+          </p:cNvSpPr>
+          <p:nvPr>
+            <p:ph type="sldNum" sz="quarter" idx="12"/>
+          </p:nvPr>
+        </p:nvSpPr>
+        <p:spPr/>
+        <p:txBody>
+          <a:bodyPr/>
+          <a:lstStyle/>
+          <a:p>
+            <a:fld id="{724BE394-8A7C-45DA-99F5-6969B9139923}" type="slidenum">
+              <a:rPr lang="fr-FR" smtClean="0"/>
+              <a:t>20</a:t>
+            </a:fld>
+            <a:endParaRPr lang="fr-FR"/>
+          </a:p>
+        </p:txBody>
+      </p:sp>
     </p:spTree>
     <p:extLst>
       <p:ext uri="{BB962C8B-B14F-4D97-AF65-F5344CB8AC3E}">
-        <p14:creationId xmlns:p14="http://schemas.microsoft.com/office/powerpoint/2010/main" val="1744172209"/>
+        <p14:creationId xmlns:p14="http://schemas.microsoft.com/office/powerpoint/2010/main" val="176924504"/>
       </p:ext>
     </p:extLst>
   </p:cSld>
@@ -5193,13 +5781,12 @@
               <a:rPr lang="fr-FR" dirty="0" smtClean="0"/>
               <a:t> SP.POP.TOTL </a:t>
             </a:r>
-            <a:endParaRPr lang="fr-FR" dirty="0" smtClean="0"/>
           </a:p>
         </p:txBody>
       </p:sp>
       <p:pic>
         <p:nvPicPr>
-          <p:cNvPr id="5" name="Image 4"/>
+          <p:cNvPr id="3" name="Image 2"/>
           <p:cNvPicPr>
             <a:picLocks noChangeAspect="1"/>
           </p:cNvPicPr>
@@ -5219,18 +5806,41 @@
         </p:blipFill>
         <p:spPr>
           <a:xfrm>
-            <a:off x="1979712" y="1340768"/>
-            <a:ext cx="6719543" cy="3805524"/>
+            <a:off x="2483768" y="1229029"/>
+            <a:ext cx="5856034" cy="4814397"/>
           </a:xfrm>
           <a:prstGeom prst="rect">
             <a:avLst/>
           </a:prstGeom>
         </p:spPr>
       </p:pic>
+      <p:sp>
+        <p:nvSpPr>
+          <p:cNvPr id="5" name="Espace réservé du numéro de diapositive 4"/>
+          <p:cNvSpPr>
+            <a:spLocks noGrp="1"/>
+          </p:cNvSpPr>
+          <p:nvPr>
+            <p:ph type="sldNum" sz="quarter" idx="12"/>
+          </p:nvPr>
+        </p:nvSpPr>
+        <p:spPr/>
+        <p:txBody>
+          <a:bodyPr/>
+          <a:lstStyle/>
+          <a:p>
+            <a:fld id="{724BE394-8A7C-45DA-99F5-6969B9139923}" type="slidenum">
+              <a:rPr lang="fr-FR" smtClean="0"/>
+              <a:t>21</a:t>
+            </a:fld>
+            <a:endParaRPr lang="fr-FR"/>
+          </a:p>
+        </p:txBody>
+      </p:sp>
     </p:spTree>
     <p:extLst>
       <p:ext uri="{BB962C8B-B14F-4D97-AF65-F5344CB8AC3E}">
-        <p14:creationId xmlns:p14="http://schemas.microsoft.com/office/powerpoint/2010/main" val="3158045667"/>
+        <p14:creationId xmlns:p14="http://schemas.microsoft.com/office/powerpoint/2010/main" val="1744172209"/>
       </p:ext>
     </p:extLst>
   </p:cSld>
@@ -5288,11 +5898,7 @@
           <a:p>
             <a:r>
               <a:rPr lang="fr-FR" sz="2800" dirty="0" smtClean="0"/>
-              <a:t>Indicateur </a:t>
-            </a:r>
-            <a:r>
-              <a:rPr lang="fr-FR" sz="2800" dirty="0" err="1" smtClean="0"/>
-              <a:t>Literacy</a:t>
+              <a:t>Indicateur Population</a:t>
             </a:r>
             <a:endParaRPr lang="fr-FR" sz="2800" dirty="0"/>
           </a:p>
@@ -5311,7 +5917,7 @@
         <p:spPr>
           <a:xfrm>
             <a:off x="107504" y="1650110"/>
-            <a:ext cx="1872208" cy="4242816"/>
+            <a:ext cx="1738536" cy="4242816"/>
           </a:xfrm>
         </p:spPr>
         <p:txBody>
@@ -5322,15 +5928,15 @@
           <a:p>
             <a:r>
               <a:rPr lang="fr-FR" dirty="0" smtClean="0"/>
-              <a:t>«</a:t>
-            </a:r>
-            <a:r>
-              <a:rPr lang="en-US" dirty="0"/>
-              <a:t>Youth literacy rate, population 15-24 years, both sexes (%)</a:t>
-            </a:r>
-            <a:r>
-              <a:rPr lang="fr-FR" dirty="0" smtClean="0"/>
-              <a:t>»</a:t>
+              <a:t>«Population</a:t>
+            </a:r>
+            <a:r>
+              <a:rPr lang="fr-FR" dirty="0"/>
+              <a:t>, </a:t>
+            </a:r>
+            <a:r>
+              <a:rPr lang="fr-FR" dirty="0" smtClean="0"/>
+              <a:t>total»</a:t>
             </a:r>
           </a:p>
           <a:p>
@@ -5345,9 +5951,8 @@
           <a:p>
             <a:r>
               <a:rPr lang="fr-FR" dirty="0" smtClean="0"/>
-              <a:t> SE.ADT.1524.LT.ZS </a:t>
-            </a:r>
-            <a:endParaRPr lang="fr-FR" dirty="0" smtClean="0"/>
+              <a:t> SP.POP.TOTL </a:t>
+            </a:r>
           </a:p>
         </p:txBody>
       </p:sp>
@@ -5373,18 +5978,41 @@
         </p:blipFill>
         <p:spPr>
           <a:xfrm>
-            <a:off x="2411759" y="1196752"/>
-            <a:ext cx="6287933" cy="5030346"/>
+            <a:off x="1979712" y="1340768"/>
+            <a:ext cx="6719543" cy="3805524"/>
           </a:xfrm>
           <a:prstGeom prst="rect">
             <a:avLst/>
           </a:prstGeom>
         </p:spPr>
       </p:pic>
+      <p:sp>
+        <p:nvSpPr>
+          <p:cNvPr id="3" name="Espace réservé du numéro de diapositive 2"/>
+          <p:cNvSpPr>
+            <a:spLocks noGrp="1"/>
+          </p:cNvSpPr>
+          <p:nvPr>
+            <p:ph type="sldNum" sz="quarter" idx="12"/>
+          </p:nvPr>
+        </p:nvSpPr>
+        <p:spPr/>
+        <p:txBody>
+          <a:bodyPr/>
+          <a:lstStyle/>
+          <a:p>
+            <a:fld id="{724BE394-8A7C-45DA-99F5-6969B9139923}" type="slidenum">
+              <a:rPr lang="fr-FR" smtClean="0"/>
+              <a:t>22</a:t>
+            </a:fld>
+            <a:endParaRPr lang="fr-FR"/>
+          </a:p>
+        </p:txBody>
+      </p:sp>
     </p:spTree>
     <p:extLst>
       <p:ext uri="{BB962C8B-B14F-4D97-AF65-F5344CB8AC3E}">
-        <p14:creationId xmlns:p14="http://schemas.microsoft.com/office/powerpoint/2010/main" val="2432309106"/>
+        <p14:creationId xmlns:p14="http://schemas.microsoft.com/office/powerpoint/2010/main" val="3158045667"/>
       </p:ext>
     </p:extLst>
   </p:cSld>
@@ -5501,13 +6129,12 @@
               <a:rPr lang="fr-FR" dirty="0" smtClean="0"/>
               <a:t> SE.ADT.1524.LT.ZS </a:t>
             </a:r>
-            <a:endParaRPr lang="fr-FR" dirty="0" smtClean="0"/>
           </a:p>
         </p:txBody>
       </p:sp>
       <p:pic>
         <p:nvPicPr>
-          <p:cNvPr id="3" name="Image 2"/>
+          <p:cNvPr id="5" name="Image 4"/>
           <p:cNvPicPr>
             <a:picLocks noChangeAspect="1"/>
           </p:cNvPicPr>
@@ -5527,18 +6154,41 @@
         </p:blipFill>
         <p:spPr>
           <a:xfrm>
-            <a:off x="1907704" y="1268760"/>
-            <a:ext cx="7082289" cy="4104456"/>
+            <a:off x="2411759" y="1196752"/>
+            <a:ext cx="6287933" cy="5030346"/>
           </a:xfrm>
           <a:prstGeom prst="rect">
             <a:avLst/>
           </a:prstGeom>
         </p:spPr>
       </p:pic>
+      <p:sp>
+        <p:nvSpPr>
+          <p:cNvPr id="3" name="Espace réservé du numéro de diapositive 2"/>
+          <p:cNvSpPr>
+            <a:spLocks noGrp="1"/>
+          </p:cNvSpPr>
+          <p:nvPr>
+            <p:ph type="sldNum" sz="quarter" idx="12"/>
+          </p:nvPr>
+        </p:nvSpPr>
+        <p:spPr/>
+        <p:txBody>
+          <a:bodyPr/>
+          <a:lstStyle/>
+          <a:p>
+            <a:fld id="{724BE394-8A7C-45DA-99F5-6969B9139923}" type="slidenum">
+              <a:rPr lang="fr-FR" smtClean="0"/>
+              <a:t>23</a:t>
+            </a:fld>
+            <a:endParaRPr lang="fr-FR"/>
+          </a:p>
+        </p:txBody>
+      </p:sp>
     </p:spTree>
     <p:extLst>
       <p:ext uri="{BB962C8B-B14F-4D97-AF65-F5344CB8AC3E}">
-        <p14:creationId xmlns:p14="http://schemas.microsoft.com/office/powerpoint/2010/main" val="4286764452"/>
+        <p14:creationId xmlns:p14="http://schemas.microsoft.com/office/powerpoint/2010/main" val="2432309106"/>
       </p:ext>
     </p:extLst>
   </p:cSld>
@@ -5599,8 +6249,8 @@
               <a:t>Indicateur </a:t>
             </a:r>
             <a:r>
-              <a:rPr lang="fr-FR" sz="2800" dirty="0" smtClean="0"/>
-              <a:t>PIB</a:t>
+              <a:rPr lang="fr-FR" sz="2800" dirty="0" err="1" smtClean="0"/>
+              <a:t>Literacy</a:t>
             </a:r>
             <a:endParaRPr lang="fr-FR" sz="2800" dirty="0"/>
           </a:p>
@@ -5619,7 +6269,7 @@
         <p:spPr>
           <a:xfrm>
             <a:off x="107504" y="1650110"/>
-            <a:ext cx="2160240" cy="4242816"/>
+            <a:ext cx="1872208" cy="4242816"/>
           </a:xfrm>
         </p:spPr>
         <p:txBody>
@@ -5630,23 +6280,15 @@
           <a:p>
             <a:r>
               <a:rPr lang="fr-FR" dirty="0" smtClean="0"/>
-              <a:t>« GDP </a:t>
-            </a:r>
-            <a:r>
-              <a:rPr lang="fr-FR" dirty="0"/>
-              <a:t>(</a:t>
-            </a:r>
-            <a:r>
-              <a:rPr lang="fr-FR" dirty="0" err="1"/>
-              <a:t>current</a:t>
-            </a:r>
-            <a:r>
-              <a:rPr lang="fr-FR" dirty="0"/>
-              <a:t> US</a:t>
-            </a:r>
-            <a:r>
-              <a:rPr lang="fr-FR" dirty="0" smtClean="0"/>
-              <a:t>$) »</a:t>
+              <a:t>«</a:t>
+            </a:r>
+            <a:r>
+              <a:rPr lang="en-US" dirty="0"/>
+              <a:t>Youth literacy rate, population 15-24 years, both sexes (%)</a:t>
+            </a:r>
+            <a:r>
+              <a:rPr lang="fr-FR" dirty="0" smtClean="0"/>
+              <a:t>»</a:t>
             </a:r>
           </a:p>
           <a:p>
@@ -5661,22 +6303,21 @@
           <a:p>
             <a:r>
               <a:rPr lang="fr-FR" dirty="0" smtClean="0"/>
-              <a:t> NY.GDP.MKTP.CD  </a:t>
-            </a:r>
-            <a:endParaRPr lang="fr-FR" dirty="0" smtClean="0"/>
+              <a:t> SE.ADT.1524.LT.ZS </a:t>
+            </a:r>
           </a:p>
         </p:txBody>
       </p:sp>
       <p:pic>
         <p:nvPicPr>
-          <p:cNvPr id="5" name="Image 4"/>
+          <p:cNvPr id="3" name="Image 2"/>
           <p:cNvPicPr>
             <a:picLocks noChangeAspect="1"/>
           </p:cNvPicPr>
           <p:nvPr/>
         </p:nvPicPr>
         <p:blipFill>
-          <a:blip r:embed="rId2">
+          <a:blip r:embed="rId3">
             <a:extLst>
               <a:ext uri="{28A0092B-C50C-407E-A947-70E740481C1C}">
                 <a14:useLocalDpi xmlns:a14="http://schemas.microsoft.com/office/drawing/2010/main" val="0"/>
@@ -5689,18 +6330,41 @@
         </p:blipFill>
         <p:spPr>
           <a:xfrm>
-            <a:off x="2411759" y="1196752"/>
-            <a:ext cx="6287933" cy="5030346"/>
+            <a:off x="1907704" y="1346475"/>
+            <a:ext cx="7082289" cy="3949025"/>
           </a:xfrm>
           <a:prstGeom prst="rect">
             <a:avLst/>
           </a:prstGeom>
         </p:spPr>
       </p:pic>
+      <p:sp>
+        <p:nvSpPr>
+          <p:cNvPr id="5" name="Espace réservé du numéro de diapositive 4"/>
+          <p:cNvSpPr>
+            <a:spLocks noGrp="1"/>
+          </p:cNvSpPr>
+          <p:nvPr>
+            <p:ph type="sldNum" sz="quarter" idx="12"/>
+          </p:nvPr>
+        </p:nvSpPr>
+        <p:spPr/>
+        <p:txBody>
+          <a:bodyPr/>
+          <a:lstStyle/>
+          <a:p>
+            <a:fld id="{724BE394-8A7C-45DA-99F5-6969B9139923}" type="slidenum">
+              <a:rPr lang="fr-FR" smtClean="0"/>
+              <a:t>24</a:t>
+            </a:fld>
+            <a:endParaRPr lang="fr-FR"/>
+          </a:p>
+        </p:txBody>
+      </p:sp>
     </p:spTree>
     <p:extLst>
       <p:ext uri="{BB962C8B-B14F-4D97-AF65-F5344CB8AC3E}">
-        <p14:creationId xmlns:p14="http://schemas.microsoft.com/office/powerpoint/2010/main" val="1926840626"/>
+        <p14:creationId xmlns:p14="http://schemas.microsoft.com/office/powerpoint/2010/main" val="4286764452"/>
       </p:ext>
     </p:extLst>
   </p:cSld>
@@ -5758,11 +6422,7 @@
           <a:p>
             <a:r>
               <a:rPr lang="fr-FR" sz="2800" dirty="0" smtClean="0"/>
-              <a:t>Indicateur </a:t>
-            </a:r>
-            <a:r>
-              <a:rPr lang="fr-FR" sz="2800" dirty="0" smtClean="0"/>
-              <a:t>PIB</a:t>
+              <a:t>Indicateur PIB</a:t>
             </a:r>
             <a:endParaRPr lang="fr-FR" sz="2800" dirty="0"/>
           </a:p>
@@ -5825,7 +6485,186 @@
               <a:rPr lang="fr-FR" dirty="0" smtClean="0"/>
               <a:t> NY.GDP.MKTP.CD  </a:t>
             </a:r>
+          </a:p>
+        </p:txBody>
+      </p:sp>
+      <p:pic>
+        <p:nvPicPr>
+          <p:cNvPr id="5" name="Image 4"/>
+          <p:cNvPicPr>
+            <a:picLocks noChangeAspect="1"/>
+          </p:cNvPicPr>
+          <p:nvPr/>
+        </p:nvPicPr>
+        <p:blipFill>
+          <a:blip r:embed="rId2">
+            <a:extLst>
+              <a:ext uri="{28A0092B-C50C-407E-A947-70E740481C1C}">
+                <a14:useLocalDpi xmlns:a14="http://schemas.microsoft.com/office/drawing/2010/main" val="0"/>
+              </a:ext>
+            </a:extLst>
+          </a:blip>
+          <a:stretch>
+            <a:fillRect/>
+          </a:stretch>
+        </p:blipFill>
+        <p:spPr>
+          <a:xfrm>
+            <a:off x="2477358" y="1196752"/>
+            <a:ext cx="6156734" cy="5030346"/>
+          </a:xfrm>
+          <a:prstGeom prst="rect">
+            <a:avLst/>
+          </a:prstGeom>
+        </p:spPr>
+      </p:pic>
+      <p:sp>
+        <p:nvSpPr>
+          <p:cNvPr id="3" name="Espace réservé du numéro de diapositive 2"/>
+          <p:cNvSpPr>
+            <a:spLocks noGrp="1"/>
+          </p:cNvSpPr>
+          <p:nvPr>
+            <p:ph type="sldNum" sz="quarter" idx="12"/>
+          </p:nvPr>
+        </p:nvSpPr>
+        <p:spPr/>
+        <p:txBody>
+          <a:bodyPr/>
+          <a:lstStyle/>
+          <a:p>
+            <a:fld id="{724BE394-8A7C-45DA-99F5-6969B9139923}" type="slidenum">
+              <a:rPr lang="fr-FR" smtClean="0"/>
+              <a:t>25</a:t>
+            </a:fld>
+            <a:endParaRPr lang="fr-FR"/>
+          </a:p>
+        </p:txBody>
+      </p:sp>
+    </p:spTree>
+    <p:extLst>
+      <p:ext uri="{BB962C8B-B14F-4D97-AF65-F5344CB8AC3E}">
+        <p14:creationId xmlns:p14="http://schemas.microsoft.com/office/powerpoint/2010/main" val="1926840626"/>
+      </p:ext>
+    </p:extLst>
+  </p:cSld>
+  <p:clrMapOvr>
+    <a:masterClrMapping/>
+  </p:clrMapOvr>
+  <p:timing>
+    <p:tnLst>
+      <p:par>
+        <p:cTn id="1" dur="indefinite" restart="never" nodeType="tmRoot"/>
+      </p:par>
+    </p:tnLst>
+  </p:timing>
+</p:sld>
+</file>
+
+<file path=ppt/slides/slide26.xml><?xml version="1.0" encoding="utf-8"?>
+<p:sld xmlns:a="http://schemas.openxmlformats.org/drawingml/2006/main" xmlns:r="http://schemas.openxmlformats.org/officeDocument/2006/relationships" xmlns:p="http://schemas.openxmlformats.org/presentationml/2006/main">
+  <p:cSld>
+    <p:spTree>
+      <p:nvGrpSpPr>
+        <p:cNvPr id="1" name=""/>
+        <p:cNvGrpSpPr/>
+        <p:nvPr/>
+      </p:nvGrpSpPr>
+      <p:grpSpPr>
+        <a:xfrm>
+          <a:off x="0" y="0"/>
+          <a:ext cx="0" cy="0"/>
+          <a:chOff x="0" y="0"/>
+          <a:chExt cx="0" cy="0"/>
+        </a:xfrm>
+      </p:grpSpPr>
+      <p:sp>
+        <p:nvSpPr>
+          <p:cNvPr id="2" name="Titre 1"/>
+          <p:cNvSpPr>
+            <a:spLocks noGrp="1"/>
+          </p:cNvSpPr>
+          <p:nvPr>
+            <p:ph type="title"/>
+          </p:nvPr>
+        </p:nvSpPr>
+        <p:spPr>
+          <a:xfrm>
+            <a:off x="467544" y="-243408"/>
+            <a:ext cx="6552728" cy="1264920"/>
+          </a:xfrm>
+        </p:spPr>
+        <p:txBody>
+          <a:bodyPr>
+            <a:normAutofit/>
+          </a:bodyPr>
+          <a:lstStyle/>
+          <a:p>
+            <a:r>
+              <a:rPr lang="fr-FR" sz="2800" dirty="0" smtClean="0"/>
+              <a:t>Indicateur PIB</a:t>
+            </a:r>
+            <a:endParaRPr lang="fr-FR" sz="2800" dirty="0"/>
+          </a:p>
+        </p:txBody>
+      </p:sp>
+      <p:sp>
+        <p:nvSpPr>
+          <p:cNvPr id="4" name="Espace réservé du texte 3"/>
+          <p:cNvSpPr>
+            <a:spLocks noGrp="1"/>
+          </p:cNvSpPr>
+          <p:nvPr>
+            <p:ph type="body" sz="half" idx="2"/>
+          </p:nvPr>
+        </p:nvSpPr>
+        <p:spPr>
+          <a:xfrm>
+            <a:off x="107504" y="1650110"/>
+            <a:ext cx="2160240" cy="4242816"/>
+          </a:xfrm>
+        </p:spPr>
+        <p:txBody>
+          <a:bodyPr>
+            <a:normAutofit/>
+          </a:bodyPr>
+          <a:lstStyle/>
+          <a:p>
+            <a:r>
+              <a:rPr lang="fr-FR" dirty="0" smtClean="0"/>
+              <a:t>« GDP </a:t>
+            </a:r>
+            <a:r>
+              <a:rPr lang="fr-FR" dirty="0"/>
+              <a:t>(</a:t>
+            </a:r>
+            <a:r>
+              <a:rPr lang="fr-FR" dirty="0" err="1"/>
+              <a:t>current</a:t>
+            </a:r>
+            <a:r>
+              <a:rPr lang="fr-FR" dirty="0"/>
+              <a:t> US</a:t>
+            </a:r>
+            <a:r>
+              <a:rPr lang="fr-FR" dirty="0" smtClean="0"/>
+              <a:t>$) »</a:t>
+            </a:r>
+          </a:p>
+          <a:p>
             <a:endParaRPr lang="fr-FR" dirty="0" smtClean="0"/>
+          </a:p>
+          <a:p>
+            <a:r>
+              <a:rPr lang="fr-FR" dirty="0" smtClean="0"/>
+              <a:t>Code World Bank:</a:t>
+            </a:r>
+          </a:p>
+          <a:p>
+            <a:r>
+              <a:rPr lang="fr-FR" dirty="0" smtClean="0"/>
+              <a:t> NY.GDP.MKTP.CD  </a:t>
+            </a:r>
           </a:p>
         </p:txBody>
       </p:sp>
@@ -5859,6 +6698,29 @@
           </a:prstGeom>
         </p:spPr>
       </p:pic>
+      <p:sp>
+        <p:nvSpPr>
+          <p:cNvPr id="5" name="Espace réservé du numéro de diapositive 4"/>
+          <p:cNvSpPr>
+            <a:spLocks noGrp="1"/>
+          </p:cNvSpPr>
+          <p:nvPr>
+            <p:ph type="sldNum" sz="quarter" idx="12"/>
+          </p:nvPr>
+        </p:nvSpPr>
+        <p:spPr/>
+        <p:txBody>
+          <a:bodyPr/>
+          <a:lstStyle/>
+          <a:p>
+            <a:fld id="{724BE394-8A7C-45DA-99F5-6969B9139923}" type="slidenum">
+              <a:rPr lang="fr-FR" smtClean="0"/>
+              <a:t>26</a:t>
+            </a:fld>
+            <a:endParaRPr lang="fr-FR"/>
+          </a:p>
+        </p:txBody>
+      </p:sp>
     </p:spTree>
     <p:extLst>
       <p:ext uri="{BB962C8B-B14F-4D97-AF65-F5344CB8AC3E}">
@@ -5879,7 +6741,7 @@
 </p:sld>
 </file>
 
-<file path=ppt/slides/slide26.xml><?xml version="1.0" encoding="utf-8"?>
+<file path=ppt/slides/slide27.xml><?xml version="1.0" encoding="utf-8"?>
 <p:sld xmlns:a="http://schemas.openxmlformats.org/drawingml/2006/main" xmlns:r="http://schemas.openxmlformats.org/officeDocument/2006/relationships" xmlns:p="http://schemas.openxmlformats.org/presentationml/2006/main">
   <p:cSld>
     <p:spTree>
@@ -5964,620 +6826,33 @@
           </a:extLst>
         </p:spPr>
       </p:pic>
+      <p:sp>
+        <p:nvSpPr>
+          <p:cNvPr id="2" name="Espace réservé du numéro de diapositive 1"/>
+          <p:cNvSpPr>
+            <a:spLocks noGrp="1"/>
+          </p:cNvSpPr>
+          <p:nvPr>
+            <p:ph type="sldNum" sz="quarter" idx="12"/>
+          </p:nvPr>
+        </p:nvSpPr>
+        <p:spPr/>
+        <p:txBody>
+          <a:bodyPr/>
+          <a:lstStyle/>
+          <a:p>
+            <a:fld id="{724BE394-8A7C-45DA-99F5-6969B9139923}" type="slidenum">
+              <a:rPr lang="fr-FR" smtClean="0"/>
+              <a:t>27</a:t>
+            </a:fld>
+            <a:endParaRPr lang="fr-FR"/>
+          </a:p>
+        </p:txBody>
+      </p:sp>
     </p:spTree>
     <p:extLst>
       <p:ext uri="{BB962C8B-B14F-4D97-AF65-F5344CB8AC3E}">
         <p14:creationId xmlns:p14="http://schemas.microsoft.com/office/powerpoint/2010/main" val="603805193"/>
-      </p:ext>
-    </p:extLst>
-  </p:cSld>
-  <p:clrMapOvr>
-    <a:masterClrMapping/>
-  </p:clrMapOvr>
-  <p:timing>
-    <p:tnLst>
-      <p:par>
-        <p:cTn id="1" dur="indefinite" restart="never" nodeType="tmRoot"/>
-      </p:par>
-    </p:tnLst>
-  </p:timing>
-</p:sld>
-</file>
-
-<file path=ppt/slides/slide27.xml><?xml version="1.0" encoding="utf-8"?>
-<p:sld xmlns:a="http://schemas.openxmlformats.org/drawingml/2006/main" xmlns:r="http://schemas.openxmlformats.org/officeDocument/2006/relationships" xmlns:p="http://schemas.openxmlformats.org/presentationml/2006/main">
-  <p:cSld>
-    <p:spTree>
-      <p:nvGrpSpPr>
-        <p:cNvPr id="1" name=""/>
-        <p:cNvGrpSpPr/>
-        <p:nvPr/>
-      </p:nvGrpSpPr>
-      <p:grpSpPr>
-        <a:xfrm>
-          <a:off x="0" y="0"/>
-          <a:ext cx="0" cy="0"/>
-          <a:chOff x="0" y="0"/>
-          <a:chExt cx="0" cy="0"/>
-        </a:xfrm>
-      </p:grpSpPr>
-      <p:sp>
-        <p:nvSpPr>
-          <p:cNvPr id="2" name="Titre 1"/>
-          <p:cNvSpPr>
-            <a:spLocks noGrp="1"/>
-          </p:cNvSpPr>
-          <p:nvPr>
-            <p:ph type="title"/>
-          </p:nvPr>
-        </p:nvSpPr>
-        <p:spPr/>
-        <p:txBody>
-          <a:bodyPr/>
-          <a:lstStyle/>
-          <a:p>
-            <a:r>
-              <a:rPr lang="fr-FR" dirty="0" smtClean="0"/>
-              <a:t>Critères de sélection #1</a:t>
-            </a:r>
-            <a:endParaRPr lang="fr-FR" dirty="0"/>
-          </a:p>
-        </p:txBody>
-      </p:sp>
-      <p:graphicFrame>
-        <p:nvGraphicFramePr>
-          <p:cNvPr id="4" name="Espace réservé du contenu 3"/>
-          <p:cNvGraphicFramePr>
-            <a:graphicFrameLocks noGrp="1"/>
-          </p:cNvGraphicFramePr>
-          <p:nvPr>
-            <p:ph idx="1"/>
-            <p:extLst>
-              <p:ext uri="{D42A27DB-BD31-4B8C-83A1-F6EECF244321}">
-                <p14:modId xmlns:p14="http://schemas.microsoft.com/office/powerpoint/2010/main" val="175367111"/>
-              </p:ext>
-            </p:extLst>
-          </p:nvPr>
-        </p:nvGraphicFramePr>
-        <p:xfrm>
-          <a:off x="395536" y="1484785"/>
-          <a:ext cx="8568952" cy="3497185"/>
-        </p:xfrm>
-        <a:graphic>
-          <a:graphicData uri="http://schemas.openxmlformats.org/drawingml/2006/table">
-            <a:tbl>
-              <a:tblPr firstRow="1" bandRow="1">
-                <a:tableStyleId>{5C22544A-7EE6-4342-B048-85BDC9FD1C3A}</a:tableStyleId>
-              </a:tblPr>
-              <a:tblGrid>
-                <a:gridCol w="1720253"/>
-                <a:gridCol w="2091866"/>
-                <a:gridCol w="2614595"/>
-                <a:gridCol w="2142238"/>
-              </a:tblGrid>
-              <a:tr h="541517">
-                <a:tc>
-                  <a:txBody>
-                    <a:bodyPr/>
-                    <a:lstStyle/>
-                    <a:p>
-                      <a:r>
-                        <a:rPr lang="fr-FR" sz="1600" dirty="0" smtClean="0"/>
-                        <a:t>Indicateur</a:t>
-                      </a:r>
-                      <a:endParaRPr lang="fr-FR" sz="1600" dirty="0"/>
-                    </a:p>
-                  </a:txBody>
-                  <a:tcPr/>
-                </a:tc>
-                <a:tc>
-                  <a:txBody>
-                    <a:bodyPr/>
-                    <a:lstStyle/>
-                    <a:p>
-                      <a:r>
-                        <a:rPr lang="fr-FR" sz="1600" dirty="0" smtClean="0"/>
-                        <a:t>Unité</a:t>
-                      </a:r>
-                      <a:endParaRPr lang="fr-FR" sz="1600" dirty="0"/>
-                    </a:p>
-                  </a:txBody>
-                  <a:tcPr/>
-                </a:tc>
-                <a:tc>
-                  <a:txBody>
-                    <a:bodyPr/>
-                    <a:lstStyle/>
-                    <a:p>
-                      <a:r>
-                        <a:rPr lang="fr-FR" sz="1600" dirty="0" smtClean="0"/>
-                        <a:t>Critère</a:t>
-                      </a:r>
-                      <a:endParaRPr lang="fr-FR" sz="1600" dirty="0"/>
-                    </a:p>
-                  </a:txBody>
-                  <a:tcPr/>
-                </a:tc>
-                <a:tc>
-                  <a:txBody>
-                    <a:bodyPr/>
-                    <a:lstStyle/>
-                    <a:p>
-                      <a:r>
-                        <a:rPr lang="fr-FR" sz="1600" dirty="0" smtClean="0"/>
-                        <a:t>Nombre</a:t>
-                      </a:r>
-                      <a:r>
-                        <a:rPr lang="fr-FR" sz="1600" baseline="0" dirty="0" smtClean="0"/>
-                        <a:t> de pays pré </a:t>
-                      </a:r>
-                      <a:r>
-                        <a:rPr lang="fr-FR" sz="1600" baseline="0" dirty="0" err="1" smtClean="0"/>
-                        <a:t>selectionnés</a:t>
-                      </a:r>
-                      <a:endParaRPr lang="fr-FR" sz="1600" dirty="0"/>
-                    </a:p>
-                  </a:txBody>
-                  <a:tcPr/>
-                </a:tc>
-              </a:tr>
-              <a:tr h="1224226">
-                <a:tc>
-                  <a:txBody>
-                    <a:bodyPr/>
-                    <a:lstStyle/>
-                    <a:p>
-                      <a:r>
-                        <a:rPr lang="fr-FR" sz="1600" dirty="0" smtClean="0"/>
-                        <a:t>Internet</a:t>
-                      </a:r>
-                      <a:endParaRPr lang="fr-FR" sz="1600" dirty="0"/>
-                    </a:p>
-                  </a:txBody>
-                  <a:tcPr/>
-                </a:tc>
-                <a:tc>
-                  <a:txBody>
-                    <a:bodyPr/>
-                    <a:lstStyle/>
-                    <a:p>
-                      <a:r>
-                        <a:rPr lang="fr-FR" sz="1600" dirty="0" smtClean="0"/>
-                        <a:t>Nb d </a:t>
-                      </a:r>
-                      <a:r>
-                        <a:rPr lang="fr-FR" sz="1600" dirty="0" err="1" smtClean="0"/>
-                        <a:t>users</a:t>
-                      </a:r>
-                      <a:r>
-                        <a:rPr lang="fr-FR" sz="1600" dirty="0" smtClean="0"/>
-                        <a:t> pour 100 personnes</a:t>
-                      </a:r>
-                      <a:endParaRPr lang="fr-FR" sz="1600" dirty="0"/>
-                    </a:p>
-                  </a:txBody>
-                  <a:tcPr/>
-                </a:tc>
-                <a:tc>
-                  <a:txBody>
-                    <a:bodyPr/>
-                    <a:lstStyle/>
-                    <a:p>
-                      <a:r>
-                        <a:rPr lang="fr-FR" sz="1600" dirty="0" smtClean="0"/>
-                        <a:t>&gt; 75 pour les</a:t>
-                      </a:r>
-                      <a:r>
-                        <a:rPr lang="fr-FR" sz="1600" baseline="0" dirty="0" smtClean="0"/>
-                        <a:t> données 2016</a:t>
-                      </a:r>
-                    </a:p>
-                    <a:p>
-                      <a:r>
-                        <a:rPr lang="fr-FR" sz="1600" dirty="0" smtClean="0"/>
-                        <a:t>&gt; 65 pour les données 2010 - 2015</a:t>
-                      </a:r>
-                      <a:endParaRPr lang="fr-FR" sz="1600" dirty="0"/>
-                    </a:p>
-                  </a:txBody>
-                  <a:tcPr/>
-                </a:tc>
-                <a:tc>
-                  <a:txBody>
-                    <a:bodyPr/>
-                    <a:lstStyle/>
-                    <a:p>
-                      <a:r>
-                        <a:rPr lang="fr-FR" sz="1600" dirty="0" smtClean="0"/>
-                        <a:t>65</a:t>
-                      </a:r>
-                      <a:endParaRPr lang="fr-FR" sz="1600" dirty="0"/>
-                    </a:p>
-                  </a:txBody>
-                  <a:tcPr/>
-                </a:tc>
-              </a:tr>
-              <a:tr h="535599">
-                <a:tc>
-                  <a:txBody>
-                    <a:bodyPr/>
-                    <a:lstStyle/>
-                    <a:p>
-                      <a:r>
-                        <a:rPr lang="fr-FR" sz="1600" dirty="0" smtClean="0"/>
-                        <a:t>Population</a:t>
-                      </a:r>
-                      <a:endParaRPr lang="fr-FR" sz="1600" dirty="0"/>
-                    </a:p>
-                  </a:txBody>
-                  <a:tcPr/>
-                </a:tc>
-                <a:tc>
-                  <a:txBody>
-                    <a:bodyPr/>
-                    <a:lstStyle/>
-                    <a:p>
-                      <a:r>
-                        <a:rPr lang="fr-FR" sz="1600" dirty="0" smtClean="0"/>
-                        <a:t>Nb de personnes</a:t>
-                      </a:r>
-                      <a:endParaRPr lang="fr-FR" sz="1600" dirty="0"/>
-                    </a:p>
-                  </a:txBody>
-                  <a:tcPr/>
-                </a:tc>
-                <a:tc>
-                  <a:txBody>
-                    <a:bodyPr/>
-                    <a:lstStyle/>
-                    <a:p>
-                      <a:r>
-                        <a:rPr lang="fr-FR" sz="1600" dirty="0" smtClean="0"/>
-                        <a:t>&gt; premier</a:t>
-                      </a:r>
-                      <a:r>
-                        <a:rPr lang="fr-FR" sz="1600" baseline="0" dirty="0" smtClean="0"/>
-                        <a:t> quartile</a:t>
-                      </a:r>
-                      <a:endParaRPr lang="fr-FR" sz="1600" dirty="0"/>
-                    </a:p>
-                  </a:txBody>
-                  <a:tcPr/>
-                </a:tc>
-                <a:tc>
-                  <a:txBody>
-                    <a:bodyPr/>
-                    <a:lstStyle/>
-                    <a:p>
-                      <a:r>
-                        <a:rPr lang="fr-FR" sz="1600" dirty="0" smtClean="0"/>
-                        <a:t>180</a:t>
-                      </a:r>
-                      <a:endParaRPr lang="fr-FR" sz="1600" dirty="0"/>
-                    </a:p>
-                  </a:txBody>
-                  <a:tcPr/>
-                </a:tc>
-              </a:tr>
-              <a:tr h="541517">
-                <a:tc>
-                  <a:txBody>
-                    <a:bodyPr/>
-                    <a:lstStyle/>
-                    <a:p>
-                      <a:r>
-                        <a:rPr lang="fr-FR" sz="1600" dirty="0" smtClean="0"/>
-                        <a:t>Alphabétisation</a:t>
-                      </a:r>
-                      <a:endParaRPr lang="fr-FR" sz="1600" dirty="0"/>
-                    </a:p>
-                  </a:txBody>
-                  <a:tcPr/>
-                </a:tc>
-                <a:tc>
-                  <a:txBody>
-                    <a:bodyPr/>
-                    <a:lstStyle/>
-                    <a:p>
-                      <a:r>
-                        <a:rPr lang="fr-FR" sz="1600" dirty="0" smtClean="0"/>
-                        <a:t>Taux</a:t>
-                      </a:r>
-                      <a:endParaRPr lang="fr-FR" sz="1600" dirty="0"/>
-                    </a:p>
-                  </a:txBody>
-                  <a:tcPr/>
-                </a:tc>
-                <a:tc>
-                  <a:txBody>
-                    <a:bodyPr/>
-                    <a:lstStyle/>
-                    <a:p>
-                      <a:r>
-                        <a:rPr lang="fr-FR" sz="1600" dirty="0" smtClean="0"/>
-                        <a:t>&gt; 10</a:t>
-                      </a:r>
-                      <a:r>
-                        <a:rPr lang="fr-FR" sz="1600" baseline="30000" dirty="0" smtClean="0"/>
-                        <a:t>ème</a:t>
-                      </a:r>
-                      <a:r>
-                        <a:rPr lang="fr-FR" sz="1600" dirty="0" smtClean="0"/>
-                        <a:t> percentile</a:t>
-                      </a:r>
-                      <a:endParaRPr lang="fr-FR" sz="1600" dirty="0"/>
-                    </a:p>
-                  </a:txBody>
-                  <a:tcPr/>
-                </a:tc>
-                <a:tc>
-                  <a:txBody>
-                    <a:bodyPr/>
-                    <a:lstStyle/>
-                    <a:p>
-                      <a:r>
-                        <a:rPr lang="fr-FR" sz="1600" dirty="0" smtClean="0"/>
-                        <a:t>127</a:t>
-                      </a:r>
-                    </a:p>
-                    <a:p>
-                      <a:endParaRPr lang="fr-FR" sz="1600" dirty="0"/>
-                    </a:p>
-                  </a:txBody>
-                  <a:tcPr/>
-                </a:tc>
-              </a:tr>
-              <a:tr h="541517">
-                <a:tc>
-                  <a:txBody>
-                    <a:bodyPr/>
-                    <a:lstStyle/>
-                    <a:p>
-                      <a:r>
-                        <a:rPr lang="fr-FR" sz="1600" dirty="0" smtClean="0"/>
-                        <a:t>PIB</a:t>
-                      </a:r>
-                      <a:endParaRPr lang="fr-FR" sz="1600" dirty="0"/>
-                    </a:p>
-                  </a:txBody>
-                  <a:tcPr/>
-                </a:tc>
-                <a:tc>
-                  <a:txBody>
-                    <a:bodyPr/>
-                    <a:lstStyle/>
-                    <a:p>
-                      <a:r>
-                        <a:rPr lang="fr-FR" sz="1600" dirty="0" smtClean="0"/>
-                        <a:t>USD</a:t>
-                      </a:r>
-                      <a:endParaRPr lang="fr-FR" sz="1600" dirty="0"/>
-                    </a:p>
-                  </a:txBody>
-                  <a:tcPr/>
-                </a:tc>
-                <a:tc>
-                  <a:txBody>
-                    <a:bodyPr/>
-                    <a:lstStyle/>
-                    <a:p>
-                      <a:pPr marL="0" marR="0" indent="0" algn="l" defTabSz="914400" rtl="0" eaLnBrk="1" fontAlgn="auto" latinLnBrk="0" hangingPunct="1">
-                        <a:lnSpc>
-                          <a:spcPct val="100000"/>
-                        </a:lnSpc>
-                        <a:spcBef>
-                          <a:spcPts val="0"/>
-                        </a:spcBef>
-                        <a:spcAft>
-                          <a:spcPts val="0"/>
-                        </a:spcAft>
-                        <a:buClrTx/>
-                        <a:buSzTx/>
-                        <a:buFontTx/>
-                        <a:buNone/>
-                        <a:tabLst/>
-                        <a:defRPr/>
-                      </a:pPr>
-                      <a:r>
-                        <a:rPr lang="fr-FR" sz="1600" dirty="0" smtClean="0"/>
-                        <a:t>&gt; premier</a:t>
-                      </a:r>
-                      <a:r>
-                        <a:rPr lang="fr-FR" sz="1600" baseline="0" dirty="0" smtClean="0"/>
-                        <a:t> quartile</a:t>
-                      </a:r>
-                      <a:endParaRPr lang="fr-FR" sz="1600" dirty="0" smtClean="0"/>
-                    </a:p>
-                    <a:p>
-                      <a:endParaRPr lang="fr-FR" sz="1600" dirty="0"/>
-                    </a:p>
-                  </a:txBody>
-                  <a:tcPr/>
-                </a:tc>
-                <a:tc>
-                  <a:txBody>
-                    <a:bodyPr/>
-                    <a:lstStyle/>
-                    <a:p>
-                      <a:r>
-                        <a:rPr lang="fr-FR" sz="1600" dirty="0" smtClean="0"/>
-                        <a:t>171</a:t>
-                      </a:r>
-                      <a:endParaRPr lang="fr-FR" sz="1600" dirty="0"/>
-                    </a:p>
-                  </a:txBody>
-                  <a:tcPr/>
-                </a:tc>
-              </a:tr>
-            </a:tbl>
-          </a:graphicData>
-        </a:graphic>
-      </p:graphicFrame>
-      <p:graphicFrame>
-        <p:nvGraphicFramePr>
-          <p:cNvPr id="5" name="Tableau 4"/>
-          <p:cNvGraphicFramePr>
-            <a:graphicFrameLocks noGrp="1"/>
-          </p:cNvGraphicFramePr>
-          <p:nvPr>
-            <p:extLst>
-              <p:ext uri="{D42A27DB-BD31-4B8C-83A1-F6EECF244321}">
-                <p14:modId xmlns:p14="http://schemas.microsoft.com/office/powerpoint/2010/main" val="2832520195"/>
-              </p:ext>
-            </p:extLst>
-          </p:nvPr>
-        </p:nvGraphicFramePr>
-        <p:xfrm>
-          <a:off x="395536" y="5229200"/>
-          <a:ext cx="2376264" cy="864096"/>
-        </p:xfrm>
-        <a:graphic>
-          <a:graphicData uri="http://schemas.openxmlformats.org/drawingml/2006/table">
-            <a:tbl>
-              <a:tblPr firstRow="1" bandRow="1">
-                <a:tableStyleId>{93296810-A885-4BE3-A3E7-6D5BEEA58F35}</a:tableStyleId>
-              </a:tblPr>
-              <a:tblGrid>
-                <a:gridCol w="2376264"/>
-              </a:tblGrid>
-              <a:tr h="432048">
-                <a:tc>
-                  <a:txBody>
-                    <a:bodyPr/>
-                    <a:lstStyle/>
-                    <a:p>
-                      <a:r>
-                        <a:rPr lang="fr-FR" dirty="0" smtClean="0"/>
-                        <a:t>Après intersection</a:t>
-                      </a:r>
-                    </a:p>
-                  </a:txBody>
-                  <a:tcPr/>
-                </a:tc>
-              </a:tr>
-              <a:tr h="432048">
-                <a:tc>
-                  <a:txBody>
-                    <a:bodyPr/>
-                    <a:lstStyle/>
-                    <a:p>
-                      <a:r>
-                        <a:rPr lang="fr-FR" dirty="0" smtClean="0"/>
-                        <a:t>13 pays</a:t>
-                      </a:r>
-                      <a:endParaRPr lang="fr-FR" dirty="0"/>
-                    </a:p>
-                  </a:txBody>
-                  <a:tcPr/>
-                </a:tc>
-              </a:tr>
-            </a:tbl>
-          </a:graphicData>
-        </a:graphic>
-      </p:graphicFrame>
-      <p:graphicFrame>
-        <p:nvGraphicFramePr>
-          <p:cNvPr id="6" name="Tableau 5"/>
-          <p:cNvGraphicFramePr>
-            <a:graphicFrameLocks noGrp="1"/>
-          </p:cNvGraphicFramePr>
-          <p:nvPr>
-            <p:extLst>
-              <p:ext uri="{D42A27DB-BD31-4B8C-83A1-F6EECF244321}">
-                <p14:modId xmlns:p14="http://schemas.microsoft.com/office/powerpoint/2010/main" val="1700547744"/>
-              </p:ext>
-            </p:extLst>
-          </p:nvPr>
-        </p:nvGraphicFramePr>
-        <p:xfrm>
-          <a:off x="3203848" y="5229200"/>
-          <a:ext cx="5556448" cy="914400"/>
-        </p:xfrm>
-        <a:graphic>
-          <a:graphicData uri="http://schemas.openxmlformats.org/drawingml/2006/table">
-            <a:tbl>
-              <a:tblPr firstRow="1" bandRow="1">
-                <a:tableStyleId>{85BE263C-DBD7-4A20-BB59-AAB30ACAA65A}</a:tableStyleId>
-              </a:tblPr>
-              <a:tblGrid>
-                <a:gridCol w="5556448"/>
-              </a:tblGrid>
-              <a:tr h="864096">
-                <a:tc>
-                  <a:txBody>
-                    <a:bodyPr/>
-                    <a:lstStyle/>
-                    <a:p>
-                      <a:r>
-                        <a:rPr lang="fr-FR" dirty="0" err="1" smtClean="0"/>
-                        <a:t>Russian</a:t>
-                      </a:r>
-                      <a:r>
-                        <a:rPr lang="fr-FR" dirty="0" smtClean="0"/>
-                        <a:t> </a:t>
-                      </a:r>
-                      <a:r>
-                        <a:rPr lang="fr-FR" dirty="0" err="1" smtClean="0"/>
-                        <a:t>Federation</a:t>
-                      </a:r>
-                      <a:r>
-                        <a:rPr lang="fr-FR" dirty="0" smtClean="0"/>
-                        <a:t>,  Kazakhstan,  Singapore,  </a:t>
-                      </a:r>
-                      <a:r>
-                        <a:rPr lang="fr-FR" dirty="0" err="1" smtClean="0"/>
-                        <a:t>Bahrain</a:t>
-                      </a:r>
-                      <a:r>
-                        <a:rPr lang="fr-FR" dirty="0" smtClean="0"/>
-                        <a:t>,  </a:t>
-                      </a:r>
-                      <a:r>
-                        <a:rPr lang="fr-FR" dirty="0" err="1" smtClean="0"/>
-                        <a:t>Latvia</a:t>
-                      </a:r>
-                      <a:r>
-                        <a:rPr lang="fr-FR" dirty="0" smtClean="0"/>
-                        <a:t>,  </a:t>
-                      </a:r>
-                      <a:r>
-                        <a:rPr lang="fr-FR" dirty="0" err="1" smtClean="0"/>
-                        <a:t>Estonia</a:t>
-                      </a:r>
-                      <a:r>
-                        <a:rPr lang="fr-FR" dirty="0" smtClean="0"/>
-                        <a:t>,  </a:t>
-                      </a:r>
-                      <a:r>
-                        <a:rPr lang="fr-FR" dirty="0" err="1" smtClean="0"/>
-                        <a:t>Puerto</a:t>
-                      </a:r>
-                      <a:r>
-                        <a:rPr lang="fr-FR" dirty="0" smtClean="0"/>
-                        <a:t> Rico,  Malaysia,  Kuwait,  </a:t>
-                      </a:r>
-                      <a:r>
-                        <a:rPr lang="fr-FR" dirty="0" err="1" smtClean="0"/>
-                        <a:t>Azerbaijan</a:t>
-                      </a:r>
-                      <a:r>
-                        <a:rPr lang="fr-FR" dirty="0" smtClean="0"/>
-                        <a:t>,  Spain,  Qatar </a:t>
-                      </a:r>
-                      <a:endParaRPr lang="fr-FR" dirty="0"/>
-                    </a:p>
-                  </a:txBody>
-                  <a:tcPr/>
-                </a:tc>
-              </a:tr>
-            </a:tbl>
-          </a:graphicData>
-        </a:graphic>
-      </p:graphicFrame>
-    </p:spTree>
-    <p:extLst>
-      <p:ext uri="{BB962C8B-B14F-4D97-AF65-F5344CB8AC3E}">
-        <p14:creationId xmlns:p14="http://schemas.microsoft.com/office/powerpoint/2010/main" val="1410092560"/>
       </p:ext>
     </p:extLst>
   </p:cSld>
@@ -6627,90 +6902,586 @@
           <a:lstStyle/>
           <a:p>
             <a:r>
-              <a:rPr lang="fr-FR" dirty="0"/>
+              <a:rPr lang="fr-FR" dirty="0" smtClean="0"/>
               <a:t>Critères de sélection #1</a:t>
             </a:r>
-          </a:p>
-        </p:txBody>
-      </p:sp>
-      <p:sp>
-        <p:nvSpPr>
-          <p:cNvPr id="3" name="Espace réservé du contenu 2"/>
-          <p:cNvSpPr>
-            <a:spLocks noGrp="1"/>
-          </p:cNvSpPr>
+            <a:endParaRPr lang="fr-FR" dirty="0"/>
+          </a:p>
+        </p:txBody>
+      </p:sp>
+      <p:graphicFrame>
+        <p:nvGraphicFramePr>
+          <p:cNvPr id="4" name="Espace réservé du contenu 3"/>
+          <p:cNvGraphicFramePr>
+            <a:graphicFrameLocks noGrp="1"/>
+          </p:cNvGraphicFramePr>
           <p:nvPr>
             <p:ph idx="1"/>
-          </p:nvPr>
-        </p:nvSpPr>
-        <p:spPr/>
-        <p:txBody>
-          <a:bodyPr/>
-          <a:lstStyle/>
-          <a:p>
-            <a:pPr marL="0" indent="0">
-              <a:buNone/>
-            </a:pPr>
-            <a:r>
-              <a:rPr lang="fr-FR" sz="3200" dirty="0" smtClean="0">
-                <a:solidFill>
-                  <a:schemeClr val="accent6">
-                    <a:lumMod val="75000"/>
-                  </a:schemeClr>
-                </a:solidFill>
-              </a:rPr>
-              <a:t>Critique :</a:t>
-            </a:r>
-          </a:p>
-          <a:p>
-            <a:pPr marL="0" indent="0">
-              <a:buNone/>
-            </a:pPr>
-            <a:endParaRPr lang="fr-FR" sz="3200" dirty="0" smtClean="0">
-              <a:solidFill>
-                <a:schemeClr val="accent6">
-                  <a:lumMod val="75000"/>
-                </a:schemeClr>
-              </a:solidFill>
-            </a:endParaRPr>
-          </a:p>
-          <a:p>
-            <a:r>
-              <a:rPr lang="fr-FR" dirty="0" smtClean="0"/>
-              <a:t>Elimination des pays sans données</a:t>
-            </a:r>
-          </a:p>
-          <a:p>
-            <a:r>
-              <a:rPr lang="fr-FR" dirty="0" smtClean="0"/>
-              <a:t>Pas de donnée de projection prises en compte</a:t>
-            </a:r>
-          </a:p>
-          <a:p>
-            <a:r>
-              <a:rPr lang="fr-FR" dirty="0" smtClean="0"/>
-              <a:t>Mauvaise approche de la donnée Internet </a:t>
-            </a:r>
-            <a:r>
-              <a:rPr lang="fr-FR" dirty="0" err="1" smtClean="0"/>
-              <a:t>users</a:t>
-            </a:r>
-            <a:endParaRPr lang="fr-FR" dirty="0" smtClean="0"/>
-          </a:p>
-          <a:p>
-            <a:pPr lvl="1"/>
-            <a:r>
-              <a:rPr lang="fr-FR" dirty="0" smtClean="0"/>
-              <a:t>Il serait plus intéressant de relier la donnée population et la donnée internet pour obtenir une quantité de population utilisant internet</a:t>
-            </a:r>
-            <a:endParaRPr lang="fr-FR" dirty="0"/>
+            <p:extLst>
+              <p:ext uri="{D42A27DB-BD31-4B8C-83A1-F6EECF244321}">
+                <p14:modId xmlns:p14="http://schemas.microsoft.com/office/powerpoint/2010/main" val="4031498974"/>
+              </p:ext>
+            </p:extLst>
+          </p:nvPr>
+        </p:nvGraphicFramePr>
+        <p:xfrm>
+          <a:off x="395536" y="1484785"/>
+          <a:ext cx="8568952" cy="3497185"/>
+        </p:xfrm>
+        <a:graphic>
+          <a:graphicData uri="http://schemas.openxmlformats.org/drawingml/2006/table">
+            <a:tbl>
+              <a:tblPr firstRow="1" bandRow="1">
+                <a:tableStyleId>{5C22544A-7EE6-4342-B048-85BDC9FD1C3A}</a:tableStyleId>
+              </a:tblPr>
+              <a:tblGrid>
+                <a:gridCol w="1720253"/>
+                <a:gridCol w="2091866"/>
+                <a:gridCol w="2614595"/>
+                <a:gridCol w="2142238"/>
+              </a:tblGrid>
+              <a:tr h="541517">
+                <a:tc>
+                  <a:txBody>
+                    <a:bodyPr/>
+                    <a:lstStyle/>
+                    <a:p>
+                      <a:r>
+                        <a:rPr lang="fr-FR" sz="1600" dirty="0" smtClean="0"/>
+                        <a:t>Indicateur</a:t>
+                      </a:r>
+                      <a:endParaRPr lang="fr-FR" sz="1600" dirty="0"/>
+                    </a:p>
+                  </a:txBody>
+                  <a:tcPr/>
+                </a:tc>
+                <a:tc>
+                  <a:txBody>
+                    <a:bodyPr/>
+                    <a:lstStyle/>
+                    <a:p>
+                      <a:r>
+                        <a:rPr lang="fr-FR" sz="1600" dirty="0" smtClean="0"/>
+                        <a:t>Unité</a:t>
+                      </a:r>
+                      <a:endParaRPr lang="fr-FR" sz="1600" dirty="0"/>
+                    </a:p>
+                  </a:txBody>
+                  <a:tcPr/>
+                </a:tc>
+                <a:tc>
+                  <a:txBody>
+                    <a:bodyPr/>
+                    <a:lstStyle/>
+                    <a:p>
+                      <a:r>
+                        <a:rPr lang="fr-FR" sz="1600" dirty="0" smtClean="0"/>
+                        <a:t>Critère</a:t>
+                      </a:r>
+                      <a:endParaRPr lang="fr-FR" sz="1600" dirty="0"/>
+                    </a:p>
+                  </a:txBody>
+                  <a:tcPr/>
+                </a:tc>
+                <a:tc>
+                  <a:txBody>
+                    <a:bodyPr/>
+                    <a:lstStyle/>
+                    <a:p>
+                      <a:r>
+                        <a:rPr lang="fr-FR" sz="1600" dirty="0" smtClean="0"/>
+                        <a:t>Nombre</a:t>
+                      </a:r>
+                      <a:r>
+                        <a:rPr lang="fr-FR" sz="1600" baseline="0" dirty="0" smtClean="0"/>
+                        <a:t> de pays pré sélectionnés</a:t>
+                      </a:r>
+                      <a:endParaRPr lang="fr-FR" sz="1600" dirty="0"/>
+                    </a:p>
+                  </a:txBody>
+                  <a:tcPr/>
+                </a:tc>
+              </a:tr>
+              <a:tr h="1224226">
+                <a:tc>
+                  <a:txBody>
+                    <a:bodyPr/>
+                    <a:lstStyle/>
+                    <a:p>
+                      <a:r>
+                        <a:rPr lang="fr-FR" sz="1600" dirty="0" smtClean="0"/>
+                        <a:t>Internet</a:t>
+                      </a:r>
+                      <a:endParaRPr lang="fr-FR" sz="1600" dirty="0"/>
+                    </a:p>
+                  </a:txBody>
+                  <a:tcPr/>
+                </a:tc>
+                <a:tc>
+                  <a:txBody>
+                    <a:bodyPr/>
+                    <a:lstStyle/>
+                    <a:p>
+                      <a:r>
+                        <a:rPr lang="fr-FR" sz="1600" dirty="0" smtClean="0"/>
+                        <a:t>Nb d </a:t>
+                      </a:r>
+                      <a:r>
+                        <a:rPr lang="fr-FR" sz="1600" dirty="0" err="1" smtClean="0"/>
+                        <a:t>users</a:t>
+                      </a:r>
+                      <a:r>
+                        <a:rPr lang="fr-FR" sz="1600" dirty="0" smtClean="0"/>
+                        <a:t> pour 100 personnes</a:t>
+                      </a:r>
+                      <a:endParaRPr lang="fr-FR" sz="1600" dirty="0"/>
+                    </a:p>
+                  </a:txBody>
+                  <a:tcPr/>
+                </a:tc>
+                <a:tc>
+                  <a:txBody>
+                    <a:bodyPr/>
+                    <a:lstStyle/>
+                    <a:p>
+                      <a:r>
+                        <a:rPr lang="fr-FR" sz="1600" dirty="0" smtClean="0"/>
+                        <a:t>&gt; 75 pour les</a:t>
+                      </a:r>
+                      <a:r>
+                        <a:rPr lang="fr-FR" sz="1600" baseline="0" dirty="0" smtClean="0"/>
+                        <a:t> données 2016</a:t>
+                      </a:r>
+                    </a:p>
+                    <a:p>
+                      <a:r>
+                        <a:rPr lang="fr-FR" sz="1600" dirty="0" smtClean="0"/>
+                        <a:t>&gt; 65 pour les données 2010 - 2015</a:t>
+                      </a:r>
+                      <a:endParaRPr lang="fr-FR" sz="1600" dirty="0"/>
+                    </a:p>
+                  </a:txBody>
+                  <a:tcPr/>
+                </a:tc>
+                <a:tc>
+                  <a:txBody>
+                    <a:bodyPr/>
+                    <a:lstStyle/>
+                    <a:p>
+                      <a:r>
+                        <a:rPr lang="fr-FR" sz="1600" dirty="0" smtClean="0"/>
+                        <a:t>65</a:t>
+                      </a:r>
+                      <a:endParaRPr lang="fr-FR" sz="1600" dirty="0"/>
+                    </a:p>
+                  </a:txBody>
+                  <a:tcPr/>
+                </a:tc>
+              </a:tr>
+              <a:tr h="535599">
+                <a:tc>
+                  <a:txBody>
+                    <a:bodyPr/>
+                    <a:lstStyle/>
+                    <a:p>
+                      <a:r>
+                        <a:rPr lang="fr-FR" sz="1600" dirty="0" smtClean="0"/>
+                        <a:t>Population</a:t>
+                      </a:r>
+                      <a:endParaRPr lang="fr-FR" sz="1600" dirty="0"/>
+                    </a:p>
+                  </a:txBody>
+                  <a:tcPr/>
+                </a:tc>
+                <a:tc>
+                  <a:txBody>
+                    <a:bodyPr/>
+                    <a:lstStyle/>
+                    <a:p>
+                      <a:r>
+                        <a:rPr lang="fr-FR" sz="1600" dirty="0" smtClean="0"/>
+                        <a:t>Nb de personnes</a:t>
+                      </a:r>
+                      <a:endParaRPr lang="fr-FR" sz="1600" dirty="0"/>
+                    </a:p>
+                  </a:txBody>
+                  <a:tcPr/>
+                </a:tc>
+                <a:tc>
+                  <a:txBody>
+                    <a:bodyPr/>
+                    <a:lstStyle/>
+                    <a:p>
+                      <a:r>
+                        <a:rPr lang="fr-FR" sz="1600" dirty="0" smtClean="0"/>
+                        <a:t>&gt; premier</a:t>
+                      </a:r>
+                      <a:r>
+                        <a:rPr lang="fr-FR" sz="1600" baseline="0" dirty="0" smtClean="0"/>
+                        <a:t> quartile</a:t>
+                      </a:r>
+                      <a:endParaRPr lang="fr-FR" sz="1600" dirty="0"/>
+                    </a:p>
+                  </a:txBody>
+                  <a:tcPr/>
+                </a:tc>
+                <a:tc>
+                  <a:txBody>
+                    <a:bodyPr/>
+                    <a:lstStyle/>
+                    <a:p>
+                      <a:r>
+                        <a:rPr lang="fr-FR" sz="1600" dirty="0" smtClean="0"/>
+                        <a:t>180</a:t>
+                      </a:r>
+                      <a:endParaRPr lang="fr-FR" sz="1600" dirty="0"/>
+                    </a:p>
+                  </a:txBody>
+                  <a:tcPr/>
+                </a:tc>
+              </a:tr>
+              <a:tr h="541517">
+                <a:tc>
+                  <a:txBody>
+                    <a:bodyPr/>
+                    <a:lstStyle/>
+                    <a:p>
+                      <a:r>
+                        <a:rPr lang="fr-FR" sz="1600" dirty="0" smtClean="0"/>
+                        <a:t>Alphabétisation</a:t>
+                      </a:r>
+                      <a:endParaRPr lang="fr-FR" sz="1600" dirty="0"/>
+                    </a:p>
+                  </a:txBody>
+                  <a:tcPr/>
+                </a:tc>
+                <a:tc>
+                  <a:txBody>
+                    <a:bodyPr/>
+                    <a:lstStyle/>
+                    <a:p>
+                      <a:r>
+                        <a:rPr lang="fr-FR" sz="1600" dirty="0" smtClean="0"/>
+                        <a:t>Taux</a:t>
+                      </a:r>
+                      <a:endParaRPr lang="fr-FR" sz="1600" dirty="0"/>
+                    </a:p>
+                  </a:txBody>
+                  <a:tcPr/>
+                </a:tc>
+                <a:tc>
+                  <a:txBody>
+                    <a:bodyPr/>
+                    <a:lstStyle/>
+                    <a:p>
+                      <a:r>
+                        <a:rPr lang="fr-FR" sz="1600" dirty="0" smtClean="0"/>
+                        <a:t>&gt; 10</a:t>
+                      </a:r>
+                      <a:r>
+                        <a:rPr lang="fr-FR" sz="1600" baseline="30000" dirty="0" smtClean="0"/>
+                        <a:t>ème</a:t>
+                      </a:r>
+                      <a:r>
+                        <a:rPr lang="fr-FR" sz="1600" dirty="0" smtClean="0"/>
+                        <a:t> percentile</a:t>
+                      </a:r>
+                      <a:endParaRPr lang="fr-FR" sz="1600" dirty="0"/>
+                    </a:p>
+                  </a:txBody>
+                  <a:tcPr/>
+                </a:tc>
+                <a:tc>
+                  <a:txBody>
+                    <a:bodyPr/>
+                    <a:lstStyle/>
+                    <a:p>
+                      <a:r>
+                        <a:rPr lang="fr-FR" sz="1600" dirty="0" smtClean="0"/>
+                        <a:t>127</a:t>
+                      </a:r>
+                    </a:p>
+                    <a:p>
+                      <a:endParaRPr lang="fr-FR" sz="1600" dirty="0"/>
+                    </a:p>
+                  </a:txBody>
+                  <a:tcPr/>
+                </a:tc>
+              </a:tr>
+              <a:tr h="541517">
+                <a:tc>
+                  <a:txBody>
+                    <a:bodyPr/>
+                    <a:lstStyle/>
+                    <a:p>
+                      <a:r>
+                        <a:rPr lang="fr-FR" sz="1600" dirty="0" smtClean="0"/>
+                        <a:t>PIB</a:t>
+                      </a:r>
+                      <a:endParaRPr lang="fr-FR" sz="1600" dirty="0"/>
+                    </a:p>
+                  </a:txBody>
+                  <a:tcPr/>
+                </a:tc>
+                <a:tc>
+                  <a:txBody>
+                    <a:bodyPr/>
+                    <a:lstStyle/>
+                    <a:p>
+                      <a:r>
+                        <a:rPr lang="fr-FR" sz="1600" dirty="0" smtClean="0"/>
+                        <a:t>USD</a:t>
+                      </a:r>
+                      <a:endParaRPr lang="fr-FR" sz="1600" dirty="0"/>
+                    </a:p>
+                  </a:txBody>
+                  <a:tcPr/>
+                </a:tc>
+                <a:tc>
+                  <a:txBody>
+                    <a:bodyPr/>
+                    <a:lstStyle/>
+                    <a:p>
+                      <a:pPr marL="0" marR="0" indent="0" algn="l" defTabSz="914400" rtl="0" eaLnBrk="1" fontAlgn="auto" latinLnBrk="0" hangingPunct="1">
+                        <a:lnSpc>
+                          <a:spcPct val="100000"/>
+                        </a:lnSpc>
+                        <a:spcBef>
+                          <a:spcPts val="0"/>
+                        </a:spcBef>
+                        <a:spcAft>
+                          <a:spcPts val="0"/>
+                        </a:spcAft>
+                        <a:buClrTx/>
+                        <a:buSzTx/>
+                        <a:buFontTx/>
+                        <a:buNone/>
+                        <a:tabLst/>
+                        <a:defRPr/>
+                      </a:pPr>
+                      <a:r>
+                        <a:rPr lang="fr-FR" sz="1600" dirty="0" smtClean="0"/>
+                        <a:t>&gt; premier</a:t>
+                      </a:r>
+                      <a:r>
+                        <a:rPr lang="fr-FR" sz="1600" baseline="0" dirty="0" smtClean="0"/>
+                        <a:t> quartile</a:t>
+                      </a:r>
+                      <a:endParaRPr lang="fr-FR" sz="1600" dirty="0" smtClean="0"/>
+                    </a:p>
+                    <a:p>
+                      <a:endParaRPr lang="fr-FR" sz="1600" dirty="0"/>
+                    </a:p>
+                  </a:txBody>
+                  <a:tcPr/>
+                </a:tc>
+                <a:tc>
+                  <a:txBody>
+                    <a:bodyPr/>
+                    <a:lstStyle/>
+                    <a:p>
+                      <a:r>
+                        <a:rPr lang="fr-FR" sz="1600" dirty="0" smtClean="0"/>
+                        <a:t>171</a:t>
+                      </a:r>
+                      <a:endParaRPr lang="fr-FR" sz="1600" dirty="0"/>
+                    </a:p>
+                  </a:txBody>
+                  <a:tcPr/>
+                </a:tc>
+              </a:tr>
+            </a:tbl>
+          </a:graphicData>
+        </a:graphic>
+      </p:graphicFrame>
+      <p:graphicFrame>
+        <p:nvGraphicFramePr>
+          <p:cNvPr id="5" name="Tableau 4"/>
+          <p:cNvGraphicFramePr>
+            <a:graphicFrameLocks noGrp="1"/>
+          </p:cNvGraphicFramePr>
+          <p:nvPr>
+            <p:extLst>
+              <p:ext uri="{D42A27DB-BD31-4B8C-83A1-F6EECF244321}">
+                <p14:modId xmlns:p14="http://schemas.microsoft.com/office/powerpoint/2010/main" val="2832520195"/>
+              </p:ext>
+            </p:extLst>
+          </p:nvPr>
+        </p:nvGraphicFramePr>
+        <p:xfrm>
+          <a:off x="395536" y="5229200"/>
+          <a:ext cx="2376264" cy="864096"/>
+        </p:xfrm>
+        <a:graphic>
+          <a:graphicData uri="http://schemas.openxmlformats.org/drawingml/2006/table">
+            <a:tbl>
+              <a:tblPr firstRow="1" bandRow="1">
+                <a:tableStyleId>{93296810-A885-4BE3-A3E7-6D5BEEA58F35}</a:tableStyleId>
+              </a:tblPr>
+              <a:tblGrid>
+                <a:gridCol w="2376264"/>
+              </a:tblGrid>
+              <a:tr h="432048">
+                <a:tc>
+                  <a:txBody>
+                    <a:bodyPr/>
+                    <a:lstStyle/>
+                    <a:p>
+                      <a:r>
+                        <a:rPr lang="fr-FR" dirty="0" smtClean="0"/>
+                        <a:t>Après intersection</a:t>
+                      </a:r>
+                    </a:p>
+                  </a:txBody>
+                  <a:tcPr/>
+                </a:tc>
+              </a:tr>
+              <a:tr h="432048">
+                <a:tc>
+                  <a:txBody>
+                    <a:bodyPr/>
+                    <a:lstStyle/>
+                    <a:p>
+                      <a:r>
+                        <a:rPr lang="fr-FR" dirty="0" smtClean="0"/>
+                        <a:t>13 pays</a:t>
+                      </a:r>
+                      <a:endParaRPr lang="fr-FR" dirty="0"/>
+                    </a:p>
+                  </a:txBody>
+                  <a:tcPr/>
+                </a:tc>
+              </a:tr>
+            </a:tbl>
+          </a:graphicData>
+        </a:graphic>
+      </p:graphicFrame>
+      <p:graphicFrame>
+        <p:nvGraphicFramePr>
+          <p:cNvPr id="6" name="Tableau 5"/>
+          <p:cNvGraphicFramePr>
+            <a:graphicFrameLocks noGrp="1"/>
+          </p:cNvGraphicFramePr>
+          <p:nvPr>
+            <p:extLst>
+              <p:ext uri="{D42A27DB-BD31-4B8C-83A1-F6EECF244321}">
+                <p14:modId xmlns:p14="http://schemas.microsoft.com/office/powerpoint/2010/main" val="1700547744"/>
+              </p:ext>
+            </p:extLst>
+          </p:nvPr>
+        </p:nvGraphicFramePr>
+        <p:xfrm>
+          <a:off x="3203848" y="5229200"/>
+          <a:ext cx="5556448" cy="914400"/>
+        </p:xfrm>
+        <a:graphic>
+          <a:graphicData uri="http://schemas.openxmlformats.org/drawingml/2006/table">
+            <a:tbl>
+              <a:tblPr firstRow="1" bandRow="1">
+                <a:tableStyleId>{85BE263C-DBD7-4A20-BB59-AAB30ACAA65A}</a:tableStyleId>
+              </a:tblPr>
+              <a:tblGrid>
+                <a:gridCol w="5556448"/>
+              </a:tblGrid>
+              <a:tr h="864096">
+                <a:tc>
+                  <a:txBody>
+                    <a:bodyPr/>
+                    <a:lstStyle/>
+                    <a:p>
+                      <a:r>
+                        <a:rPr lang="fr-FR" dirty="0" err="1" smtClean="0"/>
+                        <a:t>Russian</a:t>
+                      </a:r>
+                      <a:r>
+                        <a:rPr lang="fr-FR" dirty="0" smtClean="0"/>
+                        <a:t> </a:t>
+                      </a:r>
+                      <a:r>
+                        <a:rPr lang="fr-FR" dirty="0" err="1" smtClean="0"/>
+                        <a:t>Federation</a:t>
+                      </a:r>
+                      <a:r>
+                        <a:rPr lang="fr-FR" dirty="0" smtClean="0"/>
+                        <a:t>,  Kazakhstan,  Singapore,  </a:t>
+                      </a:r>
+                      <a:r>
+                        <a:rPr lang="fr-FR" dirty="0" err="1" smtClean="0"/>
+                        <a:t>Bahrain</a:t>
+                      </a:r>
+                      <a:r>
+                        <a:rPr lang="fr-FR" dirty="0" smtClean="0"/>
+                        <a:t>,  </a:t>
+                      </a:r>
+                      <a:r>
+                        <a:rPr lang="fr-FR" dirty="0" err="1" smtClean="0"/>
+                        <a:t>Latvia</a:t>
+                      </a:r>
+                      <a:r>
+                        <a:rPr lang="fr-FR" dirty="0" smtClean="0"/>
+                        <a:t>,  </a:t>
+                      </a:r>
+                      <a:r>
+                        <a:rPr lang="fr-FR" dirty="0" err="1" smtClean="0"/>
+                        <a:t>Estonia</a:t>
+                      </a:r>
+                      <a:r>
+                        <a:rPr lang="fr-FR" dirty="0" smtClean="0"/>
+                        <a:t>,  </a:t>
+                      </a:r>
+                      <a:r>
+                        <a:rPr lang="fr-FR" dirty="0" err="1" smtClean="0"/>
+                        <a:t>Puerto</a:t>
+                      </a:r>
+                      <a:r>
+                        <a:rPr lang="fr-FR" dirty="0" smtClean="0"/>
+                        <a:t> Rico,  Malaysia,  Kuwait,  </a:t>
+                      </a:r>
+                      <a:r>
+                        <a:rPr lang="fr-FR" dirty="0" err="1" smtClean="0"/>
+                        <a:t>Azerbaijan</a:t>
+                      </a:r>
+                      <a:r>
+                        <a:rPr lang="fr-FR" dirty="0" smtClean="0"/>
+                        <a:t>,  Spain,  Qatar </a:t>
+                      </a:r>
+                      <a:endParaRPr lang="fr-FR" dirty="0"/>
+                    </a:p>
+                  </a:txBody>
+                  <a:tcPr/>
+                </a:tc>
+              </a:tr>
+            </a:tbl>
+          </a:graphicData>
+        </a:graphic>
+      </p:graphicFrame>
+      <p:sp>
+        <p:nvSpPr>
+          <p:cNvPr id="3" name="Espace réservé du numéro de diapositive 2"/>
+          <p:cNvSpPr>
+            <a:spLocks noGrp="1"/>
+          </p:cNvSpPr>
+          <p:nvPr>
+            <p:ph type="sldNum" sz="quarter" idx="12"/>
+          </p:nvPr>
+        </p:nvSpPr>
+        <p:spPr/>
+        <p:txBody>
+          <a:bodyPr/>
+          <a:lstStyle/>
+          <a:p>
+            <a:fld id="{724BE394-8A7C-45DA-99F5-6969B9139923}" type="slidenum">
+              <a:rPr lang="fr-FR" smtClean="0"/>
+              <a:t>28</a:t>
+            </a:fld>
+            <a:endParaRPr lang="fr-FR"/>
           </a:p>
         </p:txBody>
       </p:sp>
     </p:spTree>
     <p:extLst>
       <p:ext uri="{BB962C8B-B14F-4D97-AF65-F5344CB8AC3E}">
-        <p14:creationId xmlns:p14="http://schemas.microsoft.com/office/powerpoint/2010/main" val="1984137490"/>
+        <p14:creationId xmlns:p14="http://schemas.microsoft.com/office/powerpoint/2010/main" val="1410092560"/>
       </p:ext>
     </p:extLst>
   </p:cSld>
@@ -6760,594 +7531,113 @@
           <a:lstStyle/>
           <a:p>
             <a:r>
-              <a:rPr lang="fr-FR" dirty="0" smtClean="0"/>
-              <a:t>Critères de sélection #2</a:t>
+              <a:rPr lang="fr-FR" dirty="0"/>
+              <a:t>Critères de sélection #1</a:t>
+            </a:r>
+          </a:p>
+        </p:txBody>
+      </p:sp>
+      <p:sp>
+        <p:nvSpPr>
+          <p:cNvPr id="3" name="Espace réservé du contenu 2"/>
+          <p:cNvSpPr>
+            <a:spLocks noGrp="1"/>
+          </p:cNvSpPr>
+          <p:nvPr>
+            <p:ph idx="1"/>
+          </p:nvPr>
+        </p:nvSpPr>
+        <p:spPr/>
+        <p:txBody>
+          <a:bodyPr/>
+          <a:lstStyle/>
+          <a:p>
+            <a:pPr marL="0" indent="0">
+              <a:buNone/>
+            </a:pPr>
+            <a:r>
+              <a:rPr lang="fr-FR" sz="3200" dirty="0" smtClean="0">
+                <a:solidFill>
+                  <a:schemeClr val="accent6">
+                    <a:lumMod val="75000"/>
+                  </a:schemeClr>
+                </a:solidFill>
+              </a:rPr>
+              <a:t>Inconvénients :</a:t>
+            </a:r>
+          </a:p>
+          <a:p>
+            <a:pPr marL="0" indent="0">
+              <a:buNone/>
+            </a:pPr>
+            <a:endParaRPr lang="fr-FR" sz="3200" dirty="0" smtClean="0">
+              <a:solidFill>
+                <a:schemeClr val="accent6">
+                  <a:lumMod val="75000"/>
+                </a:schemeClr>
+              </a:solidFill>
+            </a:endParaRPr>
+          </a:p>
+          <a:p>
+            <a:r>
+              <a:rPr lang="fr-FR" dirty="0" smtClean="0"/>
+              <a:t>Elimination des pays sans données</a:t>
+            </a:r>
+          </a:p>
+          <a:p>
+            <a:r>
+              <a:rPr lang="fr-FR" dirty="0" smtClean="0"/>
+              <a:t>Pas de donnée de projection prises en compte</a:t>
+            </a:r>
+          </a:p>
+          <a:p>
+            <a:r>
+              <a:rPr lang="fr-FR" dirty="0" smtClean="0"/>
+              <a:t>Mauvaise approche de la donnée Internet </a:t>
+            </a:r>
+            <a:r>
+              <a:rPr lang="fr-FR" dirty="0" err="1" smtClean="0"/>
+              <a:t>users</a:t>
+            </a:r>
+            <a:endParaRPr lang="fr-FR" dirty="0" smtClean="0"/>
+          </a:p>
+          <a:p>
+            <a:pPr lvl="1"/>
+            <a:r>
+              <a:rPr lang="fr-FR" dirty="0" smtClean="0"/>
+              <a:t>Il serait plus intéressant de relier la donnée population et la donnée internet pour obtenir une quantité de population utilisant internet</a:t>
             </a:r>
             <a:endParaRPr lang="fr-FR" dirty="0"/>
           </a:p>
         </p:txBody>
       </p:sp>
-      <p:graphicFrame>
-        <p:nvGraphicFramePr>
-          <p:cNvPr id="4" name="Espace réservé du contenu 3"/>
-          <p:cNvGraphicFramePr>
-            <a:graphicFrameLocks noGrp="1"/>
-          </p:cNvGraphicFramePr>
-          <p:nvPr>
-            <p:ph idx="1"/>
-            <p:extLst>
-              <p:ext uri="{D42A27DB-BD31-4B8C-83A1-F6EECF244321}">
-                <p14:modId xmlns:p14="http://schemas.microsoft.com/office/powerpoint/2010/main" val="1503352011"/>
-              </p:ext>
-            </p:extLst>
-          </p:nvPr>
-        </p:nvGraphicFramePr>
-        <p:xfrm>
-          <a:off x="395536" y="1484785"/>
-          <a:ext cx="8568952" cy="2731165"/>
-        </p:xfrm>
-        <a:graphic>
-          <a:graphicData uri="http://schemas.openxmlformats.org/drawingml/2006/table">
-            <a:tbl>
-              <a:tblPr firstRow="1" bandRow="1">
-                <a:tableStyleId>{5C22544A-7EE6-4342-B048-85BDC9FD1C3A}</a:tableStyleId>
-              </a:tblPr>
-              <a:tblGrid>
-                <a:gridCol w="1944216"/>
-                <a:gridCol w="1867903"/>
-                <a:gridCol w="2614595"/>
-                <a:gridCol w="2142238"/>
-              </a:tblGrid>
-              <a:tr h="508825">
-                <a:tc>
-                  <a:txBody>
-                    <a:bodyPr/>
-                    <a:lstStyle/>
-                    <a:p>
-                      <a:r>
-                        <a:rPr lang="fr-FR" sz="1600" dirty="0" smtClean="0"/>
-                        <a:t>Indicateur</a:t>
-                      </a:r>
-                      <a:endParaRPr lang="fr-FR" sz="1600" dirty="0"/>
-                    </a:p>
-                  </a:txBody>
-                  <a:tcPr/>
-                </a:tc>
-                <a:tc>
-                  <a:txBody>
-                    <a:bodyPr/>
-                    <a:lstStyle/>
-                    <a:p>
-                      <a:r>
-                        <a:rPr lang="fr-FR" sz="1600" dirty="0" smtClean="0"/>
-                        <a:t>Unité</a:t>
-                      </a:r>
-                      <a:endParaRPr lang="fr-FR" sz="1600" dirty="0"/>
-                    </a:p>
-                  </a:txBody>
-                  <a:tcPr/>
-                </a:tc>
-                <a:tc>
-                  <a:txBody>
-                    <a:bodyPr/>
-                    <a:lstStyle/>
-                    <a:p>
-                      <a:r>
-                        <a:rPr lang="fr-FR" sz="1600" dirty="0" smtClean="0"/>
-                        <a:t>Critère</a:t>
-                      </a:r>
-                      <a:endParaRPr lang="fr-FR" sz="1600" dirty="0"/>
-                    </a:p>
-                  </a:txBody>
-                  <a:tcPr/>
-                </a:tc>
-                <a:tc>
-                  <a:txBody>
-                    <a:bodyPr/>
-                    <a:lstStyle/>
-                    <a:p>
-                      <a:r>
-                        <a:rPr lang="fr-FR" sz="1600" dirty="0" smtClean="0"/>
-                        <a:t>Nombre</a:t>
-                      </a:r>
-                      <a:r>
-                        <a:rPr lang="fr-FR" sz="1600" baseline="0" dirty="0" smtClean="0"/>
-                        <a:t> de pays pré </a:t>
-                      </a:r>
-                      <a:r>
-                        <a:rPr lang="fr-FR" sz="1600" baseline="0" dirty="0" err="1" smtClean="0"/>
-                        <a:t>selectionnés</a:t>
-                      </a:r>
-                      <a:endParaRPr lang="fr-FR" sz="1600" dirty="0"/>
-                    </a:p>
-                  </a:txBody>
-                  <a:tcPr/>
-                </a:tc>
-              </a:tr>
-              <a:tr h="993805">
-                <a:tc>
-                  <a:txBody>
-                    <a:bodyPr/>
-                    <a:lstStyle/>
-                    <a:p>
-                      <a:r>
-                        <a:rPr lang="fr-FR" sz="1600" dirty="0" smtClean="0"/>
-                        <a:t>Internet/Population</a:t>
-                      </a:r>
-                      <a:endParaRPr lang="fr-FR" sz="1600" dirty="0"/>
-                    </a:p>
-                  </a:txBody>
-                  <a:tcPr/>
-                </a:tc>
-                <a:tc>
-                  <a:txBody>
-                    <a:bodyPr/>
-                    <a:lstStyle/>
-                    <a:p>
-                      <a:r>
-                        <a:rPr lang="fr-FR" sz="1600" dirty="0" smtClean="0"/>
-                        <a:t>Nb </a:t>
-                      </a:r>
-                      <a:r>
-                        <a:rPr lang="fr-FR" sz="1600" dirty="0" err="1" smtClean="0"/>
-                        <a:t>dutilisateurs</a:t>
-                      </a:r>
-                      <a:r>
-                        <a:rPr lang="fr-FR" sz="1600" baseline="0" dirty="0" smtClean="0"/>
-                        <a:t> </a:t>
-                      </a:r>
-                      <a:r>
-                        <a:rPr lang="fr-FR" sz="1600" baseline="0" dirty="0" err="1" smtClean="0"/>
-                        <a:t>dinternet</a:t>
-                      </a:r>
-                      <a:endParaRPr lang="fr-FR" sz="1600" dirty="0"/>
-                    </a:p>
-                  </a:txBody>
-                  <a:tcPr/>
-                </a:tc>
-                <a:tc>
-                  <a:txBody>
-                    <a:bodyPr/>
-                    <a:lstStyle/>
-                    <a:p>
-                      <a:r>
-                        <a:rPr lang="fr-FR" sz="1600" dirty="0" smtClean="0"/>
-                        <a:t>&gt;</a:t>
-                      </a:r>
-                      <a:r>
-                        <a:rPr lang="fr-FR" sz="1600" baseline="0" dirty="0" smtClean="0"/>
-                        <a:t> Au troisième quartile</a:t>
-                      </a:r>
-                      <a:endParaRPr lang="fr-FR" sz="1600" dirty="0"/>
-                    </a:p>
-                  </a:txBody>
-                  <a:tcPr/>
-                </a:tc>
-                <a:tc>
-                  <a:txBody>
-                    <a:bodyPr/>
-                    <a:lstStyle/>
-                    <a:p>
-                      <a:r>
-                        <a:rPr lang="fr-FR" sz="1600" dirty="0" smtClean="0"/>
-                        <a:t>58</a:t>
-                      </a:r>
-                      <a:endParaRPr lang="fr-FR" sz="1600" dirty="0"/>
-                    </a:p>
-                  </a:txBody>
-                  <a:tcPr/>
-                </a:tc>
-              </a:tr>
-              <a:tr h="508825">
-                <a:tc>
-                  <a:txBody>
-                    <a:bodyPr/>
-                    <a:lstStyle/>
-                    <a:p>
-                      <a:r>
-                        <a:rPr lang="fr-FR" sz="1600" dirty="0" smtClean="0"/>
-                        <a:t>Alphabétisation</a:t>
-                      </a:r>
-                      <a:endParaRPr lang="fr-FR" sz="1600" dirty="0"/>
-                    </a:p>
-                  </a:txBody>
-                  <a:tcPr/>
-                </a:tc>
-                <a:tc>
-                  <a:txBody>
-                    <a:bodyPr/>
-                    <a:lstStyle/>
-                    <a:p>
-                      <a:r>
-                        <a:rPr lang="fr-FR" sz="1600" dirty="0" smtClean="0"/>
-                        <a:t>Taux</a:t>
-                      </a:r>
-                      <a:endParaRPr lang="fr-FR" sz="1600" dirty="0"/>
-                    </a:p>
-                  </a:txBody>
-                  <a:tcPr/>
-                </a:tc>
-                <a:tc>
-                  <a:txBody>
-                    <a:bodyPr/>
-                    <a:lstStyle/>
-                    <a:p>
-                      <a:r>
-                        <a:rPr lang="fr-FR" sz="1600" dirty="0" smtClean="0"/>
-                        <a:t>&gt; médiane</a:t>
-                      </a:r>
-                      <a:endParaRPr lang="fr-FR" sz="1600" dirty="0"/>
-                    </a:p>
-                  </a:txBody>
-                  <a:tcPr/>
-                </a:tc>
-                <a:tc>
-                  <a:txBody>
-                    <a:bodyPr/>
-                    <a:lstStyle/>
-                    <a:p>
-                      <a:r>
-                        <a:rPr lang="fr-FR" sz="1600" dirty="0" smtClean="0"/>
-                        <a:t>92</a:t>
-                      </a:r>
-                    </a:p>
-                    <a:p>
-                      <a:endParaRPr lang="fr-FR" sz="1600" dirty="0"/>
-                    </a:p>
-                  </a:txBody>
-                  <a:tcPr/>
-                </a:tc>
-              </a:tr>
-              <a:tr h="508825">
-                <a:tc>
-                  <a:txBody>
-                    <a:bodyPr/>
-                    <a:lstStyle/>
-                    <a:p>
-                      <a:r>
-                        <a:rPr lang="fr-FR" sz="1600" dirty="0" smtClean="0"/>
-                        <a:t>PIB</a:t>
-                      </a:r>
-                      <a:endParaRPr lang="fr-FR" sz="1600" dirty="0"/>
-                    </a:p>
-                  </a:txBody>
-                  <a:tcPr/>
-                </a:tc>
-                <a:tc>
-                  <a:txBody>
-                    <a:bodyPr/>
-                    <a:lstStyle/>
-                    <a:p>
-                      <a:r>
-                        <a:rPr lang="fr-FR" sz="1600" dirty="0" smtClean="0"/>
-                        <a:t>USD</a:t>
-                      </a:r>
-                      <a:endParaRPr lang="fr-FR" sz="1600" dirty="0"/>
-                    </a:p>
-                  </a:txBody>
-                  <a:tcPr/>
-                </a:tc>
-                <a:tc>
-                  <a:txBody>
-                    <a:bodyPr/>
-                    <a:lstStyle/>
-                    <a:p>
-                      <a:pPr marL="0" marR="0" indent="0" algn="l" defTabSz="914400" rtl="0" eaLnBrk="1" fontAlgn="auto" latinLnBrk="0" hangingPunct="1">
-                        <a:lnSpc>
-                          <a:spcPct val="100000"/>
-                        </a:lnSpc>
-                        <a:spcBef>
-                          <a:spcPts val="0"/>
-                        </a:spcBef>
-                        <a:spcAft>
-                          <a:spcPts val="0"/>
-                        </a:spcAft>
-                        <a:buClrTx/>
-                        <a:buSzTx/>
-                        <a:buFontTx/>
-                        <a:buNone/>
-                        <a:tabLst/>
-                        <a:defRPr/>
-                      </a:pPr>
-                      <a:r>
-                        <a:rPr lang="fr-FR" sz="1600" dirty="0" smtClean="0"/>
-                        <a:t>&gt; médiane</a:t>
-                      </a:r>
-                    </a:p>
-                    <a:p>
-                      <a:endParaRPr lang="fr-FR" sz="1600" dirty="0"/>
-                    </a:p>
-                  </a:txBody>
-                  <a:tcPr/>
-                </a:tc>
-                <a:tc>
-                  <a:txBody>
-                    <a:bodyPr/>
-                    <a:lstStyle/>
-                    <a:p>
-                      <a:r>
-                        <a:rPr lang="fr-FR" sz="1600" dirty="0" smtClean="0"/>
-                        <a:t>117</a:t>
-                      </a:r>
-                      <a:endParaRPr lang="fr-FR" sz="1600" dirty="0"/>
-                    </a:p>
-                  </a:txBody>
-                  <a:tcPr/>
-                </a:tc>
-              </a:tr>
-            </a:tbl>
-          </a:graphicData>
-        </a:graphic>
-      </p:graphicFrame>
-      <p:graphicFrame>
-        <p:nvGraphicFramePr>
-          <p:cNvPr id="5" name="Tableau 4"/>
-          <p:cNvGraphicFramePr>
-            <a:graphicFrameLocks noGrp="1"/>
-          </p:cNvGraphicFramePr>
-          <p:nvPr>
-            <p:extLst>
-              <p:ext uri="{D42A27DB-BD31-4B8C-83A1-F6EECF244321}">
-                <p14:modId xmlns:p14="http://schemas.microsoft.com/office/powerpoint/2010/main" val="1388122158"/>
-              </p:ext>
-            </p:extLst>
-          </p:nvPr>
-        </p:nvGraphicFramePr>
-        <p:xfrm>
-          <a:off x="395536" y="5229200"/>
-          <a:ext cx="2376264" cy="864096"/>
-        </p:xfrm>
-        <a:graphic>
-          <a:graphicData uri="http://schemas.openxmlformats.org/drawingml/2006/table">
-            <a:tbl>
-              <a:tblPr firstRow="1" bandRow="1">
-                <a:tableStyleId>{93296810-A885-4BE3-A3E7-6D5BEEA58F35}</a:tableStyleId>
-              </a:tblPr>
-              <a:tblGrid>
-                <a:gridCol w="2376264"/>
-              </a:tblGrid>
-              <a:tr h="432048">
-                <a:tc>
-                  <a:txBody>
-                    <a:bodyPr/>
-                    <a:lstStyle/>
-                    <a:p>
-                      <a:r>
-                        <a:rPr lang="fr-FR" dirty="0" smtClean="0"/>
-                        <a:t>Après intersection</a:t>
-                      </a:r>
-                    </a:p>
-                  </a:txBody>
-                  <a:tcPr/>
-                </a:tc>
-              </a:tr>
-              <a:tr h="432048">
-                <a:tc>
-                  <a:txBody>
-                    <a:bodyPr/>
-                    <a:lstStyle/>
-                    <a:p>
-                      <a:r>
-                        <a:rPr lang="fr-FR" dirty="0" smtClean="0"/>
-                        <a:t>23 pays/zones</a:t>
-                      </a:r>
-                      <a:endParaRPr lang="fr-FR" dirty="0"/>
-                    </a:p>
-                  </a:txBody>
-                  <a:tcPr/>
-                </a:tc>
-              </a:tr>
-            </a:tbl>
-          </a:graphicData>
-        </a:graphic>
-      </p:graphicFrame>
-      <p:graphicFrame>
-        <p:nvGraphicFramePr>
-          <p:cNvPr id="6" name="Tableau 5"/>
-          <p:cNvGraphicFramePr>
-            <a:graphicFrameLocks noGrp="1"/>
-          </p:cNvGraphicFramePr>
-          <p:nvPr>
-            <p:extLst>
-              <p:ext uri="{D42A27DB-BD31-4B8C-83A1-F6EECF244321}">
-                <p14:modId xmlns:p14="http://schemas.microsoft.com/office/powerpoint/2010/main" val="4159828229"/>
-              </p:ext>
-            </p:extLst>
-          </p:nvPr>
-        </p:nvGraphicFramePr>
-        <p:xfrm>
-          <a:off x="3059832" y="4365104"/>
-          <a:ext cx="5832648" cy="2286000"/>
-        </p:xfrm>
-        <a:graphic>
-          <a:graphicData uri="http://schemas.openxmlformats.org/drawingml/2006/table">
-            <a:tbl>
-              <a:tblPr firstRow="1" bandRow="1">
-                <a:tableStyleId>{85BE263C-DBD7-4A20-BB59-AAB30ACAA65A}</a:tableStyleId>
-              </a:tblPr>
-              <a:tblGrid>
-                <a:gridCol w="5832648"/>
-              </a:tblGrid>
-              <a:tr h="2016224">
-                <a:tc>
-                  <a:txBody>
-                    <a:bodyPr/>
-                    <a:lstStyle/>
-                    <a:p>
-                      <a:r>
-                        <a:rPr lang="fr-FR" dirty="0" smtClean="0"/>
-                        <a:t>Argentina, </a:t>
-                      </a:r>
-                      <a:r>
-                        <a:rPr lang="fr-FR" dirty="0" err="1" smtClean="0"/>
-                        <a:t>Brazil</a:t>
-                      </a:r>
-                      <a:r>
-                        <a:rPr lang="fr-FR" dirty="0" smtClean="0"/>
-                        <a:t>, China, </a:t>
-                      </a:r>
-                      <a:r>
-                        <a:rPr lang="fr-FR" dirty="0" err="1" smtClean="0"/>
-                        <a:t>Colombia</a:t>
-                      </a:r>
-                      <a:r>
-                        <a:rPr lang="fr-FR" dirty="0" smtClean="0"/>
-                        <a:t>, East Asia &amp; Pacific, East Asia &amp; Pacific (</a:t>
-                      </a:r>
-                      <a:r>
-                        <a:rPr lang="fr-FR" dirty="0" err="1" smtClean="0"/>
-                        <a:t>excluding</a:t>
-                      </a:r>
-                      <a:r>
-                        <a:rPr lang="fr-FR" dirty="0" smtClean="0"/>
-                        <a:t> high </a:t>
-                      </a:r>
-                      <a:r>
-                        <a:rPr lang="fr-FR" dirty="0" err="1" smtClean="0"/>
-                        <a:t>income</a:t>
-                      </a:r>
-                      <a:r>
-                        <a:rPr lang="fr-FR" dirty="0" smtClean="0"/>
-                        <a:t>), Europe &amp; Central Asia, Europe &amp; Central Asia (</a:t>
-                      </a:r>
-                      <a:r>
-                        <a:rPr lang="fr-FR" dirty="0" err="1" smtClean="0"/>
-                        <a:t>excluding</a:t>
-                      </a:r>
-                      <a:r>
-                        <a:rPr lang="fr-FR" dirty="0" smtClean="0"/>
-                        <a:t> high </a:t>
-                      </a:r>
-                      <a:r>
-                        <a:rPr lang="fr-FR" dirty="0" err="1" smtClean="0"/>
-                        <a:t>income</a:t>
-                      </a:r>
-                      <a:r>
-                        <a:rPr lang="fr-FR" dirty="0" smtClean="0"/>
-                        <a:t>), </a:t>
-                      </a:r>
-                      <a:r>
-                        <a:rPr lang="fr-FR" dirty="0" err="1" smtClean="0"/>
-                        <a:t>Indonesia</a:t>
-                      </a:r>
-                      <a:r>
-                        <a:rPr lang="fr-FR" dirty="0" smtClean="0"/>
-                        <a:t>, Iran, </a:t>
-                      </a:r>
-                      <a:r>
-                        <a:rPr lang="fr-FR" dirty="0" err="1" smtClean="0"/>
-                        <a:t>Islamic</a:t>
-                      </a:r>
-                      <a:r>
-                        <a:rPr lang="fr-FR" dirty="0" smtClean="0"/>
-                        <a:t> </a:t>
-                      </a:r>
-                      <a:r>
-                        <a:rPr lang="fr-FR" dirty="0" err="1" smtClean="0"/>
-                        <a:t>Rep</a:t>
-                      </a:r>
-                      <a:r>
-                        <a:rPr lang="fr-FR" dirty="0" smtClean="0"/>
-                        <a:t>., </a:t>
-                      </a:r>
-                      <a:r>
-                        <a:rPr lang="fr-FR" dirty="0" err="1" smtClean="0"/>
-                        <a:t>Italy</a:t>
-                      </a:r>
-                      <a:r>
-                        <a:rPr lang="fr-FR" dirty="0" smtClean="0"/>
-                        <a:t>, Malaysia, Mexico, Philippines, </a:t>
-                      </a:r>
-                      <a:r>
-                        <a:rPr lang="fr-FR" dirty="0" err="1" smtClean="0"/>
-                        <a:t>Poland</a:t>
-                      </a:r>
-                      <a:r>
-                        <a:rPr lang="fr-FR" dirty="0" smtClean="0"/>
-                        <a:t>, </a:t>
-                      </a:r>
-                      <a:r>
-                        <a:rPr lang="fr-FR" dirty="0" err="1" smtClean="0"/>
-                        <a:t>Russian</a:t>
-                      </a:r>
-                      <a:r>
-                        <a:rPr lang="fr-FR" dirty="0" smtClean="0"/>
-                        <a:t> </a:t>
-                      </a:r>
-                      <a:r>
-                        <a:rPr lang="fr-FR" dirty="0" err="1" smtClean="0"/>
-                        <a:t>Federation</a:t>
-                      </a:r>
-                      <a:r>
-                        <a:rPr lang="fr-FR" dirty="0" smtClean="0"/>
-                        <a:t>, </a:t>
-                      </a:r>
-                      <a:r>
-                        <a:rPr lang="fr-FR" dirty="0" err="1" smtClean="0"/>
-                        <a:t>Saudi</a:t>
-                      </a:r>
-                      <a:r>
-                        <a:rPr lang="fr-FR" dirty="0" smtClean="0"/>
-                        <a:t> </a:t>
-                      </a:r>
-                      <a:r>
-                        <a:rPr lang="fr-FR" dirty="0" err="1" smtClean="0"/>
-                        <a:t>Arabia</a:t>
-                      </a:r>
-                      <a:r>
-                        <a:rPr lang="fr-FR" dirty="0" smtClean="0"/>
-                        <a:t>, South </a:t>
-                      </a:r>
-                      <a:r>
-                        <a:rPr lang="fr-FR" dirty="0" err="1" smtClean="0"/>
-                        <a:t>Africa</a:t>
-                      </a:r>
-                      <a:r>
-                        <a:rPr lang="fr-FR" dirty="0" smtClean="0"/>
-                        <a:t>, Spain, </a:t>
-                      </a:r>
-                      <a:r>
-                        <a:rPr lang="fr-FR" dirty="0" err="1" smtClean="0"/>
-                        <a:t>Thailand</a:t>
-                      </a:r>
-                      <a:r>
-                        <a:rPr lang="fr-FR" dirty="0" smtClean="0"/>
-                        <a:t>, </a:t>
-                      </a:r>
-                      <a:r>
-                        <a:rPr lang="fr-FR" dirty="0" err="1" smtClean="0"/>
-                        <a:t>Turkey</a:t>
-                      </a:r>
-                      <a:r>
-                        <a:rPr lang="fr-FR" dirty="0" smtClean="0"/>
-                        <a:t>, Ukraine, </a:t>
-                      </a:r>
-                      <a:r>
-                        <a:rPr lang="fr-FR" dirty="0" err="1" smtClean="0"/>
-                        <a:t>Upper</a:t>
-                      </a:r>
-                      <a:r>
-                        <a:rPr lang="fr-FR" dirty="0" smtClean="0"/>
-                        <a:t> middle </a:t>
-                      </a:r>
-                      <a:r>
-                        <a:rPr lang="fr-FR" dirty="0" err="1" smtClean="0"/>
-                        <a:t>income</a:t>
-                      </a:r>
-                      <a:endParaRPr lang="fr-FR" dirty="0"/>
-                    </a:p>
-                  </a:txBody>
-                  <a:tcPr/>
-                </a:tc>
-              </a:tr>
-            </a:tbl>
-          </a:graphicData>
-        </a:graphic>
-      </p:graphicFrame>
+      <p:sp>
+        <p:nvSpPr>
+          <p:cNvPr id="4" name="Espace réservé du numéro de diapositive 3"/>
+          <p:cNvSpPr>
+            <a:spLocks noGrp="1"/>
+          </p:cNvSpPr>
+          <p:nvPr>
+            <p:ph type="sldNum" sz="quarter" idx="12"/>
+          </p:nvPr>
+        </p:nvSpPr>
+        <p:spPr/>
+        <p:txBody>
+          <a:bodyPr/>
+          <a:lstStyle/>
+          <a:p>
+            <a:fld id="{724BE394-8A7C-45DA-99F5-6969B9139923}" type="slidenum">
+              <a:rPr lang="fr-FR" smtClean="0"/>
+              <a:t>29</a:t>
+            </a:fld>
+            <a:endParaRPr lang="fr-FR"/>
+          </a:p>
+        </p:txBody>
+      </p:sp>
     </p:spTree>
     <p:extLst>
       <p:ext uri="{BB962C8B-B14F-4D97-AF65-F5344CB8AC3E}">
-        <p14:creationId xmlns:p14="http://schemas.microsoft.com/office/powerpoint/2010/main" val="1638176989"/>
+        <p14:creationId xmlns:p14="http://schemas.microsoft.com/office/powerpoint/2010/main" val="1984137490"/>
       </p:ext>
     </p:extLst>
   </p:cSld>
@@ -7457,15 +7747,7 @@
           <a:p>
             <a:r>
               <a:rPr lang="fr-FR" dirty="0" smtClean="0"/>
-              <a:t>La banque mondiale propose des données sous formes </a:t>
-            </a:r>
-            <a:r>
-              <a:rPr lang="fr-FR" dirty="0" smtClean="0"/>
-              <a:t>d indicateurs </a:t>
-            </a:r>
-            <a:r>
-              <a:rPr lang="fr-FR" dirty="0" smtClean="0"/>
-              <a:t>par pays et zones du monde.</a:t>
+              <a:t>La banque mondiale propose des données sous formes d indicateurs par pays et zones du monde.</a:t>
             </a:r>
           </a:p>
           <a:p>
@@ -7474,15 +7756,7 @@
           <a:p>
             <a:r>
               <a:rPr lang="fr-FR" dirty="0" smtClean="0"/>
-              <a:t>On </a:t>
-            </a:r>
-            <a:r>
-              <a:rPr lang="fr-FR" dirty="0" smtClean="0"/>
-              <a:t>s intéresse </a:t>
-            </a:r>
-            <a:r>
-              <a:rPr lang="fr-FR" dirty="0" smtClean="0"/>
-              <a:t>ici à la partie Education </a:t>
+              <a:t>On s’intéresse ici à la partie Education </a:t>
             </a:r>
             <a:r>
               <a:rPr lang="fr-FR" dirty="0" err="1" smtClean="0"/>
@@ -7490,9 +7764,40 @@
             </a:r>
             <a:r>
               <a:rPr lang="fr-FR" dirty="0" smtClean="0"/>
-              <a:t> qui contient environ 3600 indicateurs.</a:t>
+              <a:t> qui contient environ 3600 indicateurs</a:t>
+            </a:r>
+            <a:r>
+              <a:rPr lang="fr-FR" dirty="0"/>
+              <a:t> </a:t>
+            </a:r>
+            <a:r>
+              <a:rPr lang="fr-FR" dirty="0" smtClean="0"/>
+              <a:t>sur 241 pays et zones géographiques</a:t>
             </a:r>
             <a:endParaRPr lang="fr-FR" dirty="0"/>
+          </a:p>
+        </p:txBody>
+      </p:sp>
+      <p:sp>
+        <p:nvSpPr>
+          <p:cNvPr id="3" name="Espace réservé du numéro de diapositive 2"/>
+          <p:cNvSpPr>
+            <a:spLocks noGrp="1"/>
+          </p:cNvSpPr>
+          <p:nvPr>
+            <p:ph type="sldNum" sz="quarter" idx="12"/>
+          </p:nvPr>
+        </p:nvSpPr>
+        <p:spPr/>
+        <p:txBody>
+          <a:bodyPr/>
+          <a:lstStyle/>
+          <a:p>
+            <a:fld id="{724BE394-8A7C-45DA-99F5-6969B9139923}" type="slidenum">
+              <a:rPr lang="fr-FR" smtClean="0"/>
+              <a:t>3</a:t>
+            </a:fld>
+            <a:endParaRPr lang="fr-FR"/>
           </a:p>
         </p:txBody>
       </p:sp>
@@ -7549,101 +7854,617 @@
           <a:lstStyle/>
           <a:p>
             <a:r>
-              <a:rPr lang="fr-FR" dirty="0"/>
-              <a:t>Critères de sélection </a:t>
-            </a:r>
-            <a:r>
-              <a:rPr lang="fr-FR" dirty="0" smtClean="0"/>
-              <a:t>#2</a:t>
+              <a:rPr lang="fr-FR" dirty="0" smtClean="0"/>
+              <a:t>Critères de sélection #2</a:t>
             </a:r>
             <a:endParaRPr lang="fr-FR" dirty="0"/>
           </a:p>
         </p:txBody>
       </p:sp>
-      <p:sp>
-        <p:nvSpPr>
-          <p:cNvPr id="3" name="Espace réservé du contenu 2"/>
-          <p:cNvSpPr>
-            <a:spLocks noGrp="1"/>
-          </p:cNvSpPr>
+      <p:graphicFrame>
+        <p:nvGraphicFramePr>
+          <p:cNvPr id="4" name="Espace réservé du contenu 3"/>
+          <p:cNvGraphicFramePr>
+            <a:graphicFrameLocks noGrp="1"/>
+          </p:cNvGraphicFramePr>
           <p:nvPr>
             <p:ph idx="1"/>
-          </p:nvPr>
-        </p:nvSpPr>
-        <p:spPr/>
-        <p:txBody>
-          <a:bodyPr/>
-          <a:lstStyle/>
-          <a:p>
-            <a:pPr marL="0" indent="0">
-              <a:buNone/>
-            </a:pPr>
-            <a:r>
-              <a:rPr lang="fr-FR" sz="3200" dirty="0" smtClean="0">
-                <a:solidFill>
-                  <a:schemeClr val="accent6">
-                    <a:lumMod val="75000"/>
-                  </a:schemeClr>
-                </a:solidFill>
-              </a:rPr>
-              <a:t>Critique :</a:t>
-            </a:r>
-          </a:p>
-          <a:p>
-            <a:pPr marL="0" indent="0">
-              <a:buNone/>
-            </a:pPr>
-            <a:endParaRPr lang="fr-FR" sz="3200" dirty="0" smtClean="0">
-              <a:solidFill>
-                <a:schemeClr val="accent6">
-                  <a:lumMod val="75000"/>
-                </a:schemeClr>
-              </a:solidFill>
-            </a:endParaRPr>
-          </a:p>
-          <a:p>
-            <a:r>
-              <a:rPr lang="fr-FR" dirty="0" smtClean="0"/>
-              <a:t>Elimination des pays sans données</a:t>
-            </a:r>
-          </a:p>
-          <a:p>
-            <a:r>
-              <a:rPr lang="fr-FR" dirty="0" smtClean="0"/>
-              <a:t>Pas de donnée de projection prises en compte</a:t>
-            </a:r>
-          </a:p>
-          <a:p>
-            <a:endParaRPr lang="fr-FR" dirty="0"/>
-          </a:p>
-          <a:p>
-            <a:pPr marL="0" indent="0">
-              <a:buNone/>
-            </a:pPr>
-            <a:r>
-              <a:rPr lang="fr-FR" sz="3200" dirty="0" smtClean="0">
-                <a:solidFill>
-                  <a:schemeClr val="accent6">
-                    <a:lumMod val="75000"/>
-                  </a:schemeClr>
-                </a:solidFill>
-              </a:rPr>
-              <a:t>Positif :</a:t>
-            </a:r>
-          </a:p>
-          <a:p>
-            <a:r>
-              <a:rPr lang="fr-FR" dirty="0" smtClean="0"/>
-              <a:t>« Meilleure » sélection. </a:t>
-            </a:r>
-            <a:endParaRPr lang="fr-FR" dirty="0"/>
+            <p:extLst>
+              <p:ext uri="{D42A27DB-BD31-4B8C-83A1-F6EECF244321}">
+                <p14:modId xmlns:p14="http://schemas.microsoft.com/office/powerpoint/2010/main" val="1503352011"/>
+              </p:ext>
+            </p:extLst>
+          </p:nvPr>
+        </p:nvGraphicFramePr>
+        <p:xfrm>
+          <a:off x="395536" y="1484785"/>
+          <a:ext cx="8568952" cy="2731165"/>
+        </p:xfrm>
+        <a:graphic>
+          <a:graphicData uri="http://schemas.openxmlformats.org/drawingml/2006/table">
+            <a:tbl>
+              <a:tblPr firstRow="1" bandRow="1">
+                <a:tableStyleId>{5C22544A-7EE6-4342-B048-85BDC9FD1C3A}</a:tableStyleId>
+              </a:tblPr>
+              <a:tblGrid>
+                <a:gridCol w="1944216"/>
+                <a:gridCol w="1867903"/>
+                <a:gridCol w="2614595"/>
+                <a:gridCol w="2142238"/>
+              </a:tblGrid>
+              <a:tr h="508825">
+                <a:tc>
+                  <a:txBody>
+                    <a:bodyPr/>
+                    <a:lstStyle/>
+                    <a:p>
+                      <a:r>
+                        <a:rPr lang="fr-FR" sz="1600" dirty="0" smtClean="0"/>
+                        <a:t>Indicateur</a:t>
+                      </a:r>
+                      <a:endParaRPr lang="fr-FR" sz="1600" dirty="0"/>
+                    </a:p>
+                  </a:txBody>
+                  <a:tcPr/>
+                </a:tc>
+                <a:tc>
+                  <a:txBody>
+                    <a:bodyPr/>
+                    <a:lstStyle/>
+                    <a:p>
+                      <a:r>
+                        <a:rPr lang="fr-FR" sz="1600" dirty="0" smtClean="0"/>
+                        <a:t>Unité</a:t>
+                      </a:r>
+                      <a:endParaRPr lang="fr-FR" sz="1600" dirty="0"/>
+                    </a:p>
+                  </a:txBody>
+                  <a:tcPr/>
+                </a:tc>
+                <a:tc>
+                  <a:txBody>
+                    <a:bodyPr/>
+                    <a:lstStyle/>
+                    <a:p>
+                      <a:r>
+                        <a:rPr lang="fr-FR" sz="1600" dirty="0" smtClean="0"/>
+                        <a:t>Critère</a:t>
+                      </a:r>
+                      <a:endParaRPr lang="fr-FR" sz="1600" dirty="0"/>
+                    </a:p>
+                  </a:txBody>
+                  <a:tcPr/>
+                </a:tc>
+                <a:tc>
+                  <a:txBody>
+                    <a:bodyPr/>
+                    <a:lstStyle/>
+                    <a:p>
+                      <a:r>
+                        <a:rPr lang="fr-FR" sz="1600" dirty="0" smtClean="0"/>
+                        <a:t>Nombre</a:t>
+                      </a:r>
+                      <a:r>
+                        <a:rPr lang="fr-FR" sz="1600" baseline="0" dirty="0" smtClean="0"/>
+                        <a:t> de pays pré </a:t>
+                      </a:r>
+                      <a:r>
+                        <a:rPr lang="fr-FR" sz="1600" baseline="0" dirty="0" err="1" smtClean="0"/>
+                        <a:t>selectionnés</a:t>
+                      </a:r>
+                      <a:endParaRPr lang="fr-FR" sz="1600" dirty="0"/>
+                    </a:p>
+                  </a:txBody>
+                  <a:tcPr/>
+                </a:tc>
+              </a:tr>
+              <a:tr h="993805">
+                <a:tc>
+                  <a:txBody>
+                    <a:bodyPr/>
+                    <a:lstStyle/>
+                    <a:p>
+                      <a:r>
+                        <a:rPr lang="fr-FR" sz="1600" dirty="0" smtClean="0"/>
+                        <a:t>Internet/Population</a:t>
+                      </a:r>
+                      <a:endParaRPr lang="fr-FR" sz="1600" dirty="0"/>
+                    </a:p>
+                  </a:txBody>
+                  <a:tcPr/>
+                </a:tc>
+                <a:tc>
+                  <a:txBody>
+                    <a:bodyPr/>
+                    <a:lstStyle/>
+                    <a:p>
+                      <a:r>
+                        <a:rPr lang="fr-FR" sz="1600" dirty="0" smtClean="0"/>
+                        <a:t>Nb </a:t>
+                      </a:r>
+                      <a:r>
+                        <a:rPr lang="fr-FR" sz="1600" dirty="0" err="1" smtClean="0"/>
+                        <a:t>dutilisateurs</a:t>
+                      </a:r>
+                      <a:r>
+                        <a:rPr lang="fr-FR" sz="1600" baseline="0" dirty="0" smtClean="0"/>
+                        <a:t> </a:t>
+                      </a:r>
+                      <a:r>
+                        <a:rPr lang="fr-FR" sz="1600" baseline="0" dirty="0" err="1" smtClean="0"/>
+                        <a:t>dinternet</a:t>
+                      </a:r>
+                      <a:endParaRPr lang="fr-FR" sz="1600" dirty="0"/>
+                    </a:p>
+                  </a:txBody>
+                  <a:tcPr/>
+                </a:tc>
+                <a:tc>
+                  <a:txBody>
+                    <a:bodyPr/>
+                    <a:lstStyle/>
+                    <a:p>
+                      <a:r>
+                        <a:rPr lang="fr-FR" sz="1600" dirty="0" smtClean="0"/>
+                        <a:t>&gt;</a:t>
+                      </a:r>
+                      <a:r>
+                        <a:rPr lang="fr-FR" sz="1600" baseline="0" dirty="0" smtClean="0"/>
+                        <a:t> Au troisième quartile</a:t>
+                      </a:r>
+                      <a:endParaRPr lang="fr-FR" sz="1600" dirty="0"/>
+                    </a:p>
+                  </a:txBody>
+                  <a:tcPr/>
+                </a:tc>
+                <a:tc>
+                  <a:txBody>
+                    <a:bodyPr/>
+                    <a:lstStyle/>
+                    <a:p>
+                      <a:r>
+                        <a:rPr lang="fr-FR" sz="1600" dirty="0" smtClean="0"/>
+                        <a:t>58</a:t>
+                      </a:r>
+                      <a:endParaRPr lang="fr-FR" sz="1600" dirty="0"/>
+                    </a:p>
+                  </a:txBody>
+                  <a:tcPr/>
+                </a:tc>
+              </a:tr>
+              <a:tr h="508825">
+                <a:tc>
+                  <a:txBody>
+                    <a:bodyPr/>
+                    <a:lstStyle/>
+                    <a:p>
+                      <a:r>
+                        <a:rPr lang="fr-FR" sz="1600" dirty="0" smtClean="0"/>
+                        <a:t>Alphabétisation</a:t>
+                      </a:r>
+                      <a:endParaRPr lang="fr-FR" sz="1600" dirty="0"/>
+                    </a:p>
+                  </a:txBody>
+                  <a:tcPr/>
+                </a:tc>
+                <a:tc>
+                  <a:txBody>
+                    <a:bodyPr/>
+                    <a:lstStyle/>
+                    <a:p>
+                      <a:r>
+                        <a:rPr lang="fr-FR" sz="1600" dirty="0" smtClean="0"/>
+                        <a:t>Taux</a:t>
+                      </a:r>
+                      <a:endParaRPr lang="fr-FR" sz="1600" dirty="0"/>
+                    </a:p>
+                  </a:txBody>
+                  <a:tcPr/>
+                </a:tc>
+                <a:tc>
+                  <a:txBody>
+                    <a:bodyPr/>
+                    <a:lstStyle/>
+                    <a:p>
+                      <a:r>
+                        <a:rPr lang="fr-FR" sz="1600" dirty="0" smtClean="0"/>
+                        <a:t>&gt; médiane</a:t>
+                      </a:r>
+                      <a:endParaRPr lang="fr-FR" sz="1600" dirty="0"/>
+                    </a:p>
+                  </a:txBody>
+                  <a:tcPr/>
+                </a:tc>
+                <a:tc>
+                  <a:txBody>
+                    <a:bodyPr/>
+                    <a:lstStyle/>
+                    <a:p>
+                      <a:r>
+                        <a:rPr lang="fr-FR" sz="1600" dirty="0" smtClean="0"/>
+                        <a:t>92</a:t>
+                      </a:r>
+                    </a:p>
+                    <a:p>
+                      <a:endParaRPr lang="fr-FR" sz="1600" dirty="0"/>
+                    </a:p>
+                  </a:txBody>
+                  <a:tcPr/>
+                </a:tc>
+              </a:tr>
+              <a:tr h="508825">
+                <a:tc>
+                  <a:txBody>
+                    <a:bodyPr/>
+                    <a:lstStyle/>
+                    <a:p>
+                      <a:r>
+                        <a:rPr lang="fr-FR" sz="1600" dirty="0" smtClean="0"/>
+                        <a:t>PIB</a:t>
+                      </a:r>
+                      <a:endParaRPr lang="fr-FR" sz="1600" dirty="0"/>
+                    </a:p>
+                  </a:txBody>
+                  <a:tcPr/>
+                </a:tc>
+                <a:tc>
+                  <a:txBody>
+                    <a:bodyPr/>
+                    <a:lstStyle/>
+                    <a:p>
+                      <a:r>
+                        <a:rPr lang="fr-FR" sz="1600" dirty="0" smtClean="0"/>
+                        <a:t>USD</a:t>
+                      </a:r>
+                      <a:endParaRPr lang="fr-FR" sz="1600" dirty="0"/>
+                    </a:p>
+                  </a:txBody>
+                  <a:tcPr/>
+                </a:tc>
+                <a:tc>
+                  <a:txBody>
+                    <a:bodyPr/>
+                    <a:lstStyle/>
+                    <a:p>
+                      <a:pPr marL="0" marR="0" indent="0" algn="l" defTabSz="914400" rtl="0" eaLnBrk="1" fontAlgn="auto" latinLnBrk="0" hangingPunct="1">
+                        <a:lnSpc>
+                          <a:spcPct val="100000"/>
+                        </a:lnSpc>
+                        <a:spcBef>
+                          <a:spcPts val="0"/>
+                        </a:spcBef>
+                        <a:spcAft>
+                          <a:spcPts val="0"/>
+                        </a:spcAft>
+                        <a:buClrTx/>
+                        <a:buSzTx/>
+                        <a:buFontTx/>
+                        <a:buNone/>
+                        <a:tabLst/>
+                        <a:defRPr/>
+                      </a:pPr>
+                      <a:r>
+                        <a:rPr lang="fr-FR" sz="1600" dirty="0" smtClean="0"/>
+                        <a:t>&gt; médiane</a:t>
+                      </a:r>
+                    </a:p>
+                    <a:p>
+                      <a:endParaRPr lang="fr-FR" sz="1600" dirty="0"/>
+                    </a:p>
+                  </a:txBody>
+                  <a:tcPr/>
+                </a:tc>
+                <a:tc>
+                  <a:txBody>
+                    <a:bodyPr/>
+                    <a:lstStyle/>
+                    <a:p>
+                      <a:r>
+                        <a:rPr lang="fr-FR" sz="1600" dirty="0" smtClean="0"/>
+                        <a:t>117</a:t>
+                      </a:r>
+                      <a:endParaRPr lang="fr-FR" sz="1600" dirty="0"/>
+                    </a:p>
+                  </a:txBody>
+                  <a:tcPr/>
+                </a:tc>
+              </a:tr>
+            </a:tbl>
+          </a:graphicData>
+        </a:graphic>
+      </p:graphicFrame>
+      <p:graphicFrame>
+        <p:nvGraphicFramePr>
+          <p:cNvPr id="5" name="Tableau 4"/>
+          <p:cNvGraphicFramePr>
+            <a:graphicFrameLocks noGrp="1"/>
+          </p:cNvGraphicFramePr>
+          <p:nvPr>
+            <p:extLst>
+              <p:ext uri="{D42A27DB-BD31-4B8C-83A1-F6EECF244321}">
+                <p14:modId xmlns:p14="http://schemas.microsoft.com/office/powerpoint/2010/main" val="1388122158"/>
+              </p:ext>
+            </p:extLst>
+          </p:nvPr>
+        </p:nvGraphicFramePr>
+        <p:xfrm>
+          <a:off x="395536" y="5229200"/>
+          <a:ext cx="2376264" cy="864096"/>
+        </p:xfrm>
+        <a:graphic>
+          <a:graphicData uri="http://schemas.openxmlformats.org/drawingml/2006/table">
+            <a:tbl>
+              <a:tblPr firstRow="1" bandRow="1">
+                <a:tableStyleId>{93296810-A885-4BE3-A3E7-6D5BEEA58F35}</a:tableStyleId>
+              </a:tblPr>
+              <a:tblGrid>
+                <a:gridCol w="2376264"/>
+              </a:tblGrid>
+              <a:tr h="432048">
+                <a:tc>
+                  <a:txBody>
+                    <a:bodyPr/>
+                    <a:lstStyle/>
+                    <a:p>
+                      <a:r>
+                        <a:rPr lang="fr-FR" dirty="0" smtClean="0"/>
+                        <a:t>Après intersection</a:t>
+                      </a:r>
+                    </a:p>
+                  </a:txBody>
+                  <a:tcPr/>
+                </a:tc>
+              </a:tr>
+              <a:tr h="432048">
+                <a:tc>
+                  <a:txBody>
+                    <a:bodyPr/>
+                    <a:lstStyle/>
+                    <a:p>
+                      <a:r>
+                        <a:rPr lang="fr-FR" dirty="0" smtClean="0"/>
+                        <a:t>23 pays/zones</a:t>
+                      </a:r>
+                      <a:endParaRPr lang="fr-FR" dirty="0"/>
+                    </a:p>
+                  </a:txBody>
+                  <a:tcPr/>
+                </a:tc>
+              </a:tr>
+            </a:tbl>
+          </a:graphicData>
+        </a:graphic>
+      </p:graphicFrame>
+      <p:graphicFrame>
+        <p:nvGraphicFramePr>
+          <p:cNvPr id="6" name="Tableau 5"/>
+          <p:cNvGraphicFramePr>
+            <a:graphicFrameLocks noGrp="1"/>
+          </p:cNvGraphicFramePr>
+          <p:nvPr>
+            <p:extLst>
+              <p:ext uri="{D42A27DB-BD31-4B8C-83A1-F6EECF244321}">
+                <p14:modId xmlns:p14="http://schemas.microsoft.com/office/powerpoint/2010/main" val="4159828229"/>
+              </p:ext>
+            </p:extLst>
+          </p:nvPr>
+        </p:nvGraphicFramePr>
+        <p:xfrm>
+          <a:off x="3059832" y="4365104"/>
+          <a:ext cx="5832648" cy="2286000"/>
+        </p:xfrm>
+        <a:graphic>
+          <a:graphicData uri="http://schemas.openxmlformats.org/drawingml/2006/table">
+            <a:tbl>
+              <a:tblPr firstRow="1" bandRow="1">
+                <a:tableStyleId>{85BE263C-DBD7-4A20-BB59-AAB30ACAA65A}</a:tableStyleId>
+              </a:tblPr>
+              <a:tblGrid>
+                <a:gridCol w="5832648"/>
+              </a:tblGrid>
+              <a:tr h="2016224">
+                <a:tc>
+                  <a:txBody>
+                    <a:bodyPr/>
+                    <a:lstStyle/>
+                    <a:p>
+                      <a:r>
+                        <a:rPr lang="fr-FR" dirty="0" smtClean="0"/>
+                        <a:t>Argentina, </a:t>
+                      </a:r>
+                      <a:r>
+                        <a:rPr lang="fr-FR" dirty="0" err="1" smtClean="0"/>
+                        <a:t>Brazil</a:t>
+                      </a:r>
+                      <a:r>
+                        <a:rPr lang="fr-FR" dirty="0" smtClean="0"/>
+                        <a:t>, China, </a:t>
+                      </a:r>
+                      <a:r>
+                        <a:rPr lang="fr-FR" dirty="0" err="1" smtClean="0"/>
+                        <a:t>Colombia</a:t>
+                      </a:r>
+                      <a:r>
+                        <a:rPr lang="fr-FR" dirty="0" smtClean="0"/>
+                        <a:t>, East Asia &amp; Pacific, East Asia &amp; Pacific (</a:t>
+                      </a:r>
+                      <a:r>
+                        <a:rPr lang="fr-FR" dirty="0" err="1" smtClean="0"/>
+                        <a:t>excluding</a:t>
+                      </a:r>
+                      <a:r>
+                        <a:rPr lang="fr-FR" dirty="0" smtClean="0"/>
+                        <a:t> high </a:t>
+                      </a:r>
+                      <a:r>
+                        <a:rPr lang="fr-FR" dirty="0" err="1" smtClean="0"/>
+                        <a:t>income</a:t>
+                      </a:r>
+                      <a:r>
+                        <a:rPr lang="fr-FR" dirty="0" smtClean="0"/>
+                        <a:t>), Europe &amp; Central Asia, Europe &amp; Central Asia (</a:t>
+                      </a:r>
+                      <a:r>
+                        <a:rPr lang="fr-FR" dirty="0" err="1" smtClean="0"/>
+                        <a:t>excluding</a:t>
+                      </a:r>
+                      <a:r>
+                        <a:rPr lang="fr-FR" dirty="0" smtClean="0"/>
+                        <a:t> high </a:t>
+                      </a:r>
+                      <a:r>
+                        <a:rPr lang="fr-FR" dirty="0" err="1" smtClean="0"/>
+                        <a:t>income</a:t>
+                      </a:r>
+                      <a:r>
+                        <a:rPr lang="fr-FR" dirty="0" smtClean="0"/>
+                        <a:t>), </a:t>
+                      </a:r>
+                      <a:r>
+                        <a:rPr lang="fr-FR" dirty="0" err="1" smtClean="0"/>
+                        <a:t>Indonesia</a:t>
+                      </a:r>
+                      <a:r>
+                        <a:rPr lang="fr-FR" dirty="0" smtClean="0"/>
+                        <a:t>, Iran, </a:t>
+                      </a:r>
+                      <a:r>
+                        <a:rPr lang="fr-FR" dirty="0" err="1" smtClean="0"/>
+                        <a:t>Islamic</a:t>
+                      </a:r>
+                      <a:r>
+                        <a:rPr lang="fr-FR" dirty="0" smtClean="0"/>
+                        <a:t> </a:t>
+                      </a:r>
+                      <a:r>
+                        <a:rPr lang="fr-FR" dirty="0" err="1" smtClean="0"/>
+                        <a:t>Rep</a:t>
+                      </a:r>
+                      <a:r>
+                        <a:rPr lang="fr-FR" dirty="0" smtClean="0"/>
+                        <a:t>., </a:t>
+                      </a:r>
+                      <a:r>
+                        <a:rPr lang="fr-FR" dirty="0" err="1" smtClean="0"/>
+                        <a:t>Italy</a:t>
+                      </a:r>
+                      <a:r>
+                        <a:rPr lang="fr-FR" dirty="0" smtClean="0"/>
+                        <a:t>, Malaysia, Mexico, Philippines, </a:t>
+                      </a:r>
+                      <a:r>
+                        <a:rPr lang="fr-FR" dirty="0" err="1" smtClean="0"/>
+                        <a:t>Poland</a:t>
+                      </a:r>
+                      <a:r>
+                        <a:rPr lang="fr-FR" dirty="0" smtClean="0"/>
+                        <a:t>, </a:t>
+                      </a:r>
+                      <a:r>
+                        <a:rPr lang="fr-FR" dirty="0" err="1" smtClean="0"/>
+                        <a:t>Russian</a:t>
+                      </a:r>
+                      <a:r>
+                        <a:rPr lang="fr-FR" dirty="0" smtClean="0"/>
+                        <a:t> </a:t>
+                      </a:r>
+                      <a:r>
+                        <a:rPr lang="fr-FR" dirty="0" err="1" smtClean="0"/>
+                        <a:t>Federation</a:t>
+                      </a:r>
+                      <a:r>
+                        <a:rPr lang="fr-FR" dirty="0" smtClean="0"/>
+                        <a:t>, </a:t>
+                      </a:r>
+                      <a:r>
+                        <a:rPr lang="fr-FR" dirty="0" err="1" smtClean="0"/>
+                        <a:t>Saudi</a:t>
+                      </a:r>
+                      <a:r>
+                        <a:rPr lang="fr-FR" dirty="0" smtClean="0"/>
+                        <a:t> </a:t>
+                      </a:r>
+                      <a:r>
+                        <a:rPr lang="fr-FR" dirty="0" err="1" smtClean="0"/>
+                        <a:t>Arabia</a:t>
+                      </a:r>
+                      <a:r>
+                        <a:rPr lang="fr-FR" dirty="0" smtClean="0"/>
+                        <a:t>, South </a:t>
+                      </a:r>
+                      <a:r>
+                        <a:rPr lang="fr-FR" dirty="0" err="1" smtClean="0"/>
+                        <a:t>Africa</a:t>
+                      </a:r>
+                      <a:r>
+                        <a:rPr lang="fr-FR" dirty="0" smtClean="0"/>
+                        <a:t>, Spain, </a:t>
+                      </a:r>
+                      <a:r>
+                        <a:rPr lang="fr-FR" dirty="0" err="1" smtClean="0"/>
+                        <a:t>Thailand</a:t>
+                      </a:r>
+                      <a:r>
+                        <a:rPr lang="fr-FR" dirty="0" smtClean="0"/>
+                        <a:t>, </a:t>
+                      </a:r>
+                      <a:r>
+                        <a:rPr lang="fr-FR" dirty="0" err="1" smtClean="0"/>
+                        <a:t>Turkey</a:t>
+                      </a:r>
+                      <a:r>
+                        <a:rPr lang="fr-FR" dirty="0" smtClean="0"/>
+                        <a:t>, Ukraine, </a:t>
+                      </a:r>
+                      <a:r>
+                        <a:rPr lang="fr-FR" dirty="0" err="1" smtClean="0"/>
+                        <a:t>Upper</a:t>
+                      </a:r>
+                      <a:r>
+                        <a:rPr lang="fr-FR" dirty="0" smtClean="0"/>
+                        <a:t> middle </a:t>
+                      </a:r>
+                      <a:r>
+                        <a:rPr lang="fr-FR" dirty="0" err="1" smtClean="0"/>
+                        <a:t>income</a:t>
+                      </a:r>
+                      <a:endParaRPr lang="fr-FR" dirty="0"/>
+                    </a:p>
+                  </a:txBody>
+                  <a:tcPr/>
+                </a:tc>
+              </a:tr>
+            </a:tbl>
+          </a:graphicData>
+        </a:graphic>
+      </p:graphicFrame>
+      <p:sp>
+        <p:nvSpPr>
+          <p:cNvPr id="3" name="Espace réservé du numéro de diapositive 2"/>
+          <p:cNvSpPr>
+            <a:spLocks noGrp="1"/>
+          </p:cNvSpPr>
+          <p:nvPr>
+            <p:ph type="sldNum" sz="quarter" idx="12"/>
+          </p:nvPr>
+        </p:nvSpPr>
+        <p:spPr/>
+        <p:txBody>
+          <a:bodyPr/>
+          <a:lstStyle/>
+          <a:p>
+            <a:fld id="{724BE394-8A7C-45DA-99F5-6969B9139923}" type="slidenum">
+              <a:rPr lang="fr-FR" smtClean="0"/>
+              <a:t>30</a:t>
+            </a:fld>
+            <a:endParaRPr lang="fr-FR"/>
           </a:p>
         </p:txBody>
       </p:sp>
     </p:spTree>
     <p:extLst>
       <p:ext uri="{BB962C8B-B14F-4D97-AF65-F5344CB8AC3E}">
-        <p14:creationId xmlns:p14="http://schemas.microsoft.com/office/powerpoint/2010/main" val="2423718379"/>
+        <p14:creationId xmlns:p14="http://schemas.microsoft.com/office/powerpoint/2010/main" val="1638176989"/>
       </p:ext>
     </p:extLst>
   </p:cSld>
@@ -7693,8 +8514,12 @@
           <a:lstStyle/>
           <a:p>
             <a:r>
-              <a:rPr lang="fr-FR" dirty="0" smtClean="0"/>
-              <a:t>Sélection retenue</a:t>
+              <a:rPr lang="fr-FR" dirty="0"/>
+              <a:t>Critères de sélection </a:t>
+            </a:r>
+            <a:r>
+              <a:rPr lang="fr-FR" dirty="0" smtClean="0"/>
+              <a:t>#2</a:t>
             </a:r>
             <a:endParaRPr lang="fr-FR" dirty="0"/>
           </a:p>
@@ -7715,219 +8540,98 @@
           <a:bodyPr/>
           <a:lstStyle/>
           <a:p>
-            <a:r>
-              <a:rPr lang="fr-FR" dirty="0" smtClean="0"/>
-              <a:t>Nous retiendront la </a:t>
-            </a:r>
-            <a:r>
-              <a:rPr lang="fr-FR" dirty="0" err="1" smtClean="0"/>
-              <a:t>selection</a:t>
-            </a:r>
-            <a:r>
-              <a:rPr lang="fr-FR" dirty="0" smtClean="0"/>
-              <a:t> #2 en excluant les « zones » et en ne gardant que les pays individuels.</a:t>
-            </a:r>
-          </a:p>
-          <a:p>
-            <a:r>
-              <a:rPr lang="fr-FR" dirty="0" smtClean="0"/>
-              <a:t>Dans une étude plus approfondie nous pourrions appliquer un </a:t>
-            </a:r>
-            <a:r>
-              <a:rPr lang="fr-FR" dirty="0" err="1" smtClean="0"/>
-              <a:t>scoring</a:t>
-            </a:r>
-            <a:r>
-              <a:rPr lang="fr-FR" dirty="0" smtClean="0"/>
-              <a:t> de type « marketing » pour avoir une plus grande flexibilité et ne pas systématiquement éliminer les pays sans données.</a:t>
-            </a:r>
-          </a:p>
-          <a:p>
-            <a:r>
-              <a:rPr lang="fr-FR" dirty="0" smtClean="0"/>
-              <a:t>Les données de projection seront évaluées graphiquement dans la partie suivante </a:t>
-            </a:r>
+            <a:pPr marL="0" indent="0">
+              <a:buNone/>
+            </a:pPr>
+            <a:r>
+              <a:rPr lang="fr-FR" sz="3200" dirty="0" smtClean="0">
+                <a:solidFill>
+                  <a:schemeClr val="accent6">
+                    <a:lumMod val="75000"/>
+                  </a:schemeClr>
+                </a:solidFill>
+              </a:rPr>
+              <a:t>Inconvénients :</a:t>
+            </a:r>
+          </a:p>
+          <a:p>
+            <a:pPr marL="0" indent="0">
+              <a:buNone/>
+            </a:pPr>
+            <a:endParaRPr lang="fr-FR" sz="3200" dirty="0" smtClean="0">
+              <a:solidFill>
+                <a:schemeClr val="accent6">
+                  <a:lumMod val="75000"/>
+                </a:schemeClr>
+              </a:solidFill>
+            </a:endParaRPr>
+          </a:p>
+          <a:p>
+            <a:r>
+              <a:rPr lang="fr-FR" dirty="0" smtClean="0"/>
+              <a:t>Elimination des pays sans données</a:t>
+            </a:r>
+          </a:p>
+          <a:p>
+            <a:r>
+              <a:rPr lang="fr-FR" dirty="0" smtClean="0"/>
+              <a:t>Pas de donnée de projection prises en compte</a:t>
+            </a:r>
+          </a:p>
+          <a:p>
             <a:endParaRPr lang="fr-FR" dirty="0"/>
           </a:p>
-        </p:txBody>
-      </p:sp>
-      <p:graphicFrame>
-        <p:nvGraphicFramePr>
-          <p:cNvPr id="4" name="Tableau 3"/>
-          <p:cNvGraphicFramePr>
-            <a:graphicFrameLocks noGrp="1"/>
-          </p:cNvGraphicFramePr>
-          <p:nvPr>
-            <p:extLst>
-              <p:ext uri="{D42A27DB-BD31-4B8C-83A1-F6EECF244321}">
-                <p14:modId xmlns:p14="http://schemas.microsoft.com/office/powerpoint/2010/main" val="2993310379"/>
-              </p:ext>
-            </p:extLst>
-          </p:nvPr>
-        </p:nvGraphicFramePr>
-        <p:xfrm>
-          <a:off x="1043608" y="4869160"/>
-          <a:ext cx="7488832" cy="1512168"/>
-        </p:xfrm>
-        <a:graphic>
-          <a:graphicData uri="http://schemas.openxmlformats.org/drawingml/2006/table">
-            <a:tbl>
-              <a:tblPr firstRow="1" bandRow="1">
-                <a:tableStyleId>{85BE263C-DBD7-4A20-BB59-AAB30ACAA65A}</a:tableStyleId>
-              </a:tblPr>
-              <a:tblGrid>
-                <a:gridCol w="7488832"/>
-              </a:tblGrid>
-              <a:tr h="1512168">
-                <a:tc>
-                  <a:txBody>
-                    <a:bodyPr/>
-                    <a:lstStyle/>
-                    <a:p>
-                      <a:r>
-                        <a:rPr lang="fr-FR" dirty="0" smtClean="0"/>
-                        <a:t>Argentina, </a:t>
-                      </a:r>
-                      <a:r>
-                        <a:rPr lang="fr-FR" dirty="0" err="1" smtClean="0"/>
-                        <a:t>Brazil</a:t>
-                      </a:r>
-                      <a:r>
-                        <a:rPr lang="fr-FR" dirty="0" smtClean="0"/>
-                        <a:t>, China, </a:t>
-                      </a:r>
-                      <a:r>
-                        <a:rPr lang="fr-FR" dirty="0" err="1" smtClean="0"/>
-                        <a:t>Colombia</a:t>
-                      </a:r>
-                      <a:r>
-                        <a:rPr lang="fr-FR" dirty="0" smtClean="0"/>
-                        <a:t>, </a:t>
-                      </a:r>
-                      <a:r>
-                        <a:rPr lang="fr-FR" dirty="0" err="1" smtClean="0"/>
-                        <a:t>Indonesia</a:t>
-                      </a:r>
-                      <a:r>
-                        <a:rPr lang="fr-FR" dirty="0" smtClean="0"/>
-                        <a:t>, Iran, </a:t>
-                      </a:r>
-                      <a:r>
-                        <a:rPr lang="fr-FR" dirty="0" err="1" smtClean="0"/>
-                        <a:t>Islamic</a:t>
-                      </a:r>
-                      <a:r>
-                        <a:rPr lang="fr-FR" dirty="0" smtClean="0"/>
-                        <a:t> </a:t>
-                      </a:r>
-                      <a:r>
-                        <a:rPr lang="fr-FR" dirty="0" err="1" smtClean="0"/>
-                        <a:t>Rep</a:t>
-                      </a:r>
-                      <a:r>
-                        <a:rPr lang="fr-FR" dirty="0" smtClean="0"/>
-                        <a:t>., </a:t>
-                      </a:r>
-                      <a:r>
-                        <a:rPr lang="fr-FR" dirty="0" err="1" smtClean="0"/>
-                        <a:t>Italy</a:t>
-                      </a:r>
-                      <a:r>
-                        <a:rPr lang="fr-FR" dirty="0" smtClean="0"/>
-                        <a:t>, Malaysia, Mexico, Philippines, </a:t>
-                      </a:r>
-                      <a:r>
-                        <a:rPr lang="fr-FR" dirty="0" err="1" smtClean="0"/>
-                        <a:t>Poland</a:t>
-                      </a:r>
-                      <a:r>
-                        <a:rPr lang="fr-FR" dirty="0" smtClean="0"/>
-                        <a:t>, </a:t>
-                      </a:r>
-                      <a:r>
-                        <a:rPr lang="fr-FR" dirty="0" err="1" smtClean="0"/>
-                        <a:t>Russian</a:t>
-                      </a:r>
-                      <a:r>
-                        <a:rPr lang="fr-FR" dirty="0" smtClean="0"/>
-                        <a:t> </a:t>
-                      </a:r>
-                      <a:r>
-                        <a:rPr lang="fr-FR" dirty="0" err="1" smtClean="0"/>
-                        <a:t>Federation</a:t>
-                      </a:r>
-                      <a:r>
-                        <a:rPr lang="fr-FR" dirty="0" smtClean="0"/>
-                        <a:t>, </a:t>
-                      </a:r>
-                      <a:r>
-                        <a:rPr lang="fr-FR" dirty="0" err="1" smtClean="0"/>
-                        <a:t>Saudi</a:t>
-                      </a:r>
-                      <a:r>
-                        <a:rPr lang="fr-FR" dirty="0" smtClean="0"/>
-                        <a:t> </a:t>
-                      </a:r>
-                      <a:r>
-                        <a:rPr lang="fr-FR" dirty="0" err="1" smtClean="0"/>
-                        <a:t>Arabia</a:t>
-                      </a:r>
-                      <a:r>
-                        <a:rPr lang="fr-FR" dirty="0" smtClean="0"/>
-                        <a:t>, South </a:t>
-                      </a:r>
-                      <a:r>
-                        <a:rPr lang="fr-FR" dirty="0" err="1" smtClean="0"/>
-                        <a:t>Africa</a:t>
-                      </a:r>
-                      <a:r>
-                        <a:rPr lang="fr-FR" dirty="0" smtClean="0"/>
-                        <a:t>, Spain, </a:t>
-                      </a:r>
-                      <a:r>
-                        <a:rPr lang="fr-FR" dirty="0" err="1" smtClean="0"/>
-                        <a:t>Thailand</a:t>
-                      </a:r>
-                      <a:r>
-                        <a:rPr lang="fr-FR" dirty="0" smtClean="0"/>
-                        <a:t>, </a:t>
-                      </a:r>
-                      <a:r>
-                        <a:rPr lang="fr-FR" dirty="0" err="1" smtClean="0"/>
-                        <a:t>Turkey</a:t>
-                      </a:r>
-                      <a:r>
-                        <a:rPr lang="fr-FR" dirty="0" smtClean="0"/>
-                        <a:t>, Ukraine.</a:t>
-                      </a:r>
-                    </a:p>
-                    <a:p>
-                      <a:endParaRPr lang="fr-FR" dirty="0" smtClean="0"/>
-                    </a:p>
-                    <a:p>
-                      <a:pPr algn="ctr"/>
-                      <a:r>
-                        <a:rPr lang="fr-FR" dirty="0" smtClean="0"/>
-                        <a:t>18</a:t>
-                      </a:r>
-                      <a:r>
-                        <a:rPr lang="fr-FR" baseline="0" dirty="0" smtClean="0"/>
-                        <a:t> PAYS</a:t>
-                      </a:r>
-                      <a:endParaRPr lang="fr-FR" dirty="0"/>
-                    </a:p>
-                  </a:txBody>
-                  <a:tcPr/>
-                </a:tc>
-              </a:tr>
-            </a:tbl>
-          </a:graphicData>
-        </a:graphic>
-      </p:graphicFrame>
+          <a:p>
+            <a:pPr marL="0" indent="0">
+              <a:buNone/>
+            </a:pPr>
+            <a:r>
+              <a:rPr lang="fr-FR" sz="3200" dirty="0" smtClean="0">
+                <a:solidFill>
+                  <a:schemeClr val="accent6">
+                    <a:lumMod val="75000"/>
+                  </a:schemeClr>
+                </a:solidFill>
+              </a:rPr>
+              <a:t>Avantage :</a:t>
+            </a:r>
+          </a:p>
+          <a:p>
+            <a:r>
+              <a:rPr lang="fr-FR" dirty="0" smtClean="0"/>
+              <a:t>« Meilleure » sélection </a:t>
+            </a:r>
+            <a:endParaRPr lang="fr-FR" dirty="0"/>
+          </a:p>
+        </p:txBody>
+      </p:sp>
+      <p:sp>
+        <p:nvSpPr>
+          <p:cNvPr id="4" name="Espace réservé du numéro de diapositive 3"/>
+          <p:cNvSpPr>
+            <a:spLocks noGrp="1"/>
+          </p:cNvSpPr>
+          <p:nvPr>
+            <p:ph type="sldNum" sz="quarter" idx="12"/>
+          </p:nvPr>
+        </p:nvSpPr>
+        <p:spPr/>
+        <p:txBody>
+          <a:bodyPr/>
+          <a:lstStyle/>
+          <a:p>
+            <a:fld id="{724BE394-8A7C-45DA-99F5-6969B9139923}" type="slidenum">
+              <a:rPr lang="fr-FR" smtClean="0"/>
+              <a:t>31</a:t>
+            </a:fld>
+            <a:endParaRPr lang="fr-FR"/>
+          </a:p>
+        </p:txBody>
+      </p:sp>
     </p:spTree>
     <p:extLst>
       <p:ext uri="{BB962C8B-B14F-4D97-AF65-F5344CB8AC3E}">
-        <p14:creationId xmlns:p14="http://schemas.microsoft.com/office/powerpoint/2010/main" val="161161033"/>
+        <p14:creationId xmlns:p14="http://schemas.microsoft.com/office/powerpoint/2010/main" val="2423718379"/>
       </p:ext>
     </p:extLst>
   </p:cSld>
@@ -7978,7 +8682,7 @@
           <a:p>
             <a:r>
               <a:rPr lang="fr-FR" dirty="0" smtClean="0"/>
-              <a:t>Visualisations et projections</a:t>
+              <a:t>Sélection retenue</a:t>
             </a:r>
             <a:endParaRPr lang="fr-FR" dirty="0"/>
           </a:p>
@@ -7986,35 +8690,247 @@
       </p:sp>
       <p:sp>
         <p:nvSpPr>
-          <p:cNvPr id="3" name="Espace réservé du texte 2"/>
-          <p:cNvSpPr>
-            <a:spLocks noGrp="1"/>
-          </p:cNvSpPr>
-          <p:nvPr>
-            <p:ph type="body" idx="1"/>
-          </p:nvPr>
-        </p:nvSpPr>
-        <p:spPr/>
-        <p:txBody>
-          <a:bodyPr/>
-          <a:lstStyle/>
-          <a:p>
-            <a:r>
-              <a:rPr lang="fr-FR" dirty="0" smtClean="0"/>
-              <a:t>Avec </a:t>
+          <p:cNvPr id="3" name="Espace réservé du contenu 2"/>
+          <p:cNvSpPr>
+            <a:spLocks noGrp="1"/>
+          </p:cNvSpPr>
+          <p:nvPr>
+            <p:ph idx="1"/>
+          </p:nvPr>
+        </p:nvSpPr>
+        <p:spPr/>
+        <p:txBody>
+          <a:bodyPr/>
+          <a:lstStyle/>
+          <a:p>
+            <a:r>
+              <a:rPr lang="fr-FR" dirty="0" err="1"/>
+              <a:t>S</a:t>
             </a:r>
             <a:r>
               <a:rPr lang="fr-FR" dirty="0" err="1" smtClean="0"/>
-              <a:t>Bokeh</a:t>
-            </a:r>
+              <a:t>election</a:t>
+            </a:r>
+            <a:r>
+              <a:rPr lang="fr-FR" dirty="0" smtClean="0"/>
+              <a:t> #2 retenue en excluant les « zones » </a:t>
+            </a:r>
+          </a:p>
+          <a:p>
+            <a:endParaRPr lang="fr-FR" dirty="0" smtClean="0"/>
+          </a:p>
+          <a:p>
             <a:endParaRPr lang="fr-FR" dirty="0"/>
+          </a:p>
+          <a:p>
+            <a:r>
+              <a:rPr lang="fr-FR" dirty="0" smtClean="0"/>
+              <a:t>Les données de projection seront évaluées graphiquement dans la partie suivante </a:t>
+            </a:r>
+            <a:endParaRPr lang="fr-FR" dirty="0"/>
+          </a:p>
+        </p:txBody>
+      </p:sp>
+      <p:graphicFrame>
+        <p:nvGraphicFramePr>
+          <p:cNvPr id="4" name="Tableau 3"/>
+          <p:cNvGraphicFramePr>
+            <a:graphicFrameLocks noGrp="1"/>
+          </p:cNvGraphicFramePr>
+          <p:nvPr>
+            <p:extLst>
+              <p:ext uri="{D42A27DB-BD31-4B8C-83A1-F6EECF244321}">
+                <p14:modId xmlns:p14="http://schemas.microsoft.com/office/powerpoint/2010/main" val="2564995643"/>
+              </p:ext>
+            </p:extLst>
+          </p:nvPr>
+        </p:nvGraphicFramePr>
+        <p:xfrm>
+          <a:off x="755576" y="4293096"/>
+          <a:ext cx="7488832" cy="1512168"/>
+        </p:xfrm>
+        <a:graphic>
+          <a:graphicData uri="http://schemas.openxmlformats.org/drawingml/2006/table">
+            <a:tbl>
+              <a:tblPr firstRow="1" bandRow="1">
+                <a:tableStyleId>{85BE263C-DBD7-4A20-BB59-AAB30ACAA65A}</a:tableStyleId>
+              </a:tblPr>
+              <a:tblGrid>
+                <a:gridCol w="7488832"/>
+              </a:tblGrid>
+              <a:tr h="1512168">
+                <a:tc>
+                  <a:txBody>
+                    <a:bodyPr/>
+                    <a:lstStyle/>
+                    <a:p>
+                      <a:r>
+                        <a:rPr lang="fr-FR" dirty="0" smtClean="0"/>
+                        <a:t>Argentina, </a:t>
+                      </a:r>
+                      <a:r>
+                        <a:rPr lang="fr-FR" dirty="0" err="1" smtClean="0"/>
+                        <a:t>Brazil</a:t>
+                      </a:r>
+                      <a:r>
+                        <a:rPr lang="fr-FR" dirty="0" smtClean="0"/>
+                        <a:t>, China, </a:t>
+                      </a:r>
+                      <a:r>
+                        <a:rPr lang="fr-FR" dirty="0" err="1" smtClean="0"/>
+                        <a:t>Colombia</a:t>
+                      </a:r>
+                      <a:r>
+                        <a:rPr lang="fr-FR" dirty="0" smtClean="0"/>
+                        <a:t>, </a:t>
+                      </a:r>
+                      <a:r>
+                        <a:rPr lang="fr-FR" dirty="0" err="1" smtClean="0"/>
+                        <a:t>Indonesia</a:t>
+                      </a:r>
+                      <a:r>
+                        <a:rPr lang="fr-FR" dirty="0" smtClean="0"/>
+                        <a:t>, Iran, </a:t>
+                      </a:r>
+                      <a:r>
+                        <a:rPr lang="fr-FR" dirty="0" err="1" smtClean="0"/>
+                        <a:t>Islamic</a:t>
+                      </a:r>
+                      <a:r>
+                        <a:rPr lang="fr-FR" dirty="0" smtClean="0"/>
+                        <a:t> </a:t>
+                      </a:r>
+                      <a:r>
+                        <a:rPr lang="fr-FR" dirty="0" err="1" smtClean="0"/>
+                        <a:t>Rep</a:t>
+                      </a:r>
+                      <a:r>
+                        <a:rPr lang="fr-FR" dirty="0" smtClean="0"/>
+                        <a:t>., </a:t>
+                      </a:r>
+                      <a:r>
+                        <a:rPr lang="fr-FR" dirty="0" err="1" smtClean="0"/>
+                        <a:t>Italy</a:t>
+                      </a:r>
+                      <a:r>
+                        <a:rPr lang="fr-FR" dirty="0" smtClean="0"/>
+                        <a:t>, Malaysia, Mexico, Philippines, </a:t>
+                      </a:r>
+                      <a:r>
+                        <a:rPr lang="fr-FR" dirty="0" err="1" smtClean="0"/>
+                        <a:t>Poland</a:t>
+                      </a:r>
+                      <a:r>
+                        <a:rPr lang="fr-FR" dirty="0" smtClean="0"/>
+                        <a:t>, </a:t>
+                      </a:r>
+                      <a:r>
+                        <a:rPr lang="fr-FR" dirty="0" err="1" smtClean="0"/>
+                        <a:t>Russian</a:t>
+                      </a:r>
+                      <a:r>
+                        <a:rPr lang="fr-FR" dirty="0" smtClean="0"/>
+                        <a:t> </a:t>
+                      </a:r>
+                      <a:r>
+                        <a:rPr lang="fr-FR" dirty="0" err="1" smtClean="0"/>
+                        <a:t>Federation</a:t>
+                      </a:r>
+                      <a:r>
+                        <a:rPr lang="fr-FR" dirty="0" smtClean="0"/>
+                        <a:t>, </a:t>
+                      </a:r>
+                      <a:r>
+                        <a:rPr lang="fr-FR" dirty="0" err="1" smtClean="0"/>
+                        <a:t>Saudi</a:t>
+                      </a:r>
+                      <a:r>
+                        <a:rPr lang="fr-FR" dirty="0" smtClean="0"/>
+                        <a:t> </a:t>
+                      </a:r>
+                      <a:r>
+                        <a:rPr lang="fr-FR" dirty="0" err="1" smtClean="0"/>
+                        <a:t>Arabia</a:t>
+                      </a:r>
+                      <a:r>
+                        <a:rPr lang="fr-FR" dirty="0" smtClean="0"/>
+                        <a:t>, South </a:t>
+                      </a:r>
+                      <a:r>
+                        <a:rPr lang="fr-FR" dirty="0" err="1" smtClean="0"/>
+                        <a:t>Africa</a:t>
+                      </a:r>
+                      <a:r>
+                        <a:rPr lang="fr-FR" dirty="0" smtClean="0"/>
+                        <a:t>, Spain, </a:t>
+                      </a:r>
+                      <a:r>
+                        <a:rPr lang="fr-FR" dirty="0" err="1" smtClean="0"/>
+                        <a:t>Thailand</a:t>
+                      </a:r>
+                      <a:r>
+                        <a:rPr lang="fr-FR" dirty="0" smtClean="0"/>
+                        <a:t>, </a:t>
+                      </a:r>
+                      <a:r>
+                        <a:rPr lang="fr-FR" dirty="0" err="1" smtClean="0"/>
+                        <a:t>Turkey</a:t>
+                      </a:r>
+                      <a:r>
+                        <a:rPr lang="fr-FR" dirty="0" smtClean="0"/>
+                        <a:t>, Ukraine.</a:t>
+                      </a:r>
+                    </a:p>
+                    <a:p>
+                      <a:endParaRPr lang="fr-FR" dirty="0" smtClean="0"/>
+                    </a:p>
+                    <a:p>
+                      <a:pPr algn="ctr"/>
+                      <a:r>
+                        <a:rPr lang="fr-FR" dirty="0" smtClean="0"/>
+                        <a:t>18</a:t>
+                      </a:r>
+                      <a:r>
+                        <a:rPr lang="fr-FR" baseline="0" dirty="0" smtClean="0"/>
+                        <a:t> PAYS</a:t>
+                      </a:r>
+                      <a:endParaRPr lang="fr-FR" dirty="0"/>
+                    </a:p>
+                  </a:txBody>
+                  <a:tcPr/>
+                </a:tc>
+              </a:tr>
+            </a:tbl>
+          </a:graphicData>
+        </a:graphic>
+      </p:graphicFrame>
+      <p:sp>
+        <p:nvSpPr>
+          <p:cNvPr id="5" name="Espace réservé du numéro de diapositive 4"/>
+          <p:cNvSpPr>
+            <a:spLocks noGrp="1"/>
+          </p:cNvSpPr>
+          <p:nvPr>
+            <p:ph type="sldNum" sz="quarter" idx="12"/>
+          </p:nvPr>
+        </p:nvSpPr>
+        <p:spPr/>
+        <p:txBody>
+          <a:bodyPr/>
+          <a:lstStyle/>
+          <a:p>
+            <a:fld id="{724BE394-8A7C-45DA-99F5-6969B9139923}" type="slidenum">
+              <a:rPr lang="fr-FR" smtClean="0"/>
+              <a:t>32</a:t>
+            </a:fld>
+            <a:endParaRPr lang="fr-FR"/>
           </a:p>
         </p:txBody>
       </p:sp>
     </p:spTree>
     <p:extLst>
       <p:ext uri="{BB962C8B-B14F-4D97-AF65-F5344CB8AC3E}">
-        <p14:creationId xmlns:p14="http://schemas.microsoft.com/office/powerpoint/2010/main" val="4254013657"/>
+        <p14:creationId xmlns:p14="http://schemas.microsoft.com/office/powerpoint/2010/main" val="161161033"/>
       </p:ext>
     </p:extLst>
   </p:cSld>
@@ -8065,7 +8981,7 @@
           <a:p>
             <a:r>
               <a:rPr lang="fr-FR" dirty="0" smtClean="0"/>
-              <a:t>Indicateurs prédictifs</a:t>
+              <a:t>Visualisations et projections</a:t>
             </a:r>
             <a:endParaRPr lang="fr-FR" dirty="0"/>
           </a:p>
@@ -8073,197 +8989,58 @@
       </p:sp>
       <p:sp>
         <p:nvSpPr>
-          <p:cNvPr id="3" name="Espace réservé du contenu 2"/>
-          <p:cNvSpPr>
-            <a:spLocks noGrp="1"/>
-          </p:cNvSpPr>
-          <p:nvPr>
-            <p:ph idx="1"/>
-          </p:nvPr>
-        </p:nvSpPr>
-        <p:spPr/>
-        <p:txBody>
-          <a:bodyPr/>
-          <a:lstStyle/>
-          <a:p>
-            <a:pPr marL="0" indent="0">
-              <a:buNone/>
-            </a:pPr>
-            <a:r>
-              <a:rPr lang="fr-FR" dirty="0">
-                <a:solidFill>
-                  <a:schemeClr val="accent6">
-                    <a:lumMod val="75000"/>
-                  </a:schemeClr>
-                </a:solidFill>
-              </a:rPr>
-              <a:t>Afin d'effectuer des projections sur la quantité de clients possibles pour les pays </a:t>
-            </a:r>
-            <a:r>
-              <a:rPr lang="fr-FR" dirty="0" err="1">
-                <a:solidFill>
-                  <a:schemeClr val="accent6">
-                    <a:lumMod val="75000"/>
-                  </a:schemeClr>
-                </a:solidFill>
-              </a:rPr>
-              <a:t>selectionnés</a:t>
-            </a:r>
-            <a:r>
-              <a:rPr lang="fr-FR" dirty="0">
-                <a:solidFill>
-                  <a:schemeClr val="accent6">
-                    <a:lumMod val="75000"/>
-                  </a:schemeClr>
-                </a:solidFill>
-              </a:rPr>
-              <a:t> nous allons observer ces indicateur:</a:t>
-            </a:r>
-          </a:p>
-          <a:p>
-            <a:r>
-              <a:rPr lang="fr-FR" sz="2000" dirty="0"/>
-              <a:t>Wittgenstein Projection: Population in </a:t>
-            </a:r>
-            <a:r>
-              <a:rPr lang="fr-FR" sz="2000" dirty="0" err="1"/>
-              <a:t>thousands</a:t>
-            </a:r>
-            <a:r>
-              <a:rPr lang="fr-FR" sz="2000" dirty="0"/>
-              <a:t> by </a:t>
-            </a:r>
-            <a:r>
-              <a:rPr lang="fr-FR" sz="2000" dirty="0" err="1"/>
-              <a:t>highest</a:t>
-            </a:r>
-            <a:r>
-              <a:rPr lang="fr-FR" sz="2000" dirty="0"/>
-              <a:t> </a:t>
-            </a:r>
-            <a:r>
-              <a:rPr lang="fr-FR" sz="2000" dirty="0" err="1"/>
-              <a:t>level</a:t>
-            </a:r>
-            <a:r>
-              <a:rPr lang="fr-FR" sz="2000" dirty="0"/>
-              <a:t> of </a:t>
-            </a:r>
-            <a:r>
-              <a:rPr lang="fr-FR" sz="2000" dirty="0" err="1"/>
-              <a:t>educational</a:t>
-            </a:r>
-            <a:r>
-              <a:rPr lang="fr-FR" sz="2000" dirty="0"/>
-              <a:t> </a:t>
-            </a:r>
-            <a:r>
-              <a:rPr lang="fr-FR" sz="2000" dirty="0" err="1"/>
-              <a:t>attainment</a:t>
-            </a:r>
-            <a:r>
-              <a:rPr lang="fr-FR" sz="2000" dirty="0"/>
-              <a:t>. </a:t>
-            </a:r>
-            <a:r>
-              <a:rPr lang="fr-FR" sz="2000" dirty="0" err="1"/>
-              <a:t>Lower</a:t>
-            </a:r>
-            <a:r>
-              <a:rPr lang="fr-FR" sz="2000" dirty="0"/>
-              <a:t> </a:t>
-            </a:r>
-            <a:r>
-              <a:rPr lang="fr-FR" sz="2000" dirty="0" err="1"/>
-              <a:t>Secondary</a:t>
-            </a:r>
-            <a:r>
-              <a:rPr lang="fr-FR" sz="2000" dirty="0"/>
-              <a:t>. Total</a:t>
-            </a:r>
-          </a:p>
-          <a:p>
-            <a:r>
-              <a:rPr lang="fr-FR" sz="2000" dirty="0"/>
-              <a:t>Wittgenstein Projection: Population </a:t>
-            </a:r>
-            <a:r>
-              <a:rPr lang="fr-FR" sz="2000" dirty="0" err="1"/>
-              <a:t>age</a:t>
-            </a:r>
-            <a:r>
-              <a:rPr lang="fr-FR" sz="2000" dirty="0"/>
-              <a:t> 20-24 in </a:t>
-            </a:r>
-            <a:r>
-              <a:rPr lang="fr-FR" sz="2000" dirty="0" err="1"/>
-              <a:t>thousands</a:t>
-            </a:r>
-            <a:r>
-              <a:rPr lang="fr-FR" sz="2000" dirty="0"/>
-              <a:t> by </a:t>
-            </a:r>
-            <a:r>
-              <a:rPr lang="fr-FR" sz="2000" dirty="0" err="1"/>
-              <a:t>highest</a:t>
-            </a:r>
-            <a:r>
-              <a:rPr lang="fr-FR" sz="2000" dirty="0"/>
-              <a:t> </a:t>
-            </a:r>
-            <a:r>
-              <a:rPr lang="fr-FR" sz="2000" dirty="0" err="1"/>
-              <a:t>level</a:t>
-            </a:r>
-            <a:r>
-              <a:rPr lang="fr-FR" sz="2000" dirty="0"/>
-              <a:t> of </a:t>
-            </a:r>
-            <a:r>
-              <a:rPr lang="fr-FR" sz="2000" dirty="0" err="1" smtClean="0"/>
-              <a:t>educational</a:t>
-            </a:r>
-            <a:r>
-              <a:rPr lang="fr-FR" sz="2000" dirty="0" smtClean="0"/>
-              <a:t> </a:t>
-            </a:r>
-            <a:r>
-              <a:rPr lang="fr-FR" sz="2000" dirty="0" err="1"/>
-              <a:t>attainment</a:t>
-            </a:r>
-            <a:r>
-              <a:rPr lang="fr-FR" sz="2000" dirty="0"/>
-              <a:t>. Post </a:t>
-            </a:r>
-            <a:r>
-              <a:rPr lang="fr-FR" sz="2000" dirty="0" err="1"/>
-              <a:t>Secondary</a:t>
-            </a:r>
-            <a:r>
-              <a:rPr lang="fr-FR" sz="2000" dirty="0"/>
-              <a:t>. </a:t>
-            </a:r>
-            <a:r>
-              <a:rPr lang="fr-FR" sz="2000" dirty="0" smtClean="0"/>
-              <a:t>Total</a:t>
-            </a:r>
-          </a:p>
-          <a:p>
-            <a:endParaRPr lang="fr-FR" sz="2000" dirty="0"/>
-          </a:p>
-          <a:p>
-            <a:r>
-              <a:rPr lang="fr-FR" sz="2000" dirty="0" smtClean="0"/>
-              <a:t>Si le premier indicateur baisse tandis que l’autre augmente alors le nombre d’élèves dans le secondaire augmente</a:t>
-            </a:r>
-            <a:endParaRPr lang="fr-FR" sz="2000" dirty="0"/>
+          <p:cNvPr id="3" name="Espace réservé du texte 2"/>
+          <p:cNvSpPr>
+            <a:spLocks noGrp="1"/>
+          </p:cNvSpPr>
+          <p:nvPr>
+            <p:ph type="body" idx="1"/>
+          </p:nvPr>
+        </p:nvSpPr>
+        <p:spPr/>
+        <p:txBody>
+          <a:bodyPr/>
+          <a:lstStyle/>
+          <a:p>
+            <a:r>
+              <a:rPr lang="fr-FR" dirty="0" smtClean="0"/>
+              <a:t>Avec </a:t>
+            </a:r>
+            <a:r>
+              <a:rPr lang="fr-FR" dirty="0" err="1" smtClean="0"/>
+              <a:t>Bokeh</a:t>
+            </a:r>
+            <a:endParaRPr lang="fr-FR" dirty="0"/>
+          </a:p>
+        </p:txBody>
+      </p:sp>
+      <p:sp>
+        <p:nvSpPr>
+          <p:cNvPr id="4" name="Espace réservé du numéro de diapositive 3"/>
+          <p:cNvSpPr>
+            <a:spLocks noGrp="1"/>
+          </p:cNvSpPr>
+          <p:nvPr>
+            <p:ph type="sldNum" sz="quarter" idx="12"/>
+          </p:nvPr>
+        </p:nvSpPr>
+        <p:spPr/>
+        <p:txBody>
+          <a:bodyPr/>
+          <a:lstStyle/>
+          <a:p>
+            <a:fld id="{724BE394-8A7C-45DA-99F5-6969B9139923}" type="slidenum">
+              <a:rPr lang="fr-FR" smtClean="0"/>
+              <a:t>33</a:t>
+            </a:fld>
+            <a:endParaRPr lang="fr-FR"/>
           </a:p>
         </p:txBody>
       </p:sp>
     </p:spTree>
     <p:extLst>
       <p:ext uri="{BB962C8B-B14F-4D97-AF65-F5344CB8AC3E}">
-        <p14:creationId xmlns:p14="http://schemas.microsoft.com/office/powerpoint/2010/main" val="390492634"/>
+        <p14:creationId xmlns:p14="http://schemas.microsoft.com/office/powerpoint/2010/main" val="4254013657"/>
       </p:ext>
     </p:extLst>
   </p:cSld>
@@ -8307,57 +9084,235 @@
             <p:ph type="title"/>
           </p:nvPr>
         </p:nvSpPr>
-        <p:spPr>
-          <a:xfrm>
-            <a:off x="467544" y="116632"/>
-            <a:ext cx="8229600" cy="990600"/>
-          </a:xfrm>
-        </p:spPr>
-        <p:txBody>
-          <a:bodyPr/>
-          <a:lstStyle/>
-          <a:p>
-            <a:r>
-              <a:rPr lang="fr-FR" dirty="0" smtClean="0"/>
-              <a:t>Exemple de visualisations</a:t>
+        <p:spPr/>
+        <p:txBody>
+          <a:bodyPr/>
+          <a:lstStyle/>
+          <a:p>
+            <a:r>
+              <a:rPr lang="fr-FR" dirty="0" smtClean="0"/>
+              <a:t>Indicateurs prédictifs</a:t>
             </a:r>
             <a:endParaRPr lang="fr-FR" dirty="0"/>
           </a:p>
         </p:txBody>
       </p:sp>
-      <p:pic>
-        <p:nvPicPr>
-          <p:cNvPr id="6" name="Espace réservé du contenu 5"/>
-          <p:cNvPicPr>
-            <a:picLocks noGrp="1" noChangeAspect="1"/>
-          </p:cNvPicPr>
+      <p:sp>
+        <p:nvSpPr>
+          <p:cNvPr id="3" name="Espace réservé du contenu 2"/>
+          <p:cNvSpPr>
+            <a:spLocks noGrp="1"/>
+          </p:cNvSpPr>
           <p:nvPr>
             <p:ph idx="1"/>
           </p:nvPr>
-        </p:nvPicPr>
-        <p:blipFill>
-          <a:blip r:embed="rId2">
-            <a:extLst>
-              <a:ext uri="{28A0092B-C50C-407E-A947-70E740481C1C}">
-                <a14:useLocalDpi xmlns:a14="http://schemas.microsoft.com/office/drawing/2010/main" val="0"/>
-              </a:ext>
-            </a:extLst>
-          </a:blip>
-          <a:stretch>
-            <a:fillRect/>
-          </a:stretch>
-        </p:blipFill>
-        <p:spPr>
-          <a:xfrm>
-            <a:off x="328100" y="936706"/>
-            <a:ext cx="8391949" cy="5921294"/>
-          </a:xfrm>
-        </p:spPr>
-      </p:pic>
+        </p:nvSpPr>
+        <p:spPr/>
+        <p:txBody>
+          <a:bodyPr/>
+          <a:lstStyle/>
+          <a:p>
+            <a:pPr marL="0" indent="0">
+              <a:buNone/>
+            </a:pPr>
+            <a:r>
+              <a:rPr lang="fr-FR" dirty="0" smtClean="0">
+                <a:solidFill>
+                  <a:schemeClr val="accent6">
+                    <a:lumMod val="75000"/>
+                  </a:schemeClr>
+                </a:solidFill>
+              </a:rPr>
+              <a:t>Indicateurs retenus:</a:t>
+            </a:r>
+          </a:p>
+          <a:p>
+            <a:pPr marL="0" indent="0">
+              <a:buNone/>
+            </a:pPr>
+            <a:endParaRPr lang="fr-FR" dirty="0">
+              <a:solidFill>
+                <a:schemeClr val="accent6">
+                  <a:lumMod val="75000"/>
+                </a:schemeClr>
+              </a:solidFill>
+            </a:endParaRPr>
+          </a:p>
+          <a:p>
+            <a:r>
+              <a:rPr lang="fr-FR" sz="2000" dirty="0"/>
+              <a:t>Wittgenstein Projection: Population </a:t>
+            </a:r>
+            <a:r>
+              <a:rPr lang="fr-FR" sz="2000" dirty="0" err="1" smtClean="0"/>
+              <a:t>age</a:t>
+            </a:r>
+            <a:r>
+              <a:rPr lang="fr-FR" sz="2000" smtClean="0"/>
+              <a:t> 20-24 in </a:t>
+            </a:r>
+            <a:r>
+              <a:rPr lang="fr-FR" sz="2000" dirty="0" err="1"/>
+              <a:t>thousands</a:t>
+            </a:r>
+            <a:r>
+              <a:rPr lang="fr-FR" sz="2000" dirty="0"/>
+              <a:t> by </a:t>
+            </a:r>
+            <a:r>
+              <a:rPr lang="fr-FR" sz="2000" dirty="0" err="1"/>
+              <a:t>highest</a:t>
+            </a:r>
+            <a:r>
+              <a:rPr lang="fr-FR" sz="2000" dirty="0"/>
+              <a:t> </a:t>
+            </a:r>
+            <a:r>
+              <a:rPr lang="fr-FR" sz="2000" dirty="0" err="1"/>
+              <a:t>level</a:t>
+            </a:r>
+            <a:r>
+              <a:rPr lang="fr-FR" sz="2000" dirty="0"/>
+              <a:t> of </a:t>
+            </a:r>
+            <a:r>
+              <a:rPr lang="fr-FR" sz="2000" dirty="0" err="1"/>
+              <a:t>educational</a:t>
+            </a:r>
+            <a:r>
+              <a:rPr lang="fr-FR" sz="2000" dirty="0"/>
+              <a:t> </a:t>
+            </a:r>
+            <a:r>
+              <a:rPr lang="fr-FR" sz="2000" dirty="0" err="1"/>
+              <a:t>attainment</a:t>
+            </a:r>
+            <a:r>
+              <a:rPr lang="fr-FR" sz="2000" dirty="0"/>
+              <a:t>. </a:t>
+            </a:r>
+            <a:r>
+              <a:rPr lang="fr-FR" sz="2000" dirty="0" err="1"/>
+              <a:t>Lower</a:t>
+            </a:r>
+            <a:r>
+              <a:rPr lang="fr-FR" sz="2000" dirty="0"/>
+              <a:t> </a:t>
+            </a:r>
+            <a:r>
+              <a:rPr lang="fr-FR" sz="2000" dirty="0" err="1"/>
+              <a:t>Secondary</a:t>
+            </a:r>
+            <a:r>
+              <a:rPr lang="fr-FR" sz="2000" dirty="0"/>
+              <a:t>. Total</a:t>
+            </a:r>
+          </a:p>
+          <a:p>
+            <a:r>
+              <a:rPr lang="fr-FR" sz="2000" dirty="0"/>
+              <a:t>Wittgenstein Projection: Population </a:t>
+            </a:r>
+            <a:r>
+              <a:rPr lang="fr-FR" sz="2000" dirty="0" err="1"/>
+              <a:t>age</a:t>
+            </a:r>
+            <a:r>
+              <a:rPr lang="fr-FR" sz="2000" dirty="0"/>
+              <a:t> 20-24 in </a:t>
+            </a:r>
+            <a:r>
+              <a:rPr lang="fr-FR" sz="2000" dirty="0" err="1"/>
+              <a:t>thousands</a:t>
+            </a:r>
+            <a:r>
+              <a:rPr lang="fr-FR" sz="2000" dirty="0"/>
+              <a:t> by </a:t>
+            </a:r>
+            <a:r>
+              <a:rPr lang="fr-FR" sz="2000" dirty="0" err="1"/>
+              <a:t>highest</a:t>
+            </a:r>
+            <a:r>
+              <a:rPr lang="fr-FR" sz="2000" dirty="0"/>
+              <a:t> </a:t>
+            </a:r>
+            <a:r>
+              <a:rPr lang="fr-FR" sz="2000" dirty="0" err="1"/>
+              <a:t>level</a:t>
+            </a:r>
+            <a:r>
+              <a:rPr lang="fr-FR" sz="2000" dirty="0"/>
+              <a:t> of </a:t>
+            </a:r>
+            <a:r>
+              <a:rPr lang="fr-FR" sz="2000" dirty="0" err="1" smtClean="0"/>
+              <a:t>educational</a:t>
+            </a:r>
+            <a:r>
+              <a:rPr lang="fr-FR" sz="2000" dirty="0" smtClean="0"/>
+              <a:t> </a:t>
+            </a:r>
+            <a:r>
+              <a:rPr lang="fr-FR" sz="2000" dirty="0" err="1"/>
+              <a:t>attainment</a:t>
+            </a:r>
+            <a:r>
+              <a:rPr lang="fr-FR" sz="2000" dirty="0"/>
+              <a:t>. Post </a:t>
+            </a:r>
+            <a:r>
+              <a:rPr lang="fr-FR" sz="2000" dirty="0" err="1"/>
+              <a:t>Secondary</a:t>
+            </a:r>
+            <a:r>
+              <a:rPr lang="fr-FR" sz="2000" dirty="0"/>
+              <a:t>. </a:t>
+            </a:r>
+            <a:r>
+              <a:rPr lang="fr-FR" sz="2000" dirty="0" smtClean="0"/>
+              <a:t>Total</a:t>
+            </a:r>
+          </a:p>
+          <a:p>
+            <a:endParaRPr lang="fr-FR" sz="2000" dirty="0"/>
+          </a:p>
+          <a:p>
+            <a:r>
+              <a:rPr lang="fr-FR" sz="2000" dirty="0" smtClean="0"/>
+              <a:t>Si le premier indicateur baisse tandis que l’autre augmente alors le nombre d’élèves dans le secondaire augmente</a:t>
+            </a:r>
+            <a:endParaRPr lang="fr-FR" sz="2000" dirty="0"/>
+          </a:p>
+        </p:txBody>
+      </p:sp>
+      <p:sp>
+        <p:nvSpPr>
+          <p:cNvPr id="4" name="Espace réservé du numéro de diapositive 3"/>
+          <p:cNvSpPr>
+            <a:spLocks noGrp="1"/>
+          </p:cNvSpPr>
+          <p:nvPr>
+            <p:ph type="sldNum" sz="quarter" idx="12"/>
+          </p:nvPr>
+        </p:nvSpPr>
+        <p:spPr/>
+        <p:txBody>
+          <a:bodyPr/>
+          <a:lstStyle/>
+          <a:p>
+            <a:fld id="{724BE394-8A7C-45DA-99F5-6969B9139923}" type="slidenum">
+              <a:rPr lang="fr-FR" smtClean="0"/>
+              <a:t>34</a:t>
+            </a:fld>
+            <a:endParaRPr lang="fr-FR"/>
+          </a:p>
+        </p:txBody>
+      </p:sp>
     </p:spTree>
     <p:extLst>
       <p:ext uri="{BB962C8B-B14F-4D97-AF65-F5344CB8AC3E}">
-        <p14:creationId xmlns:p14="http://schemas.microsoft.com/office/powerpoint/2010/main" val="237203259"/>
+        <p14:creationId xmlns:p14="http://schemas.microsoft.com/office/powerpoint/2010/main" val="390492634"/>
       </p:ext>
     </p:extLst>
   </p:cSld>
@@ -8443,15 +9398,38 @@
         </p:blipFill>
         <p:spPr>
           <a:xfrm>
-            <a:off x="328100" y="1042633"/>
-            <a:ext cx="8391949" cy="5709439"/>
+            <a:off x="328100" y="936706"/>
+            <a:ext cx="8391949" cy="5921294"/>
           </a:xfrm>
         </p:spPr>
       </p:pic>
+      <p:sp>
+        <p:nvSpPr>
+          <p:cNvPr id="3" name="Espace réservé du numéro de diapositive 2"/>
+          <p:cNvSpPr>
+            <a:spLocks noGrp="1"/>
+          </p:cNvSpPr>
+          <p:nvPr>
+            <p:ph type="sldNum" sz="quarter" idx="12"/>
+          </p:nvPr>
+        </p:nvSpPr>
+        <p:spPr/>
+        <p:txBody>
+          <a:bodyPr/>
+          <a:lstStyle/>
+          <a:p>
+            <a:fld id="{724BE394-8A7C-45DA-99F5-6969B9139923}" type="slidenum">
+              <a:rPr lang="fr-FR" smtClean="0"/>
+              <a:t>35</a:t>
+            </a:fld>
+            <a:endParaRPr lang="fr-FR"/>
+          </a:p>
+        </p:txBody>
+      </p:sp>
     </p:spTree>
     <p:extLst>
       <p:ext uri="{BB962C8B-B14F-4D97-AF65-F5344CB8AC3E}">
-        <p14:creationId xmlns:p14="http://schemas.microsoft.com/office/powerpoint/2010/main" val="2320026990"/>
+        <p14:creationId xmlns:p14="http://schemas.microsoft.com/office/powerpoint/2010/main" val="237203259"/>
       </p:ext>
     </p:extLst>
   </p:cSld>
@@ -8537,15 +9515,38 @@
         </p:blipFill>
         <p:spPr>
           <a:xfrm>
-            <a:off x="459785" y="1042633"/>
-            <a:ext cx="8128578" cy="5709439"/>
+            <a:off x="328100" y="1042633"/>
+            <a:ext cx="8391949" cy="5709439"/>
           </a:xfrm>
         </p:spPr>
       </p:pic>
+      <p:sp>
+        <p:nvSpPr>
+          <p:cNvPr id="3" name="Espace réservé du numéro de diapositive 2"/>
+          <p:cNvSpPr>
+            <a:spLocks noGrp="1"/>
+          </p:cNvSpPr>
+          <p:nvPr>
+            <p:ph type="sldNum" sz="quarter" idx="12"/>
+          </p:nvPr>
+        </p:nvSpPr>
+        <p:spPr/>
+        <p:txBody>
+          <a:bodyPr/>
+          <a:lstStyle/>
+          <a:p>
+            <a:fld id="{724BE394-8A7C-45DA-99F5-6969B9139923}" type="slidenum">
+              <a:rPr lang="fr-FR" smtClean="0"/>
+              <a:t>36</a:t>
+            </a:fld>
+            <a:endParaRPr lang="fr-FR"/>
+          </a:p>
+        </p:txBody>
+      </p:sp>
     </p:spTree>
     <p:extLst>
       <p:ext uri="{BB962C8B-B14F-4D97-AF65-F5344CB8AC3E}">
-        <p14:creationId xmlns:p14="http://schemas.microsoft.com/office/powerpoint/2010/main" val="632491908"/>
+        <p14:creationId xmlns:p14="http://schemas.microsoft.com/office/powerpoint/2010/main" val="2320026990"/>
       </p:ext>
     </p:extLst>
   </p:cSld>
@@ -8589,46 +9590,80 @@
             <p:ph type="title"/>
           </p:nvPr>
         </p:nvSpPr>
-        <p:spPr/>
-        <p:txBody>
-          <a:bodyPr/>
-          <a:lstStyle/>
-          <a:p>
-            <a:r>
-              <a:rPr lang="fr-FR" dirty="0" smtClean="0"/>
-              <a:t>Conclusion</a:t>
+        <p:spPr>
+          <a:xfrm>
+            <a:off x="467544" y="116632"/>
+            <a:ext cx="8229600" cy="990600"/>
+          </a:xfrm>
+        </p:spPr>
+        <p:txBody>
+          <a:bodyPr/>
+          <a:lstStyle/>
+          <a:p>
+            <a:r>
+              <a:rPr lang="fr-FR" dirty="0" smtClean="0"/>
+              <a:t>Exemple de visualisations</a:t>
             </a:r>
             <a:endParaRPr lang="fr-FR" dirty="0"/>
           </a:p>
         </p:txBody>
       </p:sp>
-      <p:sp>
-        <p:nvSpPr>
-          <p:cNvPr id="3" name="Espace réservé du texte 2"/>
-          <p:cNvSpPr>
-            <a:spLocks noGrp="1"/>
-          </p:cNvSpPr>
-          <p:nvPr>
-            <p:ph type="body" idx="1"/>
-          </p:nvPr>
-        </p:nvSpPr>
-        <p:spPr/>
-        <p:txBody>
-          <a:bodyPr/>
-          <a:lstStyle/>
-          <a:p>
-            <a:r>
-              <a:rPr lang="fr-FR" dirty="0" smtClean="0"/>
-              <a:t>Perspectives</a:t>
-            </a:r>
-            <a:endParaRPr lang="fr-FR" dirty="0"/>
+      <p:pic>
+        <p:nvPicPr>
+          <p:cNvPr id="6" name="Espace réservé du contenu 5"/>
+          <p:cNvPicPr>
+            <a:picLocks noGrp="1" noChangeAspect="1"/>
+          </p:cNvPicPr>
+          <p:nvPr>
+            <p:ph idx="1"/>
+          </p:nvPr>
+        </p:nvPicPr>
+        <p:blipFill>
+          <a:blip r:embed="rId2">
+            <a:extLst>
+              <a:ext uri="{28A0092B-C50C-407E-A947-70E740481C1C}">
+                <a14:useLocalDpi xmlns:a14="http://schemas.microsoft.com/office/drawing/2010/main" val="0"/>
+              </a:ext>
+            </a:extLst>
+          </a:blip>
+          <a:stretch>
+            <a:fillRect/>
+          </a:stretch>
+        </p:blipFill>
+        <p:spPr>
+          <a:xfrm>
+            <a:off x="459785" y="1042633"/>
+            <a:ext cx="8128578" cy="5709439"/>
+          </a:xfrm>
+        </p:spPr>
+      </p:pic>
+      <p:sp>
+        <p:nvSpPr>
+          <p:cNvPr id="3" name="Espace réservé du numéro de diapositive 2"/>
+          <p:cNvSpPr>
+            <a:spLocks noGrp="1"/>
+          </p:cNvSpPr>
+          <p:nvPr>
+            <p:ph type="sldNum" sz="quarter" idx="12"/>
+          </p:nvPr>
+        </p:nvSpPr>
+        <p:spPr/>
+        <p:txBody>
+          <a:bodyPr/>
+          <a:lstStyle/>
+          <a:p>
+            <a:fld id="{724BE394-8A7C-45DA-99F5-6969B9139923}" type="slidenum">
+              <a:rPr lang="fr-FR" smtClean="0"/>
+              <a:t>37</a:t>
+            </a:fld>
+            <a:endParaRPr lang="fr-FR"/>
           </a:p>
         </p:txBody>
       </p:sp>
     </p:spTree>
     <p:extLst>
       <p:ext uri="{BB962C8B-B14F-4D97-AF65-F5344CB8AC3E}">
-        <p14:creationId xmlns:p14="http://schemas.microsoft.com/office/powerpoint/2010/main" val="2877353269"/>
+        <p14:creationId xmlns:p14="http://schemas.microsoft.com/office/powerpoint/2010/main" val="632491908"/>
       </p:ext>
     </p:extLst>
   </p:cSld>
@@ -8672,12 +9707,30 @@
             <p:ph type="title"/>
           </p:nvPr>
         </p:nvSpPr>
-        <p:spPr>
-          <a:xfrm>
-            <a:off x="545823" y="3429000"/>
-            <a:ext cx="8229600" cy="990600"/>
-          </a:xfrm>
-        </p:spPr>
+        <p:spPr/>
+        <p:txBody>
+          <a:bodyPr/>
+          <a:lstStyle/>
+          <a:p>
+            <a:r>
+              <a:rPr lang="fr-FR" dirty="0" smtClean="0"/>
+              <a:t>Conclusion</a:t>
+            </a:r>
+            <a:endParaRPr lang="fr-FR" dirty="0"/>
+          </a:p>
+        </p:txBody>
+      </p:sp>
+      <p:sp>
+        <p:nvSpPr>
+          <p:cNvPr id="3" name="Espace réservé du texte 2"/>
+          <p:cNvSpPr>
+            <a:spLocks noGrp="1"/>
+          </p:cNvSpPr>
+          <p:nvPr>
+            <p:ph type="body" idx="1"/>
+          </p:nvPr>
+        </p:nvSpPr>
+        <p:spPr/>
         <p:txBody>
           <a:bodyPr/>
           <a:lstStyle/>
@@ -8692,333 +9745,31 @@
       </p:sp>
       <p:sp>
         <p:nvSpPr>
-          <p:cNvPr id="3" name="Espace réservé du contenu 2"/>
-          <p:cNvSpPr>
-            <a:spLocks noGrp="1"/>
-          </p:cNvSpPr>
-          <p:nvPr>
-            <p:ph idx="1"/>
-          </p:nvPr>
-        </p:nvSpPr>
-        <p:spPr>
-          <a:xfrm>
-            <a:off x="467544" y="1268760"/>
-            <a:ext cx="8229600" cy="2260848"/>
-          </a:xfrm>
-        </p:spPr>
-        <p:txBody>
-          <a:bodyPr>
-            <a:normAutofit/>
-          </a:bodyPr>
-          <a:lstStyle/>
-          <a:p>
-            <a:r>
-              <a:rPr lang="fr-FR" dirty="0" smtClean="0"/>
-              <a:t>Grande quantité d’informations</a:t>
-            </a:r>
-          </a:p>
-          <a:p>
-            <a:r>
-              <a:rPr lang="fr-FR" dirty="0" smtClean="0"/>
-              <a:t>Indicateurs variés</a:t>
-            </a:r>
-          </a:p>
-          <a:p>
-            <a:r>
-              <a:rPr lang="fr-FR" dirty="0" smtClean="0"/>
-              <a:t>Base demandant un traitement préliminaire</a:t>
-            </a:r>
-          </a:p>
-          <a:p>
-            <a:r>
-              <a:rPr lang="fr-FR" dirty="0" smtClean="0"/>
-              <a:t>Je recommande cette base pour la recherche de nouveaux marchés</a:t>
-            </a:r>
-          </a:p>
-        </p:txBody>
-      </p:sp>
-      <p:sp>
-        <p:nvSpPr>
-          <p:cNvPr id="4" name="Titre 1"/>
-          <p:cNvSpPr txBox="1">
-            <a:spLocks/>
-          </p:cNvSpPr>
-          <p:nvPr/>
-        </p:nvSpPr>
-        <p:spPr>
-          <a:xfrm>
-            <a:off x="578661" y="404664"/>
-            <a:ext cx="8229600" cy="990600"/>
-          </a:xfrm>
-          <a:prstGeom prst="rect">
-            <a:avLst/>
-          </a:prstGeom>
-        </p:spPr>
-        <p:txBody>
-          <a:bodyPr vert="horz" lIns="91440" tIns="45720" rIns="91440" bIns="45720" rtlCol="0" anchor="ctr">
-            <a:normAutofit/>
-          </a:bodyPr>
-          <a:lstStyle>
-            <a:lvl1pPr algn="l" defTabSz="914400" rtl="0" eaLnBrk="1" latinLnBrk="0" hangingPunct="1">
-              <a:spcBef>
-                <a:spcPct val="0"/>
-              </a:spcBef>
-              <a:buNone/>
-              <a:defRPr sz="4000" kern="1200" spc="-100" baseline="0">
-                <a:solidFill>
-                  <a:schemeClr val="tx2"/>
-                </a:solidFill>
-                <a:latin typeface="+mj-lt"/>
-                <a:ea typeface="+mj-ea"/>
-                <a:cs typeface="+mj-cs"/>
-              </a:defRPr>
-            </a:lvl1pPr>
-          </a:lstStyle>
-          <a:p>
-            <a:r>
-              <a:rPr lang="fr-FR" dirty="0" smtClean="0"/>
-              <a:t>Conclusion</a:t>
-            </a:r>
-            <a:endParaRPr lang="fr-FR" dirty="0"/>
-          </a:p>
-        </p:txBody>
-      </p:sp>
-      <p:sp>
-        <p:nvSpPr>
-          <p:cNvPr id="5" name="Espace réservé du contenu 2"/>
-          <p:cNvSpPr txBox="1">
-            <a:spLocks/>
-          </p:cNvSpPr>
-          <p:nvPr/>
-        </p:nvSpPr>
-        <p:spPr>
-          <a:xfrm>
-            <a:off x="578661" y="4221088"/>
-            <a:ext cx="8229600" cy="2260848"/>
-          </a:xfrm>
-          <a:prstGeom prst="rect">
-            <a:avLst/>
-          </a:prstGeom>
-        </p:spPr>
-        <p:txBody>
-          <a:bodyPr vert="horz" lIns="91440" tIns="45720" rIns="91440" bIns="45720" rtlCol="0">
-            <a:normAutofit fontScale="92500" lnSpcReduction="10000"/>
-          </a:bodyPr>
-          <a:lstStyle>
-            <a:lvl1pPr marL="182880" indent="-182880" algn="l" defTabSz="914400" rtl="0" eaLnBrk="1" latinLnBrk="0" hangingPunct="1">
-              <a:spcBef>
-                <a:spcPct val="20000"/>
-              </a:spcBef>
-              <a:buClr>
-                <a:schemeClr val="accent1"/>
-              </a:buClr>
-              <a:buSzPct val="85000"/>
-              <a:buFont typeface="Arial" pitchFamily="34" charset="0"/>
-              <a:buChar char="•"/>
-              <a:defRPr sz="2400" kern="1200">
-                <a:solidFill>
-                  <a:schemeClr val="tx1"/>
-                </a:solidFill>
-                <a:latin typeface="+mn-lt"/>
-                <a:ea typeface="+mn-ea"/>
-                <a:cs typeface="+mn-cs"/>
-              </a:defRPr>
-            </a:lvl1pPr>
-            <a:lvl2pPr marL="457200" indent="-182880" algn="l" defTabSz="914400" rtl="0" eaLnBrk="1" latinLnBrk="0" hangingPunct="1">
-              <a:spcBef>
-                <a:spcPct val="20000"/>
-              </a:spcBef>
-              <a:buClr>
-                <a:schemeClr val="accent1"/>
-              </a:buClr>
-              <a:buSzPct val="85000"/>
-              <a:buFont typeface="Arial" pitchFamily="34" charset="0"/>
-              <a:buChar char="•"/>
-              <a:defRPr sz="2000" kern="1200">
-                <a:solidFill>
-                  <a:schemeClr val="tx1"/>
-                </a:solidFill>
-                <a:latin typeface="+mn-lt"/>
-                <a:ea typeface="+mn-ea"/>
-                <a:cs typeface="+mn-cs"/>
-              </a:defRPr>
-            </a:lvl2pPr>
-            <a:lvl3pPr marL="731520" indent="-182880" algn="l" defTabSz="914400" rtl="0" eaLnBrk="1" latinLnBrk="0" hangingPunct="1">
-              <a:spcBef>
-                <a:spcPct val="20000"/>
-              </a:spcBef>
-              <a:buClr>
-                <a:schemeClr val="accent1"/>
-              </a:buClr>
-              <a:buSzPct val="90000"/>
-              <a:buFont typeface="Arial" pitchFamily="34" charset="0"/>
-              <a:buChar char="•"/>
-              <a:defRPr sz="1800" kern="1200">
-                <a:solidFill>
-                  <a:schemeClr val="tx1"/>
-                </a:solidFill>
-                <a:latin typeface="+mn-lt"/>
-                <a:ea typeface="+mn-ea"/>
-                <a:cs typeface="+mn-cs"/>
-              </a:defRPr>
-            </a:lvl3pPr>
-            <a:lvl4pPr marL="1005840" indent="-182880" algn="l" defTabSz="914400" rtl="0" eaLnBrk="1" latinLnBrk="0" hangingPunct="1">
-              <a:spcBef>
-                <a:spcPct val="20000"/>
-              </a:spcBef>
-              <a:buClr>
-                <a:schemeClr val="accent1"/>
-              </a:buClr>
-              <a:buFont typeface="Arial" pitchFamily="34" charset="0"/>
-              <a:buChar char="•"/>
-              <a:defRPr sz="1600" kern="1200">
-                <a:solidFill>
-                  <a:schemeClr val="tx1"/>
-                </a:solidFill>
-                <a:latin typeface="+mn-lt"/>
-                <a:ea typeface="+mn-ea"/>
-                <a:cs typeface="+mn-cs"/>
-              </a:defRPr>
-            </a:lvl4pPr>
-            <a:lvl5pPr marL="1188720" indent="-137160" algn="l" defTabSz="914400" rtl="0" eaLnBrk="1" latinLnBrk="0" hangingPunct="1">
-              <a:spcBef>
-                <a:spcPct val="20000"/>
-              </a:spcBef>
-              <a:buClr>
-                <a:schemeClr val="accent1"/>
-              </a:buClr>
-              <a:buSzPct val="100000"/>
-              <a:buFont typeface="Arial" pitchFamily="34" charset="0"/>
-              <a:buChar char="•"/>
-              <a:defRPr sz="1400" kern="1200" baseline="0">
-                <a:solidFill>
-                  <a:schemeClr val="tx1"/>
-                </a:solidFill>
-                <a:latin typeface="+mn-lt"/>
-                <a:ea typeface="+mn-ea"/>
-                <a:cs typeface="+mn-cs"/>
-              </a:defRPr>
-            </a:lvl5pPr>
-            <a:lvl6pPr marL="1371600" indent="-182880" algn="l" defTabSz="914400" rtl="0" eaLnBrk="1" latinLnBrk="0" hangingPunct="1">
-              <a:spcBef>
-                <a:spcPct val="20000"/>
-              </a:spcBef>
-              <a:buClr>
-                <a:schemeClr val="accent1"/>
-              </a:buClr>
-              <a:buFont typeface="Arial" pitchFamily="34" charset="0"/>
-              <a:buChar char="•"/>
-              <a:defRPr sz="1300" kern="1200">
-                <a:solidFill>
-                  <a:schemeClr val="tx1"/>
-                </a:solidFill>
-                <a:latin typeface="+mn-lt"/>
-                <a:ea typeface="+mn-ea"/>
-                <a:cs typeface="+mn-cs"/>
-              </a:defRPr>
-            </a:lvl6pPr>
-            <a:lvl7pPr marL="1554480" indent="-182880" algn="l" defTabSz="914400" rtl="0" eaLnBrk="1" latinLnBrk="0" hangingPunct="1">
-              <a:spcBef>
-                <a:spcPct val="20000"/>
-              </a:spcBef>
-              <a:buClr>
-                <a:schemeClr val="accent1"/>
-              </a:buClr>
-              <a:buFont typeface="Arial" pitchFamily="34" charset="0"/>
-              <a:buChar char="•"/>
-              <a:defRPr sz="1300" kern="1200">
-                <a:solidFill>
-                  <a:schemeClr val="tx1"/>
-                </a:solidFill>
-                <a:latin typeface="+mn-lt"/>
-                <a:ea typeface="+mn-ea"/>
-                <a:cs typeface="+mn-cs"/>
-              </a:defRPr>
-            </a:lvl7pPr>
-            <a:lvl8pPr marL="1737360" indent="-182880" algn="l" defTabSz="914400" rtl="0" eaLnBrk="1" latinLnBrk="0" hangingPunct="1">
-              <a:spcBef>
-                <a:spcPct val="20000"/>
-              </a:spcBef>
-              <a:buClr>
-                <a:schemeClr val="accent1"/>
-              </a:buClr>
-              <a:buFont typeface="Arial" pitchFamily="34" charset="0"/>
-              <a:buChar char="•"/>
-              <a:defRPr sz="1300" kern="1200">
-                <a:solidFill>
-                  <a:schemeClr val="tx1"/>
-                </a:solidFill>
-                <a:latin typeface="+mn-lt"/>
-                <a:ea typeface="+mn-ea"/>
-                <a:cs typeface="+mn-cs"/>
-              </a:defRPr>
-            </a:lvl8pPr>
-            <a:lvl9pPr marL="1920240" indent="-182880" algn="l" defTabSz="914400" rtl="0" eaLnBrk="1" latinLnBrk="0" hangingPunct="1">
-              <a:spcBef>
-                <a:spcPct val="20000"/>
-              </a:spcBef>
-              <a:buClr>
-                <a:schemeClr val="accent1"/>
-              </a:buClr>
-              <a:buFont typeface="Arial" pitchFamily="34" charset="0"/>
-              <a:buChar char="•"/>
-              <a:defRPr sz="1300" kern="1200">
-                <a:solidFill>
-                  <a:schemeClr val="tx1"/>
-                </a:solidFill>
-                <a:latin typeface="+mn-lt"/>
-                <a:ea typeface="+mn-ea"/>
-                <a:cs typeface="+mn-cs"/>
-              </a:defRPr>
-            </a:lvl9pPr>
-          </a:lstStyle>
-          <a:p>
-            <a:r>
-              <a:rPr lang="fr-FR" dirty="0" smtClean="0"/>
-              <a:t>Cahier des charges pour sélection plus pertinente</a:t>
-            </a:r>
-          </a:p>
-          <a:p>
-            <a:r>
-              <a:rPr lang="fr-FR" dirty="0" smtClean="0"/>
-              <a:t>Système de </a:t>
-            </a:r>
-            <a:r>
-              <a:rPr lang="fr-FR" dirty="0" err="1" smtClean="0"/>
-              <a:t>scoring</a:t>
-            </a:r>
-            <a:r>
-              <a:rPr lang="fr-FR" dirty="0" smtClean="0"/>
-              <a:t> type marketing</a:t>
-            </a:r>
-          </a:p>
-          <a:p>
-            <a:r>
-              <a:rPr lang="fr-FR" dirty="0" smtClean="0"/>
-              <a:t>Création de cartes avec </a:t>
-            </a:r>
-            <a:r>
-              <a:rPr lang="fr-FR" dirty="0" err="1" smtClean="0"/>
-              <a:t>Bokeh</a:t>
-            </a:r>
-            <a:r>
-              <a:rPr lang="fr-FR" dirty="0" smtClean="0"/>
-              <a:t> pour une meilleure visualisation des pays stratégiques</a:t>
-            </a:r>
-          </a:p>
-          <a:p>
-            <a:r>
-              <a:rPr lang="fr-FR" dirty="0" smtClean="0"/>
-              <a:t>Faire une sélections arithmétique sur les indicateurs de projections</a:t>
-            </a:r>
-            <a:endParaRPr lang="fr-FR" dirty="0" smtClean="0"/>
+          <p:cNvPr id="4" name="Espace réservé du numéro de diapositive 3"/>
+          <p:cNvSpPr>
+            <a:spLocks noGrp="1"/>
+          </p:cNvSpPr>
+          <p:nvPr>
+            <p:ph type="sldNum" sz="quarter" idx="12"/>
+          </p:nvPr>
+        </p:nvSpPr>
+        <p:spPr/>
+        <p:txBody>
+          <a:bodyPr/>
+          <a:lstStyle/>
+          <a:p>
+            <a:fld id="{724BE394-8A7C-45DA-99F5-6969B9139923}" type="slidenum">
+              <a:rPr lang="fr-FR" smtClean="0"/>
+              <a:t>38</a:t>
+            </a:fld>
+            <a:endParaRPr lang="fr-FR"/>
           </a:p>
         </p:txBody>
       </p:sp>
     </p:spTree>
     <p:extLst>
       <p:ext uri="{BB962C8B-B14F-4D97-AF65-F5344CB8AC3E}">
-        <p14:creationId xmlns:p14="http://schemas.microsoft.com/office/powerpoint/2010/main" val="1446708187"/>
+        <p14:creationId xmlns:p14="http://schemas.microsoft.com/office/powerpoint/2010/main" val="2877353269"/>
       </p:ext>
     </p:extLst>
   </p:cSld>
@@ -9054,7 +9805,77 @@
       </p:grpSpPr>
       <p:sp>
         <p:nvSpPr>
-          <p:cNvPr id="2" name="Titre 1"/>
+          <p:cNvPr id="3" name="Espace réservé du contenu 2"/>
+          <p:cNvSpPr>
+            <a:spLocks noGrp="1"/>
+          </p:cNvSpPr>
+          <p:nvPr>
+            <p:ph idx="1"/>
+          </p:nvPr>
+        </p:nvSpPr>
+        <p:spPr>
+          <a:xfrm>
+            <a:off x="467544" y="1268760"/>
+            <a:ext cx="8229600" cy="2260848"/>
+          </a:xfrm>
+        </p:spPr>
+        <p:txBody>
+          <a:bodyPr>
+            <a:normAutofit/>
+          </a:bodyPr>
+          <a:lstStyle/>
+          <a:p>
+            <a:r>
+              <a:rPr lang="fr-FR" dirty="0" smtClean="0"/>
+              <a:t>Grande quantité d’informations</a:t>
+            </a:r>
+          </a:p>
+          <a:p>
+            <a:r>
+              <a:rPr lang="fr-FR" dirty="0" smtClean="0"/>
+              <a:t>Indicateurs variés</a:t>
+            </a:r>
+          </a:p>
+          <a:p>
+            <a:r>
+              <a:rPr lang="fr-FR" dirty="0" smtClean="0"/>
+              <a:t>Base demandant un traitement préliminaire</a:t>
+            </a:r>
+          </a:p>
+          <a:p>
+            <a:r>
+              <a:rPr lang="fr-FR" b="1" dirty="0" smtClean="0"/>
+              <a:t>Je recommande cette base pour la recherche de nouveaux marchés</a:t>
+            </a:r>
+          </a:p>
+        </p:txBody>
+      </p:sp>
+      <p:sp>
+        <p:nvSpPr>
+          <p:cNvPr id="6" name="Espace réservé du numéro de diapositive 5"/>
+          <p:cNvSpPr>
+            <a:spLocks noGrp="1"/>
+          </p:cNvSpPr>
+          <p:nvPr>
+            <p:ph type="sldNum" sz="quarter" idx="12"/>
+          </p:nvPr>
+        </p:nvSpPr>
+        <p:spPr/>
+        <p:txBody>
+          <a:bodyPr/>
+          <a:lstStyle/>
+          <a:p>
+            <a:fld id="{724BE394-8A7C-45DA-99F5-6969B9139923}" type="slidenum">
+              <a:rPr lang="fr-FR" smtClean="0"/>
+              <a:t>39</a:t>
+            </a:fld>
+            <a:endParaRPr lang="fr-FR"/>
+          </a:p>
+        </p:txBody>
+      </p:sp>
+      <p:sp>
+        <p:nvSpPr>
+          <p:cNvPr id="7" name="Titre 6"/>
           <p:cNvSpPr>
             <a:spLocks noGrp="1"/>
           </p:cNvSpPr>
@@ -9074,631 +9895,8 @@
           <a:p>
             <a:r>
               <a:rPr lang="fr-FR" dirty="0" smtClean="0"/>
-              <a:t>Annexe</a:t>
-            </a:r>
-            <a:endParaRPr lang="fr-FR" dirty="0"/>
-          </a:p>
-        </p:txBody>
-      </p:sp>
-      <p:sp>
-        <p:nvSpPr>
-          <p:cNvPr id="3" name="Espace réservé du contenu 2"/>
-          <p:cNvSpPr>
-            <a:spLocks noGrp="1"/>
-          </p:cNvSpPr>
-          <p:nvPr>
-            <p:ph idx="1"/>
-          </p:nvPr>
-        </p:nvSpPr>
-        <p:spPr>
-          <a:xfrm>
-            <a:off x="467544" y="1052736"/>
-            <a:ext cx="8229600" cy="504056"/>
-          </a:xfrm>
-        </p:spPr>
-        <p:txBody>
-          <a:bodyPr>
-            <a:normAutofit/>
-          </a:bodyPr>
-          <a:lstStyle/>
-          <a:p>
-            <a:r>
-              <a:rPr lang="fr-FR" dirty="0" smtClean="0"/>
-              <a:t>Exemple de </a:t>
-            </a:r>
-            <a:r>
-              <a:rPr lang="fr-FR" dirty="0"/>
-              <a:t>s</a:t>
-            </a:r>
-            <a:r>
-              <a:rPr lang="fr-FR" dirty="0" smtClean="0"/>
-              <a:t>ystème de </a:t>
-            </a:r>
-            <a:r>
-              <a:rPr lang="fr-FR" dirty="0" err="1" smtClean="0"/>
-              <a:t>scoring</a:t>
-            </a:r>
-            <a:endParaRPr lang="fr-FR" dirty="0" smtClean="0"/>
-          </a:p>
-          <a:p>
-            <a:endParaRPr lang="fr-FR" dirty="0"/>
-          </a:p>
-          <a:p>
-            <a:endParaRPr lang="fr-FR" dirty="0" smtClean="0"/>
-          </a:p>
-          <a:p>
-            <a:endParaRPr lang="fr-FR" dirty="0"/>
-          </a:p>
-          <a:p>
-            <a:endParaRPr lang="fr-FR" dirty="0" smtClean="0"/>
-          </a:p>
-          <a:p>
-            <a:endParaRPr lang="fr-FR" dirty="0"/>
-          </a:p>
-          <a:p>
-            <a:endParaRPr lang="fr-FR" dirty="0" smtClean="0"/>
-          </a:p>
-          <a:p>
-            <a:endParaRPr lang="fr-FR" dirty="0"/>
-          </a:p>
-        </p:txBody>
-      </p:sp>
-      <p:graphicFrame>
-        <p:nvGraphicFramePr>
-          <p:cNvPr id="4" name="Tableau 3"/>
-          <p:cNvGraphicFramePr>
-            <a:graphicFrameLocks noGrp="1"/>
-          </p:cNvGraphicFramePr>
-          <p:nvPr>
-            <p:extLst>
-              <p:ext uri="{D42A27DB-BD31-4B8C-83A1-F6EECF244321}">
-                <p14:modId xmlns:p14="http://schemas.microsoft.com/office/powerpoint/2010/main" val="3414970709"/>
-              </p:ext>
-            </p:extLst>
-          </p:nvPr>
-        </p:nvGraphicFramePr>
-        <p:xfrm>
-          <a:off x="179512" y="1484784"/>
-          <a:ext cx="8820474" cy="3596640"/>
-        </p:xfrm>
-        <a:graphic>
-          <a:graphicData uri="http://schemas.openxmlformats.org/drawingml/2006/table">
-            <a:tbl>
-              <a:tblPr firstRow="1" bandRow="1">
-                <a:tableStyleId>{5C22544A-7EE6-4342-B048-85BDC9FD1C3A}</a:tableStyleId>
-              </a:tblPr>
-              <a:tblGrid>
-                <a:gridCol w="2940158"/>
-                <a:gridCol w="2940158"/>
-                <a:gridCol w="2940158"/>
-              </a:tblGrid>
-              <a:tr h="328226">
-                <a:tc>
-                  <a:txBody>
-                    <a:bodyPr/>
-                    <a:lstStyle/>
-                    <a:p>
-                      <a:r>
-                        <a:rPr lang="fr-FR" sz="1600" dirty="0" smtClean="0"/>
-                        <a:t>Indicateur</a:t>
-                      </a:r>
-                      <a:endParaRPr lang="fr-FR" sz="1600" dirty="0"/>
-                    </a:p>
-                  </a:txBody>
-                  <a:tcPr/>
-                </a:tc>
-                <a:tc>
-                  <a:txBody>
-                    <a:bodyPr/>
-                    <a:lstStyle/>
-                    <a:p>
-                      <a:r>
-                        <a:rPr lang="fr-FR" sz="1600" dirty="0" smtClean="0"/>
-                        <a:t>Classement</a:t>
-                      </a:r>
-                      <a:endParaRPr lang="fr-FR" sz="1600" dirty="0"/>
-                    </a:p>
-                  </a:txBody>
-                  <a:tcPr/>
-                </a:tc>
-                <a:tc>
-                  <a:txBody>
-                    <a:bodyPr/>
-                    <a:lstStyle/>
-                    <a:p>
-                      <a:r>
-                        <a:rPr lang="fr-FR" sz="1600" dirty="0" smtClean="0"/>
-                        <a:t>Nb points</a:t>
-                      </a:r>
-                      <a:endParaRPr lang="fr-FR" sz="1600" dirty="0"/>
-                    </a:p>
-                  </a:txBody>
-                  <a:tcPr/>
-                </a:tc>
-              </a:tr>
-              <a:tr h="328226">
-                <a:tc>
-                  <a:txBody>
-                    <a:bodyPr/>
-                    <a:lstStyle/>
-                    <a:p>
-                      <a:r>
-                        <a:rPr lang="fr-FR" sz="1600" dirty="0" smtClean="0"/>
-                        <a:t>PIB</a:t>
-                      </a:r>
-                      <a:endParaRPr lang="fr-FR" sz="1600" dirty="0"/>
-                    </a:p>
-                  </a:txBody>
-                  <a:tcPr/>
-                </a:tc>
-                <a:tc>
-                  <a:txBody>
-                    <a:bodyPr/>
-                    <a:lstStyle/>
-                    <a:p>
-                      <a:r>
-                        <a:rPr lang="fr-FR" sz="1600" dirty="0" smtClean="0"/>
-                        <a:t>1</a:t>
-                      </a:r>
-                      <a:r>
-                        <a:rPr lang="fr-FR" sz="1600" baseline="30000" dirty="0" smtClean="0"/>
-                        <a:t>er</a:t>
-                      </a:r>
-                      <a:r>
-                        <a:rPr lang="fr-FR" sz="1600" baseline="0" dirty="0" smtClean="0"/>
-                        <a:t> quart</a:t>
-                      </a:r>
-                      <a:endParaRPr lang="fr-FR" sz="1600" dirty="0"/>
-                    </a:p>
-                  </a:txBody>
-                  <a:tcPr/>
-                </a:tc>
-                <a:tc>
-                  <a:txBody>
-                    <a:bodyPr/>
-                    <a:lstStyle/>
-                    <a:p>
-                      <a:r>
-                        <a:rPr lang="fr-FR" sz="1600" dirty="0" smtClean="0"/>
-                        <a:t>10</a:t>
-                      </a:r>
-                      <a:endParaRPr lang="fr-FR" sz="1600" dirty="0"/>
-                    </a:p>
-                  </a:txBody>
-                  <a:tcPr/>
-                </a:tc>
-              </a:tr>
-              <a:tr h="328226">
-                <a:tc rowSpan="4">
-                  <a:txBody>
-                    <a:bodyPr/>
-                    <a:lstStyle/>
-                    <a:p>
-                      <a:endParaRPr lang="fr-FR" sz="1600" dirty="0"/>
-                    </a:p>
-                  </a:txBody>
-                  <a:tcPr/>
-                </a:tc>
-                <a:tc>
-                  <a:txBody>
-                    <a:bodyPr/>
-                    <a:lstStyle/>
-                    <a:p>
-                      <a:r>
-                        <a:rPr lang="fr-FR" sz="1600" dirty="0" smtClean="0"/>
-                        <a:t>2</a:t>
-                      </a:r>
-                      <a:r>
-                        <a:rPr lang="fr-FR" sz="1600" baseline="30000" dirty="0" smtClean="0"/>
-                        <a:t>ème</a:t>
-                      </a:r>
-                      <a:r>
-                        <a:rPr lang="fr-FR" sz="1600" baseline="0" dirty="0" smtClean="0"/>
-                        <a:t> quart</a:t>
-                      </a:r>
-                      <a:endParaRPr lang="fr-FR" sz="1600" dirty="0"/>
-                    </a:p>
-                  </a:txBody>
-                  <a:tcPr/>
-                </a:tc>
-                <a:tc>
-                  <a:txBody>
-                    <a:bodyPr/>
-                    <a:lstStyle/>
-                    <a:p>
-                      <a:r>
-                        <a:rPr lang="fr-FR" sz="1600" dirty="0" smtClean="0"/>
-                        <a:t>5</a:t>
-                      </a:r>
-                      <a:endParaRPr lang="fr-FR" sz="1600" dirty="0"/>
-                    </a:p>
-                  </a:txBody>
-                  <a:tcPr/>
-                </a:tc>
-              </a:tr>
-              <a:tr h="328226">
-                <a:tc vMerge="1">
-                  <a:txBody>
-                    <a:bodyPr/>
-                    <a:lstStyle/>
-                    <a:p>
-                      <a:endParaRPr lang="fr-FR"/>
-                    </a:p>
-                  </a:txBody>
-                  <a:tcPr/>
-                </a:tc>
-                <a:tc>
-                  <a:txBody>
-                    <a:bodyPr/>
-                    <a:lstStyle/>
-                    <a:p>
-                      <a:r>
-                        <a:rPr lang="fr-FR" sz="1600" dirty="0" smtClean="0"/>
-                        <a:t>3</a:t>
-                      </a:r>
-                      <a:r>
-                        <a:rPr lang="fr-FR" sz="1600" baseline="30000" dirty="0" smtClean="0"/>
-                        <a:t>ème</a:t>
-                      </a:r>
-                      <a:r>
-                        <a:rPr lang="fr-FR" sz="1600" baseline="0" dirty="0" smtClean="0"/>
-                        <a:t> quart</a:t>
-                      </a:r>
-                      <a:endParaRPr lang="fr-FR" sz="1600" dirty="0"/>
-                    </a:p>
-                  </a:txBody>
-                  <a:tcPr/>
-                </a:tc>
-                <a:tc>
-                  <a:txBody>
-                    <a:bodyPr/>
-                    <a:lstStyle/>
-                    <a:p>
-                      <a:r>
-                        <a:rPr lang="fr-FR" sz="1600" dirty="0" smtClean="0"/>
-                        <a:t>3</a:t>
-                      </a:r>
-                      <a:endParaRPr lang="fr-FR" sz="1600" dirty="0"/>
-                    </a:p>
-                  </a:txBody>
-                  <a:tcPr/>
-                </a:tc>
-              </a:tr>
-              <a:tr h="328226">
-                <a:tc vMerge="1">
-                  <a:txBody>
-                    <a:bodyPr/>
-                    <a:lstStyle/>
-                    <a:p>
-                      <a:endParaRPr lang="fr-FR" dirty="0"/>
-                    </a:p>
-                  </a:txBody>
-                  <a:tcPr/>
-                </a:tc>
-                <a:tc>
-                  <a:txBody>
-                    <a:bodyPr/>
-                    <a:lstStyle/>
-                    <a:p>
-                      <a:r>
-                        <a:rPr lang="fr-FR" sz="1600" dirty="0" smtClean="0"/>
-                        <a:t>4</a:t>
-                      </a:r>
-                      <a:r>
-                        <a:rPr lang="fr-FR" sz="1600" baseline="30000" dirty="0" smtClean="0"/>
-                        <a:t>ème</a:t>
-                      </a:r>
-                      <a:r>
-                        <a:rPr lang="fr-FR" sz="1600" dirty="0" smtClean="0"/>
-                        <a:t> quart</a:t>
-                      </a:r>
-                      <a:endParaRPr lang="fr-FR" sz="1600" dirty="0"/>
-                    </a:p>
-                  </a:txBody>
-                  <a:tcPr/>
-                </a:tc>
-                <a:tc>
-                  <a:txBody>
-                    <a:bodyPr/>
-                    <a:lstStyle/>
-                    <a:p>
-                      <a:r>
-                        <a:rPr lang="fr-FR" sz="1600" dirty="0" smtClean="0"/>
-                        <a:t>0</a:t>
-                      </a:r>
-                      <a:endParaRPr lang="fr-FR" sz="1600" dirty="0"/>
-                    </a:p>
-                  </a:txBody>
-                  <a:tcPr/>
-                </a:tc>
-              </a:tr>
-              <a:tr h="328226">
-                <a:tc vMerge="1">
-                  <a:txBody>
-                    <a:bodyPr/>
-                    <a:lstStyle/>
-                    <a:p>
-                      <a:endParaRPr lang="fr-FR" dirty="0"/>
-                    </a:p>
-                  </a:txBody>
-                  <a:tcPr/>
-                </a:tc>
-                <a:tc>
-                  <a:txBody>
-                    <a:bodyPr/>
-                    <a:lstStyle/>
-                    <a:p>
-                      <a:r>
-                        <a:rPr lang="fr-FR" sz="1600" dirty="0" smtClean="0"/>
-                        <a:t>Pas de données</a:t>
-                      </a:r>
-                      <a:endParaRPr lang="fr-FR" sz="1600" dirty="0"/>
-                    </a:p>
-                  </a:txBody>
-                  <a:tcPr/>
-                </a:tc>
-                <a:tc>
-                  <a:txBody>
-                    <a:bodyPr/>
-                    <a:lstStyle/>
-                    <a:p>
-                      <a:r>
-                        <a:rPr lang="fr-FR" sz="1600" dirty="0" smtClean="0"/>
-                        <a:t>0</a:t>
-                      </a:r>
-                      <a:endParaRPr lang="fr-FR" sz="1600" dirty="0"/>
-                    </a:p>
-                  </a:txBody>
-                  <a:tcPr/>
-                </a:tc>
-              </a:tr>
-              <a:tr h="328226">
-                <a:tc>
-                  <a:txBody>
-                    <a:bodyPr/>
-                    <a:lstStyle/>
-                    <a:p>
-                      <a:r>
-                        <a:rPr lang="fr-FR" sz="1600" dirty="0" smtClean="0"/>
-                        <a:t>Taux d’alphabétisation</a:t>
-                      </a:r>
-                      <a:endParaRPr lang="fr-FR" sz="1600" dirty="0"/>
-                    </a:p>
-                  </a:txBody>
-                  <a:tcPr/>
-                </a:tc>
-                <a:tc>
-                  <a:txBody>
-                    <a:bodyPr/>
-                    <a:lstStyle/>
-                    <a:p>
-                      <a:r>
-                        <a:rPr lang="fr-FR" sz="1600" dirty="0" smtClean="0"/>
-                        <a:t>1</a:t>
-                      </a:r>
-                      <a:r>
-                        <a:rPr lang="fr-FR" sz="1600" baseline="30000" dirty="0" smtClean="0"/>
-                        <a:t>ère</a:t>
-                      </a:r>
-                      <a:r>
-                        <a:rPr lang="fr-FR" sz="1600" baseline="0" dirty="0" smtClean="0"/>
-                        <a:t> moitié</a:t>
-                      </a:r>
-                      <a:endParaRPr lang="fr-FR" sz="1600" dirty="0"/>
-                    </a:p>
-                  </a:txBody>
-                  <a:tcPr/>
-                </a:tc>
-                <a:tc>
-                  <a:txBody>
-                    <a:bodyPr/>
-                    <a:lstStyle/>
-                    <a:p>
-                      <a:r>
-                        <a:rPr lang="fr-FR" sz="1600" dirty="0" smtClean="0"/>
-                        <a:t>5</a:t>
-                      </a:r>
-                      <a:endParaRPr lang="fr-FR" sz="1600" dirty="0"/>
-                    </a:p>
-                  </a:txBody>
-                  <a:tcPr/>
-                </a:tc>
-              </a:tr>
-              <a:tr h="328226">
-                <a:tc rowSpan="2">
-                  <a:txBody>
-                    <a:bodyPr/>
-                    <a:lstStyle/>
-                    <a:p>
-                      <a:endParaRPr lang="fr-FR" sz="1600" dirty="0"/>
-                    </a:p>
-                  </a:txBody>
-                  <a:tcPr/>
-                </a:tc>
-                <a:tc>
-                  <a:txBody>
-                    <a:bodyPr/>
-                    <a:lstStyle/>
-                    <a:p>
-                      <a:r>
-                        <a:rPr lang="fr-FR" sz="1600" dirty="0" smtClean="0"/>
-                        <a:t>2</a:t>
-                      </a:r>
-                      <a:r>
-                        <a:rPr lang="fr-FR" sz="1600" baseline="30000" dirty="0" smtClean="0"/>
-                        <a:t>ème</a:t>
-                      </a:r>
-                      <a:r>
-                        <a:rPr lang="fr-FR" sz="1600" baseline="0" dirty="0" smtClean="0"/>
-                        <a:t> moitié</a:t>
-                      </a:r>
-                      <a:endParaRPr lang="fr-FR" sz="1600" dirty="0"/>
-                    </a:p>
-                  </a:txBody>
-                  <a:tcPr/>
-                </a:tc>
-                <a:tc>
-                  <a:txBody>
-                    <a:bodyPr/>
-                    <a:lstStyle/>
-                    <a:p>
-                      <a:r>
-                        <a:rPr lang="fr-FR" sz="1600" dirty="0" smtClean="0"/>
-                        <a:t>0</a:t>
-                      </a:r>
-                      <a:endParaRPr lang="fr-FR" sz="1600" dirty="0"/>
-                    </a:p>
-                  </a:txBody>
-                  <a:tcPr/>
-                </a:tc>
-              </a:tr>
-              <a:tr h="574396">
-                <a:tc vMerge="1">
-                  <a:txBody>
-                    <a:bodyPr/>
-                    <a:lstStyle/>
-                    <a:p>
-                      <a:endParaRPr lang="fr-FR" dirty="0"/>
-                    </a:p>
-                  </a:txBody>
-                  <a:tcPr/>
-                </a:tc>
-                <a:tc>
-                  <a:txBody>
-                    <a:bodyPr/>
-                    <a:lstStyle/>
-                    <a:p>
-                      <a:r>
-                        <a:rPr lang="fr-FR" sz="1600" dirty="0" smtClean="0"/>
-                        <a:t>Pas de données</a:t>
-                      </a:r>
-                      <a:endParaRPr lang="fr-FR" sz="1600" dirty="0"/>
-                    </a:p>
-                  </a:txBody>
-                  <a:tcPr/>
-                </a:tc>
-                <a:tc>
-                  <a:txBody>
-                    <a:bodyPr/>
-                    <a:lstStyle/>
-                    <a:p>
-                      <a:r>
-                        <a:rPr lang="fr-FR" sz="1600" dirty="0" smtClean="0"/>
-                        <a:t>2</a:t>
-                      </a:r>
-                      <a:r>
-                        <a:rPr lang="fr-FR" sz="1600" baseline="0" dirty="0" smtClean="0"/>
-                        <a:t> pts si PIB&gt;</a:t>
-                      </a:r>
-                      <a:r>
-                        <a:rPr lang="fr-FR" sz="1600" baseline="0" dirty="0" err="1" smtClean="0"/>
-                        <a:t>mediane</a:t>
-                      </a:r>
-                      <a:endParaRPr lang="fr-FR" sz="1600" baseline="0" dirty="0" smtClean="0"/>
-                    </a:p>
-                    <a:p>
-                      <a:r>
-                        <a:rPr lang="fr-FR" sz="1600" baseline="0" dirty="0" smtClean="0"/>
-                        <a:t>0 pts si PIB&lt;</a:t>
-                      </a:r>
-                      <a:r>
-                        <a:rPr lang="fr-FR" sz="1600" baseline="0" dirty="0" err="1" smtClean="0"/>
-                        <a:t>mediane</a:t>
-                      </a:r>
-                      <a:endParaRPr lang="fr-FR" sz="1600" dirty="0"/>
-                    </a:p>
-                  </a:txBody>
-                  <a:tcPr/>
-                </a:tc>
-              </a:tr>
-              <a:tr h="328226">
-                <a:tc>
-                  <a:txBody>
-                    <a:bodyPr/>
-                    <a:lstStyle/>
-                    <a:p>
-                      <a:r>
-                        <a:rPr lang="fr-FR" sz="1600" dirty="0" smtClean="0"/>
-                        <a:t>… </a:t>
-                      </a:r>
-                      <a:r>
-                        <a:rPr lang="fr-FR" sz="1600" dirty="0" err="1" smtClean="0"/>
-                        <a:t>Etc</a:t>
-                      </a:r>
-                      <a:endParaRPr lang="fr-FR" sz="1600" dirty="0"/>
-                    </a:p>
-                  </a:txBody>
-                  <a:tcPr/>
-                </a:tc>
-                <a:tc>
-                  <a:txBody>
-                    <a:bodyPr/>
-                    <a:lstStyle/>
-                    <a:p>
-                      <a:endParaRPr lang="fr-FR" sz="1600" dirty="0"/>
-                    </a:p>
-                  </a:txBody>
-                  <a:tcPr/>
-                </a:tc>
-                <a:tc>
-                  <a:txBody>
-                    <a:bodyPr/>
-                    <a:lstStyle/>
-                    <a:p>
-                      <a:endParaRPr lang="fr-FR" sz="1600" dirty="0"/>
-                    </a:p>
-                  </a:txBody>
-                  <a:tcPr/>
-                </a:tc>
-              </a:tr>
-            </a:tbl>
-          </a:graphicData>
-        </a:graphic>
-      </p:graphicFrame>
-      <p:sp>
-        <p:nvSpPr>
-          <p:cNvPr id="5" name="ZoneTexte 4"/>
-          <p:cNvSpPr txBox="1"/>
-          <p:nvPr/>
-        </p:nvSpPr>
-        <p:spPr>
-          <a:xfrm>
-            <a:off x="611560" y="5373216"/>
-            <a:ext cx="7848872" cy="1200329"/>
-          </a:xfrm>
-          <a:prstGeom prst="rect">
-            <a:avLst/>
-          </a:prstGeom>
-          <a:noFill/>
-        </p:spPr>
-        <p:txBody>
-          <a:bodyPr wrap="square" rtlCol="0">
-            <a:spAutoFit/>
-          </a:bodyPr>
-          <a:lstStyle/>
-          <a:p>
-            <a:endParaRPr lang="fr-FR" dirty="0"/>
-          </a:p>
-          <a:p>
-            <a:r>
-              <a:rPr lang="fr-FR" dirty="0"/>
-              <a:t>En faisant la somme des points de chaque pays en prenant les X </a:t>
-            </a:r>
-            <a:r>
-              <a:rPr lang="fr-FR" dirty="0" smtClean="0"/>
-              <a:t>meilleurs scores </a:t>
-            </a:r>
-            <a:r>
-              <a:rPr lang="fr-FR" dirty="0"/>
-              <a:t>on obtient à mon avis une meilleure </a:t>
-            </a:r>
-            <a:r>
-              <a:rPr lang="fr-FR" dirty="0" smtClean="0"/>
-              <a:t>sélection</a:t>
-            </a:r>
-            <a:endParaRPr lang="fr-FR" dirty="0"/>
-          </a:p>
-          <a:p>
+              <a:t>Conclusion</a:t>
+            </a:r>
             <a:endParaRPr lang="fr-FR" dirty="0"/>
           </a:p>
         </p:txBody>
@@ -9706,7 +9904,7 @@
     </p:spTree>
     <p:extLst>
       <p:ext uri="{BB962C8B-B14F-4D97-AF65-F5344CB8AC3E}">
-        <p14:creationId xmlns:p14="http://schemas.microsoft.com/office/powerpoint/2010/main" val="2279829659"/>
+        <p14:creationId xmlns:p14="http://schemas.microsoft.com/office/powerpoint/2010/main" val="1446708187"/>
       </p:ext>
     </p:extLst>
   </p:cSld>
@@ -9782,7 +9980,15 @@
           <a:p>
             <a:r>
               <a:rPr lang="fr-FR" dirty="0"/>
-              <a:t>Valider la qualité de ce jeu de données </a:t>
+              <a:t>Valider la qualité </a:t>
+            </a:r>
+            <a:r>
+              <a:rPr lang="fr-FR" dirty="0" smtClean="0"/>
+              <a:t>du </a:t>
+            </a:r>
+            <a:r>
+              <a:rPr lang="fr-FR" dirty="0"/>
+              <a:t>jeu de données </a:t>
             </a:r>
             <a:endParaRPr lang="fr-FR" dirty="0" smtClean="0"/>
           </a:p>
@@ -9793,8 +9999,9 @@
             </a:r>
             <a:r>
               <a:rPr lang="fr-FR" dirty="0"/>
-              <a:t>les informations contenues dans le jeu de données </a:t>
-            </a:r>
+              <a:t>les informations </a:t>
+            </a:r>
+            <a:endParaRPr lang="fr-FR" dirty="0" smtClean="0"/>
           </a:p>
           <a:p>
             <a:r>
@@ -9803,30 +10010,68 @@
             </a:r>
             <a:r>
               <a:rPr lang="fr-FR" dirty="0"/>
-              <a:t>les informations qui semblent pertinentes pour répondre à la </a:t>
-            </a:r>
-            <a:r>
-              <a:rPr lang="fr-FR" dirty="0" smtClean="0"/>
-              <a:t>problématique</a:t>
-            </a:r>
-            <a:endParaRPr lang="fr-FR" dirty="0"/>
-          </a:p>
-          <a:p>
+              <a:t>les </a:t>
+            </a:r>
+            <a:r>
+              <a:rPr lang="fr-FR" dirty="0" smtClean="0"/>
+              <a:t>informations pertinentes</a:t>
+            </a:r>
+          </a:p>
+          <a:p>
+            <a:r>
+              <a:rPr lang="fr-FR" dirty="0" smtClean="0"/>
+              <a:t>Qualifier </a:t>
+            </a:r>
             <a:r>
               <a:rPr lang="fr-FR" dirty="0"/>
-              <a:t>Déterminer des ordres de grandeurs des indicateurs statistiques classiques pour les différentes zones géographiques et pays du </a:t>
-            </a:r>
-            <a:r>
-              <a:rPr lang="fr-FR" dirty="0" smtClean="0"/>
-              <a:t>monde</a:t>
-            </a:r>
-          </a:p>
-          <a:p>
-            <a:r>
-              <a:rPr lang="fr-FR" dirty="0" smtClean="0"/>
+              <a:t>d</a:t>
+            </a:r>
+            <a:r>
+              <a:rPr lang="fr-FR" dirty="0" smtClean="0"/>
+              <a:t>es indicateurs</a:t>
+            </a:r>
+          </a:p>
+          <a:p>
+            <a:r>
+              <a:rPr lang="fr-FR" b="1" dirty="0" smtClean="0">
+                <a:solidFill>
+                  <a:schemeClr val="bg2">
+                    <a:lumMod val="50000"/>
+                  </a:schemeClr>
+                </a:solidFill>
+              </a:rPr>
               <a:t>Sélectionner quelques pays où le marché pourrait être intéressant</a:t>
             </a:r>
-            <a:endParaRPr lang="fr-FR" dirty="0"/>
+            <a:endParaRPr lang="fr-FR" b="1" dirty="0">
+              <a:solidFill>
+                <a:schemeClr val="bg2">
+                  <a:lumMod val="50000"/>
+                </a:schemeClr>
+              </a:solidFill>
+            </a:endParaRPr>
+          </a:p>
+        </p:txBody>
+      </p:sp>
+      <p:sp>
+        <p:nvSpPr>
+          <p:cNvPr id="4" name="Espace réservé du numéro de diapositive 3"/>
+          <p:cNvSpPr>
+            <a:spLocks noGrp="1"/>
+          </p:cNvSpPr>
+          <p:nvPr>
+            <p:ph type="sldNum" sz="quarter" idx="12"/>
+          </p:nvPr>
+        </p:nvSpPr>
+        <p:spPr/>
+        <p:txBody>
+          <a:bodyPr/>
+          <a:lstStyle/>
+          <a:p>
+            <a:fld id="{724BE394-8A7C-45DA-99F5-6969B9139923}" type="slidenum">
+              <a:rPr lang="fr-FR" smtClean="0"/>
+              <a:t>4</a:t>
+            </a:fld>
+            <a:endParaRPr lang="fr-FR"/>
           </a:p>
         </p:txBody>
       </p:sp>
@@ -9834,6 +10079,880 @@
     <p:extLst>
       <p:ext uri="{BB962C8B-B14F-4D97-AF65-F5344CB8AC3E}">
         <p14:creationId xmlns:p14="http://schemas.microsoft.com/office/powerpoint/2010/main" val="2602785816"/>
+      </p:ext>
+    </p:extLst>
+  </p:cSld>
+  <p:clrMapOvr>
+    <a:masterClrMapping/>
+  </p:clrMapOvr>
+  <p:timing>
+    <p:tnLst>
+      <p:par>
+        <p:cTn id="1" dur="indefinite" restart="never" nodeType="tmRoot"/>
+      </p:par>
+    </p:tnLst>
+  </p:timing>
+</p:sld>
+</file>
+
+<file path=ppt/slides/slide40.xml><?xml version="1.0" encoding="utf-8"?>
+<p:sld xmlns:a="http://schemas.openxmlformats.org/drawingml/2006/main" xmlns:r="http://schemas.openxmlformats.org/officeDocument/2006/relationships" xmlns:p="http://schemas.openxmlformats.org/presentationml/2006/main">
+  <p:cSld>
+    <p:spTree>
+      <p:nvGrpSpPr>
+        <p:cNvPr id="1" name=""/>
+        <p:cNvGrpSpPr/>
+        <p:nvPr/>
+      </p:nvGrpSpPr>
+      <p:grpSpPr>
+        <a:xfrm>
+          <a:off x="0" y="0"/>
+          <a:ext cx="0" cy="0"/>
+          <a:chOff x="0" y="0"/>
+          <a:chExt cx="0" cy="0"/>
+        </a:xfrm>
+      </p:grpSpPr>
+      <p:sp>
+        <p:nvSpPr>
+          <p:cNvPr id="2" name="Titre 1"/>
+          <p:cNvSpPr>
+            <a:spLocks noGrp="1"/>
+          </p:cNvSpPr>
+          <p:nvPr>
+            <p:ph type="title"/>
+          </p:nvPr>
+        </p:nvSpPr>
+        <p:spPr/>
+        <p:txBody>
+          <a:bodyPr/>
+          <a:lstStyle/>
+          <a:p>
+            <a:r>
+              <a:rPr lang="fr-FR" dirty="0"/>
+              <a:t>Perspectives</a:t>
+            </a:r>
+          </a:p>
+        </p:txBody>
+      </p:sp>
+      <p:sp>
+        <p:nvSpPr>
+          <p:cNvPr id="3" name="Espace réservé du contenu 2"/>
+          <p:cNvSpPr>
+            <a:spLocks noGrp="1"/>
+          </p:cNvSpPr>
+          <p:nvPr>
+            <p:ph idx="1"/>
+          </p:nvPr>
+        </p:nvSpPr>
+        <p:spPr/>
+        <p:txBody>
+          <a:bodyPr/>
+          <a:lstStyle/>
+          <a:p>
+            <a:r>
+              <a:rPr lang="fr-FR" dirty="0"/>
+              <a:t>Cahier des charges pour sélection plus </a:t>
+            </a:r>
+            <a:r>
+              <a:rPr lang="fr-FR" dirty="0" smtClean="0"/>
+              <a:t>pertinente</a:t>
+            </a:r>
+          </a:p>
+          <a:p>
+            <a:r>
+              <a:rPr lang="fr-FR" dirty="0" smtClean="0"/>
+              <a:t>Analyse de données sur le nombre de professeurs</a:t>
+            </a:r>
+            <a:endParaRPr lang="fr-FR" dirty="0"/>
+          </a:p>
+          <a:p>
+            <a:r>
+              <a:rPr lang="fr-FR" dirty="0"/>
+              <a:t>Système de </a:t>
+            </a:r>
+            <a:r>
+              <a:rPr lang="fr-FR" dirty="0" err="1"/>
+              <a:t>scoring</a:t>
+            </a:r>
+            <a:r>
+              <a:rPr lang="fr-FR" dirty="0"/>
+              <a:t> type marketing</a:t>
+            </a:r>
+          </a:p>
+          <a:p>
+            <a:r>
+              <a:rPr lang="fr-FR" dirty="0"/>
+              <a:t>Création de cartes avec </a:t>
+            </a:r>
+            <a:r>
+              <a:rPr lang="fr-FR" dirty="0" err="1"/>
+              <a:t>Bokeh</a:t>
+            </a:r>
+            <a:r>
+              <a:rPr lang="fr-FR" dirty="0"/>
+              <a:t> pour une meilleure visualisation des pays stratégiques</a:t>
+            </a:r>
+          </a:p>
+          <a:p>
+            <a:r>
+              <a:rPr lang="fr-FR" dirty="0"/>
+              <a:t>Faire une </a:t>
+            </a:r>
+            <a:r>
+              <a:rPr lang="fr-FR" dirty="0" smtClean="0"/>
+              <a:t>sélection </a:t>
+            </a:r>
+            <a:r>
+              <a:rPr lang="fr-FR" dirty="0"/>
+              <a:t>arithmétique sur les indicateurs de projections</a:t>
+            </a:r>
+          </a:p>
+          <a:p>
+            <a:endParaRPr lang="fr-FR" dirty="0"/>
+          </a:p>
+        </p:txBody>
+      </p:sp>
+      <p:sp>
+        <p:nvSpPr>
+          <p:cNvPr id="4" name="Espace réservé du numéro de diapositive 3"/>
+          <p:cNvSpPr>
+            <a:spLocks noGrp="1"/>
+          </p:cNvSpPr>
+          <p:nvPr>
+            <p:ph type="sldNum" sz="quarter" idx="12"/>
+          </p:nvPr>
+        </p:nvSpPr>
+        <p:spPr/>
+        <p:txBody>
+          <a:bodyPr/>
+          <a:lstStyle/>
+          <a:p>
+            <a:fld id="{724BE394-8A7C-45DA-99F5-6969B9139923}" type="slidenum">
+              <a:rPr lang="fr-FR" smtClean="0"/>
+              <a:t>40</a:t>
+            </a:fld>
+            <a:endParaRPr lang="fr-FR"/>
+          </a:p>
+        </p:txBody>
+      </p:sp>
+    </p:spTree>
+    <p:extLst>
+      <p:ext uri="{BB962C8B-B14F-4D97-AF65-F5344CB8AC3E}">
+        <p14:creationId xmlns:p14="http://schemas.microsoft.com/office/powerpoint/2010/main" val="1718734637"/>
+      </p:ext>
+    </p:extLst>
+  </p:cSld>
+  <p:clrMapOvr>
+    <a:masterClrMapping/>
+  </p:clrMapOvr>
+  <p:timing>
+    <p:tnLst>
+      <p:par>
+        <p:cTn id="1" dur="indefinite" restart="never" nodeType="tmRoot"/>
+      </p:par>
+    </p:tnLst>
+  </p:timing>
+</p:sld>
+</file>
+
+<file path=ppt/slides/slide41.xml><?xml version="1.0" encoding="utf-8"?>
+<p:sld xmlns:a="http://schemas.openxmlformats.org/drawingml/2006/main" xmlns:r="http://schemas.openxmlformats.org/officeDocument/2006/relationships" xmlns:p="http://schemas.openxmlformats.org/presentationml/2006/main">
+  <p:cSld>
+    <p:spTree>
+      <p:nvGrpSpPr>
+        <p:cNvPr id="1" name=""/>
+        <p:cNvGrpSpPr/>
+        <p:nvPr/>
+      </p:nvGrpSpPr>
+      <p:grpSpPr>
+        <a:xfrm>
+          <a:off x="0" y="0"/>
+          <a:ext cx="0" cy="0"/>
+          <a:chOff x="0" y="0"/>
+          <a:chExt cx="0" cy="0"/>
+        </a:xfrm>
+      </p:grpSpPr>
+      <p:sp>
+        <p:nvSpPr>
+          <p:cNvPr id="2" name="Titre 1"/>
+          <p:cNvSpPr>
+            <a:spLocks noGrp="1"/>
+          </p:cNvSpPr>
+          <p:nvPr>
+            <p:ph type="title"/>
+          </p:nvPr>
+        </p:nvSpPr>
+        <p:spPr>
+          <a:xfrm>
+            <a:off x="467544" y="260648"/>
+            <a:ext cx="8229600" cy="990600"/>
+          </a:xfrm>
+        </p:spPr>
+        <p:txBody>
+          <a:bodyPr/>
+          <a:lstStyle/>
+          <a:p>
+            <a:r>
+              <a:rPr lang="fr-FR" dirty="0" smtClean="0"/>
+              <a:t>Annexe</a:t>
+            </a:r>
+            <a:endParaRPr lang="fr-FR" dirty="0"/>
+          </a:p>
+        </p:txBody>
+      </p:sp>
+      <p:sp>
+        <p:nvSpPr>
+          <p:cNvPr id="3" name="Espace réservé du contenu 2"/>
+          <p:cNvSpPr>
+            <a:spLocks noGrp="1"/>
+          </p:cNvSpPr>
+          <p:nvPr>
+            <p:ph idx="1"/>
+          </p:nvPr>
+        </p:nvSpPr>
+        <p:spPr>
+          <a:xfrm>
+            <a:off x="467544" y="1052736"/>
+            <a:ext cx="8229600" cy="504056"/>
+          </a:xfrm>
+        </p:spPr>
+        <p:txBody>
+          <a:bodyPr>
+            <a:normAutofit/>
+          </a:bodyPr>
+          <a:lstStyle/>
+          <a:p>
+            <a:r>
+              <a:rPr lang="fr-FR" dirty="0" smtClean="0"/>
+              <a:t>Exemple de </a:t>
+            </a:r>
+            <a:r>
+              <a:rPr lang="fr-FR" dirty="0"/>
+              <a:t>s</a:t>
+            </a:r>
+            <a:r>
+              <a:rPr lang="fr-FR" dirty="0" smtClean="0"/>
+              <a:t>ystème de </a:t>
+            </a:r>
+            <a:r>
+              <a:rPr lang="fr-FR" dirty="0" err="1" smtClean="0"/>
+              <a:t>scoring</a:t>
+            </a:r>
+            <a:r>
+              <a:rPr lang="fr-FR" dirty="0" smtClean="0"/>
+              <a:t> type marketing</a:t>
+            </a:r>
+          </a:p>
+          <a:p>
+            <a:endParaRPr lang="fr-FR" dirty="0" smtClean="0"/>
+          </a:p>
+          <a:p>
+            <a:endParaRPr lang="fr-FR" dirty="0" smtClean="0"/>
+          </a:p>
+          <a:p>
+            <a:endParaRPr lang="fr-FR" dirty="0"/>
+          </a:p>
+          <a:p>
+            <a:endParaRPr lang="fr-FR" dirty="0" smtClean="0"/>
+          </a:p>
+          <a:p>
+            <a:endParaRPr lang="fr-FR" dirty="0"/>
+          </a:p>
+          <a:p>
+            <a:endParaRPr lang="fr-FR" dirty="0" smtClean="0"/>
+          </a:p>
+          <a:p>
+            <a:endParaRPr lang="fr-FR" dirty="0"/>
+          </a:p>
+        </p:txBody>
+      </p:sp>
+      <p:graphicFrame>
+        <p:nvGraphicFramePr>
+          <p:cNvPr id="4" name="Tableau 3"/>
+          <p:cNvGraphicFramePr>
+            <a:graphicFrameLocks noGrp="1"/>
+          </p:cNvGraphicFramePr>
+          <p:nvPr>
+            <p:extLst>
+              <p:ext uri="{D42A27DB-BD31-4B8C-83A1-F6EECF244321}">
+                <p14:modId xmlns:p14="http://schemas.microsoft.com/office/powerpoint/2010/main" val="3414970709"/>
+              </p:ext>
+            </p:extLst>
+          </p:nvPr>
+        </p:nvGraphicFramePr>
+        <p:xfrm>
+          <a:off x="179512" y="1484784"/>
+          <a:ext cx="8820474" cy="3596640"/>
+        </p:xfrm>
+        <a:graphic>
+          <a:graphicData uri="http://schemas.openxmlformats.org/drawingml/2006/table">
+            <a:tbl>
+              <a:tblPr firstRow="1" bandRow="1">
+                <a:tableStyleId>{5C22544A-7EE6-4342-B048-85BDC9FD1C3A}</a:tableStyleId>
+              </a:tblPr>
+              <a:tblGrid>
+                <a:gridCol w="2940158"/>
+                <a:gridCol w="2940158"/>
+                <a:gridCol w="2940158"/>
+              </a:tblGrid>
+              <a:tr h="328226">
+                <a:tc>
+                  <a:txBody>
+                    <a:bodyPr/>
+                    <a:lstStyle/>
+                    <a:p>
+                      <a:r>
+                        <a:rPr lang="fr-FR" sz="1600" dirty="0" smtClean="0"/>
+                        <a:t>Indicateur</a:t>
+                      </a:r>
+                      <a:endParaRPr lang="fr-FR" sz="1600" dirty="0"/>
+                    </a:p>
+                  </a:txBody>
+                  <a:tcPr/>
+                </a:tc>
+                <a:tc>
+                  <a:txBody>
+                    <a:bodyPr/>
+                    <a:lstStyle/>
+                    <a:p>
+                      <a:r>
+                        <a:rPr lang="fr-FR" sz="1600" dirty="0" smtClean="0"/>
+                        <a:t>Classement</a:t>
+                      </a:r>
+                      <a:endParaRPr lang="fr-FR" sz="1600" dirty="0"/>
+                    </a:p>
+                  </a:txBody>
+                  <a:tcPr/>
+                </a:tc>
+                <a:tc>
+                  <a:txBody>
+                    <a:bodyPr/>
+                    <a:lstStyle/>
+                    <a:p>
+                      <a:r>
+                        <a:rPr lang="fr-FR" sz="1600" dirty="0" smtClean="0"/>
+                        <a:t>Nb points</a:t>
+                      </a:r>
+                      <a:endParaRPr lang="fr-FR" sz="1600" dirty="0"/>
+                    </a:p>
+                  </a:txBody>
+                  <a:tcPr/>
+                </a:tc>
+              </a:tr>
+              <a:tr h="328226">
+                <a:tc>
+                  <a:txBody>
+                    <a:bodyPr/>
+                    <a:lstStyle/>
+                    <a:p>
+                      <a:r>
+                        <a:rPr lang="fr-FR" sz="1600" dirty="0" smtClean="0"/>
+                        <a:t>PIB</a:t>
+                      </a:r>
+                      <a:endParaRPr lang="fr-FR" sz="1600" dirty="0"/>
+                    </a:p>
+                  </a:txBody>
+                  <a:tcPr/>
+                </a:tc>
+                <a:tc>
+                  <a:txBody>
+                    <a:bodyPr/>
+                    <a:lstStyle/>
+                    <a:p>
+                      <a:r>
+                        <a:rPr lang="fr-FR" sz="1600" dirty="0" smtClean="0"/>
+                        <a:t>1</a:t>
+                      </a:r>
+                      <a:r>
+                        <a:rPr lang="fr-FR" sz="1600" baseline="30000" dirty="0" smtClean="0"/>
+                        <a:t>er</a:t>
+                      </a:r>
+                      <a:r>
+                        <a:rPr lang="fr-FR" sz="1600" baseline="0" dirty="0" smtClean="0"/>
+                        <a:t> quart</a:t>
+                      </a:r>
+                      <a:endParaRPr lang="fr-FR" sz="1600" dirty="0"/>
+                    </a:p>
+                  </a:txBody>
+                  <a:tcPr/>
+                </a:tc>
+                <a:tc>
+                  <a:txBody>
+                    <a:bodyPr/>
+                    <a:lstStyle/>
+                    <a:p>
+                      <a:r>
+                        <a:rPr lang="fr-FR" sz="1600" dirty="0" smtClean="0"/>
+                        <a:t>10</a:t>
+                      </a:r>
+                      <a:endParaRPr lang="fr-FR" sz="1600" dirty="0"/>
+                    </a:p>
+                  </a:txBody>
+                  <a:tcPr/>
+                </a:tc>
+              </a:tr>
+              <a:tr h="328226">
+                <a:tc rowSpan="4">
+                  <a:txBody>
+                    <a:bodyPr/>
+                    <a:lstStyle/>
+                    <a:p>
+                      <a:endParaRPr lang="fr-FR" sz="1600" dirty="0"/>
+                    </a:p>
+                  </a:txBody>
+                  <a:tcPr/>
+                </a:tc>
+                <a:tc>
+                  <a:txBody>
+                    <a:bodyPr/>
+                    <a:lstStyle/>
+                    <a:p>
+                      <a:r>
+                        <a:rPr lang="fr-FR" sz="1600" dirty="0" smtClean="0"/>
+                        <a:t>2</a:t>
+                      </a:r>
+                      <a:r>
+                        <a:rPr lang="fr-FR" sz="1600" baseline="30000" dirty="0" smtClean="0"/>
+                        <a:t>ème</a:t>
+                      </a:r>
+                      <a:r>
+                        <a:rPr lang="fr-FR" sz="1600" baseline="0" dirty="0" smtClean="0"/>
+                        <a:t> quart</a:t>
+                      </a:r>
+                      <a:endParaRPr lang="fr-FR" sz="1600" dirty="0"/>
+                    </a:p>
+                  </a:txBody>
+                  <a:tcPr/>
+                </a:tc>
+                <a:tc>
+                  <a:txBody>
+                    <a:bodyPr/>
+                    <a:lstStyle/>
+                    <a:p>
+                      <a:r>
+                        <a:rPr lang="fr-FR" sz="1600" dirty="0" smtClean="0"/>
+                        <a:t>5</a:t>
+                      </a:r>
+                      <a:endParaRPr lang="fr-FR" sz="1600" dirty="0"/>
+                    </a:p>
+                  </a:txBody>
+                  <a:tcPr/>
+                </a:tc>
+              </a:tr>
+              <a:tr h="328226">
+                <a:tc vMerge="1">
+                  <a:txBody>
+                    <a:bodyPr/>
+                    <a:lstStyle/>
+                    <a:p>
+                      <a:endParaRPr lang="fr-FR"/>
+                    </a:p>
+                  </a:txBody>
+                  <a:tcPr/>
+                </a:tc>
+                <a:tc>
+                  <a:txBody>
+                    <a:bodyPr/>
+                    <a:lstStyle/>
+                    <a:p>
+                      <a:r>
+                        <a:rPr lang="fr-FR" sz="1600" dirty="0" smtClean="0"/>
+                        <a:t>3</a:t>
+                      </a:r>
+                      <a:r>
+                        <a:rPr lang="fr-FR" sz="1600" baseline="30000" dirty="0" smtClean="0"/>
+                        <a:t>ème</a:t>
+                      </a:r>
+                      <a:r>
+                        <a:rPr lang="fr-FR" sz="1600" baseline="0" dirty="0" smtClean="0"/>
+                        <a:t> quart</a:t>
+                      </a:r>
+                      <a:endParaRPr lang="fr-FR" sz="1600" dirty="0"/>
+                    </a:p>
+                  </a:txBody>
+                  <a:tcPr/>
+                </a:tc>
+                <a:tc>
+                  <a:txBody>
+                    <a:bodyPr/>
+                    <a:lstStyle/>
+                    <a:p>
+                      <a:r>
+                        <a:rPr lang="fr-FR" sz="1600" dirty="0" smtClean="0"/>
+                        <a:t>3</a:t>
+                      </a:r>
+                      <a:endParaRPr lang="fr-FR" sz="1600" dirty="0"/>
+                    </a:p>
+                  </a:txBody>
+                  <a:tcPr/>
+                </a:tc>
+              </a:tr>
+              <a:tr h="328226">
+                <a:tc vMerge="1">
+                  <a:txBody>
+                    <a:bodyPr/>
+                    <a:lstStyle/>
+                    <a:p>
+                      <a:endParaRPr lang="fr-FR" dirty="0"/>
+                    </a:p>
+                  </a:txBody>
+                  <a:tcPr/>
+                </a:tc>
+                <a:tc>
+                  <a:txBody>
+                    <a:bodyPr/>
+                    <a:lstStyle/>
+                    <a:p>
+                      <a:r>
+                        <a:rPr lang="fr-FR" sz="1600" dirty="0" smtClean="0"/>
+                        <a:t>4</a:t>
+                      </a:r>
+                      <a:r>
+                        <a:rPr lang="fr-FR" sz="1600" baseline="30000" dirty="0" smtClean="0"/>
+                        <a:t>ème</a:t>
+                      </a:r>
+                      <a:r>
+                        <a:rPr lang="fr-FR" sz="1600" dirty="0" smtClean="0"/>
+                        <a:t> quart</a:t>
+                      </a:r>
+                      <a:endParaRPr lang="fr-FR" sz="1600" dirty="0"/>
+                    </a:p>
+                  </a:txBody>
+                  <a:tcPr/>
+                </a:tc>
+                <a:tc>
+                  <a:txBody>
+                    <a:bodyPr/>
+                    <a:lstStyle/>
+                    <a:p>
+                      <a:r>
+                        <a:rPr lang="fr-FR" sz="1600" dirty="0" smtClean="0"/>
+                        <a:t>0</a:t>
+                      </a:r>
+                      <a:endParaRPr lang="fr-FR" sz="1600" dirty="0"/>
+                    </a:p>
+                  </a:txBody>
+                  <a:tcPr/>
+                </a:tc>
+              </a:tr>
+              <a:tr h="328226">
+                <a:tc vMerge="1">
+                  <a:txBody>
+                    <a:bodyPr/>
+                    <a:lstStyle/>
+                    <a:p>
+                      <a:endParaRPr lang="fr-FR" dirty="0"/>
+                    </a:p>
+                  </a:txBody>
+                  <a:tcPr/>
+                </a:tc>
+                <a:tc>
+                  <a:txBody>
+                    <a:bodyPr/>
+                    <a:lstStyle/>
+                    <a:p>
+                      <a:r>
+                        <a:rPr lang="fr-FR" sz="1600" dirty="0" smtClean="0"/>
+                        <a:t>Pas de données</a:t>
+                      </a:r>
+                      <a:endParaRPr lang="fr-FR" sz="1600" dirty="0"/>
+                    </a:p>
+                  </a:txBody>
+                  <a:tcPr/>
+                </a:tc>
+                <a:tc>
+                  <a:txBody>
+                    <a:bodyPr/>
+                    <a:lstStyle/>
+                    <a:p>
+                      <a:r>
+                        <a:rPr lang="fr-FR" sz="1600" dirty="0" smtClean="0"/>
+                        <a:t>0</a:t>
+                      </a:r>
+                      <a:endParaRPr lang="fr-FR" sz="1600" dirty="0"/>
+                    </a:p>
+                  </a:txBody>
+                  <a:tcPr/>
+                </a:tc>
+              </a:tr>
+              <a:tr h="328226">
+                <a:tc>
+                  <a:txBody>
+                    <a:bodyPr/>
+                    <a:lstStyle/>
+                    <a:p>
+                      <a:r>
+                        <a:rPr lang="fr-FR" sz="1600" dirty="0" smtClean="0"/>
+                        <a:t>Taux d’alphabétisation</a:t>
+                      </a:r>
+                      <a:endParaRPr lang="fr-FR" sz="1600" dirty="0"/>
+                    </a:p>
+                  </a:txBody>
+                  <a:tcPr/>
+                </a:tc>
+                <a:tc>
+                  <a:txBody>
+                    <a:bodyPr/>
+                    <a:lstStyle/>
+                    <a:p>
+                      <a:r>
+                        <a:rPr lang="fr-FR" sz="1600" dirty="0" smtClean="0"/>
+                        <a:t>1</a:t>
+                      </a:r>
+                      <a:r>
+                        <a:rPr lang="fr-FR" sz="1600" baseline="30000" dirty="0" smtClean="0"/>
+                        <a:t>ère</a:t>
+                      </a:r>
+                      <a:r>
+                        <a:rPr lang="fr-FR" sz="1600" baseline="0" dirty="0" smtClean="0"/>
+                        <a:t> moitié</a:t>
+                      </a:r>
+                      <a:endParaRPr lang="fr-FR" sz="1600" dirty="0"/>
+                    </a:p>
+                  </a:txBody>
+                  <a:tcPr/>
+                </a:tc>
+                <a:tc>
+                  <a:txBody>
+                    <a:bodyPr/>
+                    <a:lstStyle/>
+                    <a:p>
+                      <a:r>
+                        <a:rPr lang="fr-FR" sz="1600" dirty="0" smtClean="0"/>
+                        <a:t>5</a:t>
+                      </a:r>
+                      <a:endParaRPr lang="fr-FR" sz="1600" dirty="0"/>
+                    </a:p>
+                  </a:txBody>
+                  <a:tcPr/>
+                </a:tc>
+              </a:tr>
+              <a:tr h="328226">
+                <a:tc rowSpan="2">
+                  <a:txBody>
+                    <a:bodyPr/>
+                    <a:lstStyle/>
+                    <a:p>
+                      <a:endParaRPr lang="fr-FR" sz="1600" dirty="0"/>
+                    </a:p>
+                  </a:txBody>
+                  <a:tcPr/>
+                </a:tc>
+                <a:tc>
+                  <a:txBody>
+                    <a:bodyPr/>
+                    <a:lstStyle/>
+                    <a:p>
+                      <a:r>
+                        <a:rPr lang="fr-FR" sz="1600" dirty="0" smtClean="0"/>
+                        <a:t>2</a:t>
+                      </a:r>
+                      <a:r>
+                        <a:rPr lang="fr-FR" sz="1600" baseline="30000" dirty="0" smtClean="0"/>
+                        <a:t>ème</a:t>
+                      </a:r>
+                      <a:r>
+                        <a:rPr lang="fr-FR" sz="1600" baseline="0" dirty="0" smtClean="0"/>
+                        <a:t> moitié</a:t>
+                      </a:r>
+                      <a:endParaRPr lang="fr-FR" sz="1600" dirty="0"/>
+                    </a:p>
+                  </a:txBody>
+                  <a:tcPr/>
+                </a:tc>
+                <a:tc>
+                  <a:txBody>
+                    <a:bodyPr/>
+                    <a:lstStyle/>
+                    <a:p>
+                      <a:r>
+                        <a:rPr lang="fr-FR" sz="1600" dirty="0" smtClean="0"/>
+                        <a:t>0</a:t>
+                      </a:r>
+                      <a:endParaRPr lang="fr-FR" sz="1600" dirty="0"/>
+                    </a:p>
+                  </a:txBody>
+                  <a:tcPr/>
+                </a:tc>
+              </a:tr>
+              <a:tr h="574396">
+                <a:tc vMerge="1">
+                  <a:txBody>
+                    <a:bodyPr/>
+                    <a:lstStyle/>
+                    <a:p>
+                      <a:endParaRPr lang="fr-FR" dirty="0"/>
+                    </a:p>
+                  </a:txBody>
+                  <a:tcPr/>
+                </a:tc>
+                <a:tc>
+                  <a:txBody>
+                    <a:bodyPr/>
+                    <a:lstStyle/>
+                    <a:p>
+                      <a:r>
+                        <a:rPr lang="fr-FR" sz="1600" dirty="0" smtClean="0"/>
+                        <a:t>Pas de données</a:t>
+                      </a:r>
+                      <a:endParaRPr lang="fr-FR" sz="1600" dirty="0"/>
+                    </a:p>
+                  </a:txBody>
+                  <a:tcPr/>
+                </a:tc>
+                <a:tc>
+                  <a:txBody>
+                    <a:bodyPr/>
+                    <a:lstStyle/>
+                    <a:p>
+                      <a:r>
+                        <a:rPr lang="fr-FR" sz="1600" dirty="0" smtClean="0"/>
+                        <a:t>2</a:t>
+                      </a:r>
+                      <a:r>
+                        <a:rPr lang="fr-FR" sz="1600" baseline="0" dirty="0" smtClean="0"/>
+                        <a:t> pts si PIB&gt;</a:t>
+                      </a:r>
+                      <a:r>
+                        <a:rPr lang="fr-FR" sz="1600" baseline="0" dirty="0" err="1" smtClean="0"/>
+                        <a:t>mediane</a:t>
+                      </a:r>
+                      <a:endParaRPr lang="fr-FR" sz="1600" baseline="0" dirty="0" smtClean="0"/>
+                    </a:p>
+                    <a:p>
+                      <a:r>
+                        <a:rPr lang="fr-FR" sz="1600" baseline="0" dirty="0" smtClean="0"/>
+                        <a:t>0 pts si PIB&lt;</a:t>
+                      </a:r>
+                      <a:r>
+                        <a:rPr lang="fr-FR" sz="1600" baseline="0" dirty="0" err="1" smtClean="0"/>
+                        <a:t>mediane</a:t>
+                      </a:r>
+                      <a:endParaRPr lang="fr-FR" sz="1600" dirty="0"/>
+                    </a:p>
+                  </a:txBody>
+                  <a:tcPr/>
+                </a:tc>
+              </a:tr>
+              <a:tr h="328226">
+                <a:tc>
+                  <a:txBody>
+                    <a:bodyPr/>
+                    <a:lstStyle/>
+                    <a:p>
+                      <a:r>
+                        <a:rPr lang="fr-FR" sz="1600" dirty="0" smtClean="0"/>
+                        <a:t>… </a:t>
+                      </a:r>
+                      <a:r>
+                        <a:rPr lang="fr-FR" sz="1600" dirty="0" err="1" smtClean="0"/>
+                        <a:t>Etc</a:t>
+                      </a:r>
+                      <a:endParaRPr lang="fr-FR" sz="1600" dirty="0"/>
+                    </a:p>
+                  </a:txBody>
+                  <a:tcPr/>
+                </a:tc>
+                <a:tc>
+                  <a:txBody>
+                    <a:bodyPr/>
+                    <a:lstStyle/>
+                    <a:p>
+                      <a:endParaRPr lang="fr-FR" sz="1600" dirty="0"/>
+                    </a:p>
+                  </a:txBody>
+                  <a:tcPr/>
+                </a:tc>
+                <a:tc>
+                  <a:txBody>
+                    <a:bodyPr/>
+                    <a:lstStyle/>
+                    <a:p>
+                      <a:endParaRPr lang="fr-FR" sz="1600" dirty="0"/>
+                    </a:p>
+                  </a:txBody>
+                  <a:tcPr/>
+                </a:tc>
+              </a:tr>
+            </a:tbl>
+          </a:graphicData>
+        </a:graphic>
+      </p:graphicFrame>
+      <p:sp>
+        <p:nvSpPr>
+          <p:cNvPr id="5" name="ZoneTexte 4"/>
+          <p:cNvSpPr txBox="1"/>
+          <p:nvPr/>
+        </p:nvSpPr>
+        <p:spPr>
+          <a:xfrm>
+            <a:off x="611560" y="5373216"/>
+            <a:ext cx="7848872" cy="1200329"/>
+          </a:xfrm>
+          <a:prstGeom prst="rect">
+            <a:avLst/>
+          </a:prstGeom>
+          <a:noFill/>
+        </p:spPr>
+        <p:txBody>
+          <a:bodyPr wrap="square" rtlCol="0">
+            <a:spAutoFit/>
+          </a:bodyPr>
+          <a:lstStyle/>
+          <a:p>
+            <a:endParaRPr lang="fr-FR" dirty="0"/>
+          </a:p>
+          <a:p>
+            <a:r>
+              <a:rPr lang="fr-FR" dirty="0"/>
+              <a:t>En faisant la somme des points de chaque pays en prenant les X </a:t>
+            </a:r>
+            <a:r>
+              <a:rPr lang="fr-FR" dirty="0" smtClean="0"/>
+              <a:t>meilleurs scores </a:t>
+            </a:r>
+            <a:r>
+              <a:rPr lang="fr-FR" dirty="0"/>
+              <a:t>on obtient à mon avis une meilleure </a:t>
+            </a:r>
+            <a:r>
+              <a:rPr lang="fr-FR" dirty="0" smtClean="0"/>
+              <a:t>sélection</a:t>
+            </a:r>
+            <a:endParaRPr lang="fr-FR" dirty="0"/>
+          </a:p>
+          <a:p>
+            <a:endParaRPr lang="fr-FR" dirty="0"/>
+          </a:p>
+        </p:txBody>
+      </p:sp>
+      <p:sp>
+        <p:nvSpPr>
+          <p:cNvPr id="6" name="Espace réservé du numéro de diapositive 5"/>
+          <p:cNvSpPr>
+            <a:spLocks noGrp="1"/>
+          </p:cNvSpPr>
+          <p:nvPr>
+            <p:ph type="sldNum" sz="quarter" idx="12"/>
+          </p:nvPr>
+        </p:nvSpPr>
+        <p:spPr/>
+        <p:txBody>
+          <a:bodyPr/>
+          <a:lstStyle/>
+          <a:p>
+            <a:fld id="{724BE394-8A7C-45DA-99F5-6969B9139923}" type="slidenum">
+              <a:rPr lang="fr-FR" smtClean="0"/>
+              <a:t>41</a:t>
+            </a:fld>
+            <a:endParaRPr lang="fr-FR"/>
+          </a:p>
+        </p:txBody>
+      </p:sp>
+    </p:spTree>
+    <p:extLst>
+      <p:ext uri="{BB962C8B-B14F-4D97-AF65-F5344CB8AC3E}">
+        <p14:creationId xmlns:p14="http://schemas.microsoft.com/office/powerpoint/2010/main" val="2279829659"/>
       </p:ext>
     </p:extLst>
   </p:cSld>
@@ -9884,7 +11003,7 @@
           <a:p>
             <a:r>
               <a:rPr lang="fr-FR" dirty="0" smtClean="0"/>
-              <a:t>Sommaire</a:t>
+              <a:t>Environnement</a:t>
             </a:r>
             <a:endParaRPr lang="fr-FR" dirty="0"/>
           </a:p>
@@ -9902,63 +11021,104 @@
         </p:nvSpPr>
         <p:spPr/>
         <p:txBody>
-          <a:bodyPr>
-            <a:normAutofit/>
-          </a:bodyPr>
-          <a:lstStyle/>
-          <a:p>
-            <a:r>
-              <a:rPr lang="fr-FR" sz="3200" dirty="0" smtClean="0"/>
-              <a:t>Analyse préliminaire</a:t>
-            </a:r>
-          </a:p>
-          <a:p>
-            <a:r>
-              <a:rPr lang="fr-FR" sz="3200" dirty="0" smtClean="0"/>
-              <a:t>Nettoyage</a:t>
-            </a:r>
-          </a:p>
-          <a:p>
-            <a:r>
-              <a:rPr lang="fr-FR" sz="3200" dirty="0" smtClean="0"/>
-              <a:t>Analyse </a:t>
-            </a:r>
-            <a:r>
-              <a:rPr lang="fr-FR" sz="3200" dirty="0" smtClean="0"/>
-              <a:t>d indicateurs </a:t>
-            </a:r>
-            <a:r>
-              <a:rPr lang="fr-FR" sz="3200" dirty="0" smtClean="0"/>
-              <a:t>et </a:t>
-            </a:r>
-            <a:r>
-              <a:rPr lang="fr-FR" sz="3200" dirty="0" err="1" smtClean="0"/>
-              <a:t>selections</a:t>
-            </a:r>
-            <a:r>
-              <a:rPr lang="fr-FR" sz="3200" dirty="0" smtClean="0"/>
-              <a:t> de pays</a:t>
-            </a:r>
-          </a:p>
-          <a:p>
-            <a:r>
-              <a:rPr lang="fr-FR" sz="3200" dirty="0" smtClean="0"/>
-              <a:t>Visualisations et projections</a:t>
-            </a:r>
-          </a:p>
-          <a:p>
-            <a:r>
-              <a:rPr lang="fr-FR" sz="3200" dirty="0" smtClean="0"/>
-              <a:t>Conclusion</a:t>
-            </a:r>
-            <a:endParaRPr lang="fr-FR" sz="3200" dirty="0"/>
+          <a:bodyPr/>
+          <a:lstStyle/>
+          <a:p>
+            <a:r>
+              <a:rPr lang="fr-FR" dirty="0" smtClean="0"/>
+              <a:t>Anaconda 4.9.2</a:t>
+            </a:r>
+          </a:p>
+          <a:p>
+            <a:r>
+              <a:rPr lang="fr-FR" dirty="0" smtClean="0"/>
+              <a:t>Python 3.8.3</a:t>
+            </a:r>
+          </a:p>
+          <a:p>
+            <a:r>
+              <a:rPr lang="fr-FR" dirty="0" err="1" smtClean="0"/>
+              <a:t>Jupyter</a:t>
+            </a:r>
+            <a:r>
+              <a:rPr lang="fr-FR" dirty="0" smtClean="0"/>
+              <a:t> </a:t>
+            </a:r>
+            <a:r>
+              <a:rPr lang="fr-FR" dirty="0" err="1" smtClean="0"/>
+              <a:t>Lab</a:t>
+            </a:r>
+            <a:r>
+              <a:rPr lang="fr-FR" dirty="0" smtClean="0"/>
+              <a:t> 2.1.5</a:t>
+            </a:r>
+          </a:p>
+          <a:p>
+            <a:r>
+              <a:rPr lang="fr-FR" dirty="0" smtClean="0"/>
+              <a:t>Pandas 1.0.5</a:t>
+            </a:r>
+          </a:p>
+          <a:p>
+            <a:r>
+              <a:rPr lang="fr-FR" dirty="0" err="1" smtClean="0"/>
+              <a:t>Matplotlib</a:t>
+            </a:r>
+            <a:r>
+              <a:rPr lang="fr-FR" dirty="0" smtClean="0"/>
+              <a:t> 3.2.2</a:t>
+            </a:r>
+          </a:p>
+          <a:p>
+            <a:r>
+              <a:rPr lang="fr-FR" dirty="0" err="1" smtClean="0"/>
+              <a:t>Numpy</a:t>
+            </a:r>
+            <a:r>
+              <a:rPr lang="fr-FR" dirty="0" smtClean="0"/>
+              <a:t> 1.18.5</a:t>
+            </a:r>
+          </a:p>
+          <a:p>
+            <a:r>
+              <a:rPr lang="fr-FR" dirty="0" err="1" smtClean="0"/>
+              <a:t>Bokeh</a:t>
+            </a:r>
+            <a:r>
+              <a:rPr lang="fr-FR" dirty="0" smtClean="0"/>
+              <a:t> 2.1.1</a:t>
+            </a:r>
+            <a:endParaRPr lang="fr-FR" dirty="0"/>
+          </a:p>
+        </p:txBody>
+      </p:sp>
+      <p:sp>
+        <p:nvSpPr>
+          <p:cNvPr id="4" name="Espace réservé du numéro de diapositive 3"/>
+          <p:cNvSpPr>
+            <a:spLocks noGrp="1"/>
+          </p:cNvSpPr>
+          <p:nvPr>
+            <p:ph type="sldNum" sz="quarter" idx="12"/>
+          </p:nvPr>
+        </p:nvSpPr>
+        <p:spPr/>
+        <p:txBody>
+          <a:bodyPr/>
+          <a:lstStyle/>
+          <a:p>
+            <a:fld id="{724BE394-8A7C-45DA-99F5-6969B9139923}" type="slidenum">
+              <a:rPr lang="fr-FR" smtClean="0"/>
+              <a:t>5</a:t>
+            </a:fld>
+            <a:endParaRPr lang="fr-FR"/>
           </a:p>
         </p:txBody>
       </p:sp>
     </p:spTree>
     <p:extLst>
       <p:ext uri="{BB962C8B-B14F-4D97-AF65-F5344CB8AC3E}">
-        <p14:creationId xmlns:p14="http://schemas.microsoft.com/office/powerpoint/2010/main" val="2299547052"/>
+        <p14:creationId xmlns:p14="http://schemas.microsoft.com/office/powerpoint/2010/main" val="3200477776"/>
       </p:ext>
     </p:extLst>
   </p:cSld>
@@ -9994,7 +11154,7 @@
       </p:grpSpPr>
       <p:sp>
         <p:nvSpPr>
-          <p:cNvPr id="3" name="Titre 2"/>
+          <p:cNvPr id="2" name="Titre 1"/>
           <p:cNvSpPr>
             <a:spLocks noGrp="1"/>
           </p:cNvSpPr>
@@ -10009,39 +11169,88 @@
           <a:p>
             <a:r>
               <a:rPr lang="fr-FR" dirty="0" smtClean="0"/>
+              <a:t>Sommaire</a:t>
+            </a:r>
+            <a:endParaRPr lang="fr-FR" dirty="0"/>
+          </a:p>
+        </p:txBody>
+      </p:sp>
+      <p:sp>
+        <p:nvSpPr>
+          <p:cNvPr id="3" name="Espace réservé du contenu 2"/>
+          <p:cNvSpPr>
+            <a:spLocks noGrp="1"/>
+          </p:cNvSpPr>
+          <p:nvPr>
+            <p:ph idx="1"/>
+          </p:nvPr>
+        </p:nvSpPr>
+        <p:spPr/>
+        <p:txBody>
+          <a:bodyPr>
+            <a:normAutofit/>
+          </a:bodyPr>
+          <a:lstStyle/>
+          <a:p>
+            <a:r>
+              <a:rPr lang="fr-FR" sz="3200" dirty="0" smtClean="0"/>
               <a:t>Analyse préliminaire</a:t>
             </a:r>
-            <a:endParaRPr lang="fr-FR" dirty="0"/>
-          </a:p>
-        </p:txBody>
-      </p:sp>
-      <p:sp>
-        <p:nvSpPr>
-          <p:cNvPr id="2" name="Espace réservé du texte 1"/>
-          <p:cNvSpPr>
-            <a:spLocks noGrp="1"/>
-          </p:cNvSpPr>
-          <p:nvPr>
-            <p:ph type="body" idx="1"/>
-          </p:nvPr>
-        </p:nvSpPr>
-        <p:spPr/>
-        <p:txBody>
-          <a:bodyPr/>
-          <a:lstStyle/>
-          <a:p>
-            <a:r>
-              <a:rPr lang="fr-FR" dirty="0" smtClean="0"/>
-              <a:t>Evaluer du set de données</a:t>
-            </a:r>
-            <a:endParaRPr lang="fr-FR" dirty="0"/>
+          </a:p>
+          <a:p>
+            <a:r>
+              <a:rPr lang="fr-FR" sz="3200" dirty="0" smtClean="0"/>
+              <a:t>Nettoyage</a:t>
+            </a:r>
+          </a:p>
+          <a:p>
+            <a:r>
+              <a:rPr lang="fr-FR" sz="3200" dirty="0" smtClean="0"/>
+              <a:t>Analyse d’indicateurs et sélections de pays</a:t>
+            </a:r>
+          </a:p>
+          <a:p>
+            <a:r>
+              <a:rPr lang="fr-FR" sz="3200" dirty="0" smtClean="0"/>
+              <a:t>Visualisations et projections</a:t>
+            </a:r>
+          </a:p>
+          <a:p>
+            <a:r>
+              <a:rPr lang="fr-FR" sz="3200" dirty="0" smtClean="0"/>
+              <a:t>Conclusion</a:t>
+            </a:r>
+            <a:endParaRPr lang="fr-FR" sz="3200" dirty="0"/>
+          </a:p>
+        </p:txBody>
+      </p:sp>
+      <p:sp>
+        <p:nvSpPr>
+          <p:cNvPr id="4" name="Espace réservé du numéro de diapositive 3"/>
+          <p:cNvSpPr>
+            <a:spLocks noGrp="1"/>
+          </p:cNvSpPr>
+          <p:nvPr>
+            <p:ph type="sldNum" sz="quarter" idx="12"/>
+          </p:nvPr>
+        </p:nvSpPr>
+        <p:spPr/>
+        <p:txBody>
+          <a:bodyPr/>
+          <a:lstStyle/>
+          <a:p>
+            <a:fld id="{724BE394-8A7C-45DA-99F5-6969B9139923}" type="slidenum">
+              <a:rPr lang="fr-FR" smtClean="0"/>
+              <a:t>6</a:t>
+            </a:fld>
+            <a:endParaRPr lang="fr-FR"/>
           </a:p>
         </p:txBody>
       </p:sp>
     </p:spTree>
     <p:extLst>
       <p:ext uri="{BB962C8B-B14F-4D97-AF65-F5344CB8AC3E}">
-        <p14:creationId xmlns:p14="http://schemas.microsoft.com/office/powerpoint/2010/main" val="4123050278"/>
+        <p14:creationId xmlns:p14="http://schemas.microsoft.com/office/powerpoint/2010/main" val="2299547052"/>
       </p:ext>
     </p:extLst>
   </p:cSld>
@@ -10077,6 +11286,112 @@
       </p:grpSpPr>
       <p:sp>
         <p:nvSpPr>
+          <p:cNvPr id="3" name="Titre 2"/>
+          <p:cNvSpPr>
+            <a:spLocks noGrp="1"/>
+          </p:cNvSpPr>
+          <p:nvPr>
+            <p:ph type="title"/>
+          </p:nvPr>
+        </p:nvSpPr>
+        <p:spPr/>
+        <p:txBody>
+          <a:bodyPr/>
+          <a:lstStyle/>
+          <a:p>
+            <a:r>
+              <a:rPr lang="fr-FR" dirty="0" smtClean="0"/>
+              <a:t>Analyse préliminaire</a:t>
+            </a:r>
+            <a:endParaRPr lang="fr-FR" dirty="0"/>
+          </a:p>
+        </p:txBody>
+      </p:sp>
+      <p:sp>
+        <p:nvSpPr>
+          <p:cNvPr id="2" name="Espace réservé du texte 1"/>
+          <p:cNvSpPr>
+            <a:spLocks noGrp="1"/>
+          </p:cNvSpPr>
+          <p:nvPr>
+            <p:ph type="body" idx="1"/>
+          </p:nvPr>
+        </p:nvSpPr>
+        <p:spPr/>
+        <p:txBody>
+          <a:bodyPr/>
+          <a:lstStyle/>
+          <a:p>
+            <a:r>
+              <a:rPr lang="fr-FR" dirty="0" smtClean="0"/>
+              <a:t>Evaluer le set de données</a:t>
+            </a:r>
+            <a:endParaRPr lang="fr-FR" dirty="0"/>
+          </a:p>
+        </p:txBody>
+      </p:sp>
+      <p:sp>
+        <p:nvSpPr>
+          <p:cNvPr id="4" name="Espace réservé du numéro de diapositive 3"/>
+          <p:cNvSpPr>
+            <a:spLocks noGrp="1"/>
+          </p:cNvSpPr>
+          <p:nvPr>
+            <p:ph type="sldNum" sz="quarter" idx="12"/>
+          </p:nvPr>
+        </p:nvSpPr>
+        <p:spPr/>
+        <p:txBody>
+          <a:bodyPr/>
+          <a:lstStyle/>
+          <a:p>
+            <a:fld id="{724BE394-8A7C-45DA-99F5-6969B9139923}" type="slidenum">
+              <a:rPr lang="fr-FR" smtClean="0"/>
+              <a:t>7</a:t>
+            </a:fld>
+            <a:endParaRPr lang="fr-FR"/>
+          </a:p>
+        </p:txBody>
+      </p:sp>
+    </p:spTree>
+    <p:extLst>
+      <p:ext uri="{BB962C8B-B14F-4D97-AF65-F5344CB8AC3E}">
+        <p14:creationId xmlns:p14="http://schemas.microsoft.com/office/powerpoint/2010/main" val="4123050278"/>
+      </p:ext>
+    </p:extLst>
+  </p:cSld>
+  <p:clrMapOvr>
+    <a:masterClrMapping/>
+  </p:clrMapOvr>
+  <p:timing>
+    <p:tnLst>
+      <p:par>
+        <p:cTn id="1" dur="indefinite" restart="never" nodeType="tmRoot"/>
+      </p:par>
+    </p:tnLst>
+  </p:timing>
+</p:sld>
+</file>
+
+<file path=ppt/slides/slide8.xml><?xml version="1.0" encoding="utf-8"?>
+<p:sld xmlns:a="http://schemas.openxmlformats.org/drawingml/2006/main" xmlns:r="http://schemas.openxmlformats.org/officeDocument/2006/relationships" xmlns:p="http://schemas.openxmlformats.org/presentationml/2006/main">
+  <p:cSld>
+    <p:spTree>
+      <p:nvGrpSpPr>
+        <p:cNvPr id="1" name=""/>
+        <p:cNvGrpSpPr/>
+        <p:nvPr/>
+      </p:nvGrpSpPr>
+      <p:grpSpPr>
+        <a:xfrm>
+          <a:off x="0" y="0"/>
+          <a:ext cx="0" cy="0"/>
+          <a:chOff x="0" y="0"/>
+          <a:chExt cx="0" cy="0"/>
+        </a:xfrm>
+      </p:grpSpPr>
+      <p:sp>
+        <p:nvSpPr>
           <p:cNvPr id="2" name="Titre 1"/>
           <p:cNvSpPr>
             <a:spLocks noGrp="1"/>
@@ -10194,19 +11509,34 @@
             <a:pPr lvl="1"/>
             <a:r>
               <a:rPr lang="fr-FR" dirty="0" smtClean="0"/>
-              <a:t>Table sauvegardée à </a:t>
-            </a:r>
-            <a:r>
-              <a:rPr lang="fr-FR" dirty="0" smtClean="0"/>
-              <a:t>l issue </a:t>
-            </a:r>
-            <a:r>
-              <a:rPr lang="fr-FR" dirty="0" smtClean="0"/>
-              <a:t>du notebook en format CSV</a:t>
+              <a:t>Table sauvegardée à l’issue du notebook en format CSV</a:t>
             </a:r>
           </a:p>
           <a:p>
             <a:endParaRPr lang="fr-FR" dirty="0"/>
+          </a:p>
+        </p:txBody>
+      </p:sp>
+      <p:sp>
+        <p:nvSpPr>
+          <p:cNvPr id="4" name="Espace réservé du numéro de diapositive 3"/>
+          <p:cNvSpPr>
+            <a:spLocks noGrp="1"/>
+          </p:cNvSpPr>
+          <p:nvPr>
+            <p:ph type="sldNum" sz="quarter" idx="12"/>
+          </p:nvPr>
+        </p:nvSpPr>
+        <p:spPr/>
+        <p:txBody>
+          <a:bodyPr/>
+          <a:lstStyle/>
+          <a:p>
+            <a:fld id="{724BE394-8A7C-45DA-99F5-6969B9139923}" type="slidenum">
+              <a:rPr lang="fr-FR" smtClean="0"/>
+              <a:t>8</a:t>
+            </a:fld>
+            <a:endParaRPr lang="fr-FR"/>
           </a:p>
         </p:txBody>
       </p:sp>
@@ -10230,7 +11560,7 @@
 </p:sld>
 </file>
 
-<file path=ppt/slides/slide8.xml><?xml version="1.0" encoding="utf-8"?>
+<file path=ppt/slides/slide9.xml><?xml version="1.0" encoding="utf-8"?>
 <p:sld xmlns:a="http://schemas.openxmlformats.org/drawingml/2006/main" xmlns:r="http://schemas.openxmlformats.org/officeDocument/2006/relationships" xmlns:p="http://schemas.openxmlformats.org/presentationml/2006/main">
   <p:cSld>
     <p:spTree>
@@ -10336,99 +11666,33 @@
           </a:xfrm>
         </p:spPr>
       </p:pic>
+      <p:sp>
+        <p:nvSpPr>
+          <p:cNvPr id="3" name="Espace réservé du numéro de diapositive 2"/>
+          <p:cNvSpPr>
+            <a:spLocks noGrp="1"/>
+          </p:cNvSpPr>
+          <p:nvPr>
+            <p:ph type="sldNum" sz="quarter" idx="12"/>
+          </p:nvPr>
+        </p:nvSpPr>
+        <p:spPr/>
+        <p:txBody>
+          <a:bodyPr/>
+          <a:lstStyle/>
+          <a:p>
+            <a:fld id="{724BE394-8A7C-45DA-99F5-6969B9139923}" type="slidenum">
+              <a:rPr lang="fr-FR" smtClean="0"/>
+              <a:t>9</a:t>
+            </a:fld>
+            <a:endParaRPr lang="fr-FR"/>
+          </a:p>
+        </p:txBody>
+      </p:sp>
     </p:spTree>
     <p:extLst>
       <p:ext uri="{BB962C8B-B14F-4D97-AF65-F5344CB8AC3E}">
         <p14:creationId xmlns:p14="http://schemas.microsoft.com/office/powerpoint/2010/main" val="815488984"/>
-      </p:ext>
-    </p:extLst>
-  </p:cSld>
-  <p:clrMapOvr>
-    <a:masterClrMapping/>
-  </p:clrMapOvr>
-  <p:timing>
-    <p:tnLst>
-      <p:par>
-        <p:cTn id="1" dur="indefinite" restart="never" nodeType="tmRoot"/>
-      </p:par>
-    </p:tnLst>
-  </p:timing>
-</p:sld>
-</file>
-
-<file path=ppt/slides/slide9.xml><?xml version="1.0" encoding="utf-8"?>
-<p:sld xmlns:a="http://schemas.openxmlformats.org/drawingml/2006/main" xmlns:r="http://schemas.openxmlformats.org/officeDocument/2006/relationships" xmlns:p="http://schemas.openxmlformats.org/presentationml/2006/main">
-  <p:cSld>
-    <p:spTree>
-      <p:nvGrpSpPr>
-        <p:cNvPr id="1" name=""/>
-        <p:cNvGrpSpPr/>
-        <p:nvPr/>
-      </p:nvGrpSpPr>
-      <p:grpSpPr>
-        <a:xfrm>
-          <a:off x="0" y="0"/>
-          <a:ext cx="0" cy="0"/>
-          <a:chOff x="0" y="0"/>
-          <a:chExt cx="0" cy="0"/>
-        </a:xfrm>
-      </p:grpSpPr>
-      <p:sp>
-        <p:nvSpPr>
-          <p:cNvPr id="2" name="Titre 1"/>
-          <p:cNvSpPr>
-            <a:spLocks noGrp="1"/>
-          </p:cNvSpPr>
-          <p:nvPr>
-            <p:ph type="title"/>
-          </p:nvPr>
-        </p:nvSpPr>
-        <p:spPr/>
-        <p:txBody>
-          <a:bodyPr/>
-          <a:lstStyle/>
-          <a:p>
-            <a:r>
-              <a:rPr lang="fr-FR" dirty="0" smtClean="0"/>
-              <a:t>Remplissage absolu</a:t>
-            </a:r>
-            <a:endParaRPr lang="fr-FR" dirty="0"/>
-          </a:p>
-        </p:txBody>
-      </p:sp>
-      <p:pic>
-        <p:nvPicPr>
-          <p:cNvPr id="6" name="Espace réservé du contenu 5"/>
-          <p:cNvPicPr>
-            <a:picLocks noGrp="1" noChangeAspect="1"/>
-          </p:cNvPicPr>
-          <p:nvPr>
-            <p:ph idx="1"/>
-          </p:nvPr>
-        </p:nvPicPr>
-        <p:blipFill>
-          <a:blip r:embed="rId2">
-            <a:extLst>
-              <a:ext uri="{28A0092B-C50C-407E-A947-70E740481C1C}">
-                <a14:useLocalDpi xmlns:a14="http://schemas.microsoft.com/office/drawing/2010/main" val="0"/>
-              </a:ext>
-            </a:extLst>
-          </a:blip>
-          <a:stretch>
-            <a:fillRect/>
-          </a:stretch>
-        </p:blipFill>
-        <p:spPr>
-          <a:xfrm>
-            <a:off x="1835696" y="1844824"/>
-            <a:ext cx="5398285" cy="4525963"/>
-          </a:xfrm>
-        </p:spPr>
-      </p:pic>
-    </p:spTree>
-    <p:extLst>
-      <p:ext uri="{BB962C8B-B14F-4D97-AF65-F5344CB8AC3E}">
-        <p14:creationId xmlns:p14="http://schemas.microsoft.com/office/powerpoint/2010/main" val="2799619606"/>
       </p:ext>
     </p:extLst>
   </p:cSld>
@@ -10731,4 +11995,289 @@
   <a:objectDefaults/>
   <a:extraClrSchemeLst/>
 </a:theme>
+</file>
+
+<file path=ppt/theme/theme2.xml><?xml version="1.0" encoding="utf-8"?>
+<a:theme xmlns:a="http://schemas.openxmlformats.org/drawingml/2006/main" name="Thème Office">
+  <a:themeElements>
+    <a:clrScheme name="Office">
+      <a:dk1>
+        <a:sysClr val="windowText" lastClr="000000"/>
+      </a:dk1>
+      <a:lt1>
+        <a:sysClr val="window" lastClr="FFFFFF"/>
+      </a:lt1>
+      <a:dk2>
+        <a:srgbClr val="1F497D"/>
+      </a:dk2>
+      <a:lt2>
+        <a:srgbClr val="EEECE1"/>
+      </a:lt2>
+      <a:accent1>
+        <a:srgbClr val="4F81BD"/>
+      </a:accent1>
+      <a:accent2>
+        <a:srgbClr val="C0504D"/>
+      </a:accent2>
+      <a:accent3>
+        <a:srgbClr val="9BBB59"/>
+      </a:accent3>
+      <a:accent4>
+        <a:srgbClr val="8064A2"/>
+      </a:accent4>
+      <a:accent5>
+        <a:srgbClr val="4BACC6"/>
+      </a:accent5>
+      <a:accent6>
+        <a:srgbClr val="F79646"/>
+      </a:accent6>
+      <a:hlink>
+        <a:srgbClr val="0000FF"/>
+      </a:hlink>
+      <a:folHlink>
+        <a:srgbClr val="800080"/>
+      </a:folHlink>
+    </a:clrScheme>
+    <a:fontScheme name="Office">
+      <a:majorFont>
+        <a:latin typeface="Calibri"/>
+        <a:ea typeface=""/>
+        <a:cs typeface=""/>
+        <a:font script="Jpan" typeface="ＭＳ Ｐゴシック"/>
+        <a:font script="Hang" typeface="맑은 고딕"/>
+        <a:font script="Hans" typeface="宋体"/>
+        <a:font script="Hant" typeface="新細明體"/>
+        <a:font script="Arab" typeface="Times New Roman"/>
+        <a:font script="Hebr" typeface="Times New Roman"/>
+        <a:font script="Thai" typeface="Angsana New"/>
+        <a:font script="Ethi" typeface="Nyala"/>
+        <a:font script="Beng" typeface="Vrinda"/>
+        <a:font script="Gujr" typeface="Shruti"/>
+        <a:font script="Khmr" typeface="MoolBoran"/>
+        <a:font script="Knda" typeface="Tunga"/>
+        <a:font script="Guru" typeface="Raavi"/>
+        <a:font script="Cans" typeface="Euphemia"/>
+        <a:font script="Cher" typeface="Plantagenet Cherokee"/>
+        <a:font script="Yiii" typeface="Microsoft Yi Baiti"/>
+        <a:font script="Tibt" typeface="Microsoft Himalaya"/>
+        <a:font script="Thaa" typeface="MV Boli"/>
+        <a:font script="Deva" typeface="Mangal"/>
+        <a:font script="Telu" typeface="Gautami"/>
+        <a:font script="Taml" typeface="Latha"/>
+        <a:font script="Syrc" typeface="Estrangelo Edessa"/>
+        <a:font script="Orya" typeface="Kalinga"/>
+        <a:font script="Mlym" typeface="Kartika"/>
+        <a:font script="Laoo" typeface="DokChampa"/>
+        <a:font script="Sinh" typeface="Iskoola Pota"/>
+        <a:font script="Mong" typeface="Mongolian Baiti"/>
+        <a:font script="Viet" typeface="Times New Roman"/>
+        <a:font script="Uigh" typeface="Microsoft Uighur"/>
+        <a:font script="Geor" typeface="Sylfaen"/>
+      </a:majorFont>
+      <a:minorFont>
+        <a:latin typeface="Calibri"/>
+        <a:ea typeface=""/>
+        <a:cs typeface=""/>
+        <a:font script="Jpan" typeface="ＭＳ Ｐゴシック"/>
+        <a:font script="Hang" typeface="맑은 고딕"/>
+        <a:font script="Hans" typeface="宋体"/>
+        <a:font script="Hant" typeface="新細明體"/>
+        <a:font script="Arab" typeface="Arial"/>
+        <a:font script="Hebr" typeface="Arial"/>
+        <a:font script="Thai" typeface="Cordia New"/>
+        <a:font script="Ethi" typeface="Nyala"/>
+        <a:font script="Beng" typeface="Vrinda"/>
+        <a:font script="Gujr" typeface="Shruti"/>
+        <a:font script="Khmr" typeface="DaunPenh"/>
+        <a:font script="Knda" typeface="Tunga"/>
+        <a:font script="Guru" typeface="Raavi"/>
+        <a:font script="Cans" typeface="Euphemia"/>
+        <a:font script="Cher" typeface="Plantagenet Cherokee"/>
+        <a:font script="Yiii" typeface="Microsoft Yi Baiti"/>
+        <a:font script="Tibt" typeface="Microsoft Himalaya"/>
+        <a:font script="Thaa" typeface="MV Boli"/>
+        <a:font script="Deva" typeface="Mangal"/>
+        <a:font script="Telu" typeface="Gautami"/>
+        <a:font script="Taml" typeface="Latha"/>
+        <a:font script="Syrc" typeface="Estrangelo Edessa"/>
+        <a:font script="Orya" typeface="Kalinga"/>
+        <a:font script="Mlym" typeface="Kartika"/>
+        <a:font script="Laoo" typeface="DokChampa"/>
+        <a:font script="Sinh" typeface="Iskoola Pota"/>
+        <a:font script="Mong" typeface="Mongolian Baiti"/>
+        <a:font script="Viet" typeface="Arial"/>
+        <a:font script="Uigh" typeface="Microsoft Uighur"/>
+        <a:font script="Geor" typeface="Sylfaen"/>
+      </a:minorFont>
+    </a:fontScheme>
+    <a:fmtScheme name="Office">
+      <a:fillStyleLst>
+        <a:solidFill>
+          <a:schemeClr val="phClr"/>
+        </a:solidFill>
+        <a:gradFill rotWithShape="1">
+          <a:gsLst>
+            <a:gs pos="0">
+              <a:schemeClr val="phClr">
+                <a:tint val="50000"/>
+                <a:satMod val="300000"/>
+              </a:schemeClr>
+            </a:gs>
+            <a:gs pos="35000">
+              <a:schemeClr val="phClr">
+                <a:tint val="37000"/>
+                <a:satMod val="300000"/>
+              </a:schemeClr>
+            </a:gs>
+            <a:gs pos="100000">
+              <a:schemeClr val="phClr">
+                <a:tint val="15000"/>
+                <a:satMod val="350000"/>
+              </a:schemeClr>
+            </a:gs>
+          </a:gsLst>
+          <a:lin ang="16200000" scaled="1"/>
+        </a:gradFill>
+        <a:gradFill rotWithShape="1">
+          <a:gsLst>
+            <a:gs pos="0">
+              <a:schemeClr val="phClr">
+                <a:shade val="51000"/>
+                <a:satMod val="130000"/>
+              </a:schemeClr>
+            </a:gs>
+            <a:gs pos="80000">
+              <a:schemeClr val="phClr">
+                <a:shade val="93000"/>
+                <a:satMod val="130000"/>
+              </a:schemeClr>
+            </a:gs>
+            <a:gs pos="100000">
+              <a:schemeClr val="phClr">
+                <a:shade val="94000"/>
+                <a:satMod val="135000"/>
+              </a:schemeClr>
+            </a:gs>
+          </a:gsLst>
+          <a:lin ang="16200000" scaled="0"/>
+        </a:gradFill>
+      </a:fillStyleLst>
+      <a:lnStyleLst>
+        <a:ln w="9525" cap="flat" cmpd="sng" algn="ctr">
+          <a:solidFill>
+            <a:schemeClr val="phClr">
+              <a:shade val="95000"/>
+              <a:satMod val="105000"/>
+            </a:schemeClr>
+          </a:solidFill>
+          <a:prstDash val="solid"/>
+        </a:ln>
+        <a:ln w="25400" cap="flat" cmpd="sng" algn="ctr">
+          <a:solidFill>
+            <a:schemeClr val="phClr"/>
+          </a:solidFill>
+          <a:prstDash val="solid"/>
+        </a:ln>
+        <a:ln w="38100" cap="flat" cmpd="sng" algn="ctr">
+          <a:solidFill>
+            <a:schemeClr val="phClr"/>
+          </a:solidFill>
+          <a:prstDash val="solid"/>
+        </a:ln>
+      </a:lnStyleLst>
+      <a:effectStyleLst>
+        <a:effectStyle>
+          <a:effectLst>
+            <a:outerShdw blurRad="40000" dist="20000" dir="5400000" rotWithShape="0">
+              <a:srgbClr val="000000">
+                <a:alpha val="38000"/>
+              </a:srgbClr>
+            </a:outerShdw>
+          </a:effectLst>
+        </a:effectStyle>
+        <a:effectStyle>
+          <a:effectLst>
+            <a:outerShdw blurRad="40000" dist="23000" dir="5400000" rotWithShape="0">
+              <a:srgbClr val="000000">
+                <a:alpha val="35000"/>
+              </a:srgbClr>
+            </a:outerShdw>
+          </a:effectLst>
+        </a:effectStyle>
+        <a:effectStyle>
+          <a:effectLst>
+            <a:outerShdw blurRad="40000" dist="23000" dir="5400000" rotWithShape="0">
+              <a:srgbClr val="000000">
+                <a:alpha val="35000"/>
+              </a:srgbClr>
+            </a:outerShdw>
+          </a:effectLst>
+          <a:scene3d>
+            <a:camera prst="orthographicFront">
+              <a:rot lat="0" lon="0" rev="0"/>
+            </a:camera>
+            <a:lightRig rig="threePt" dir="t">
+              <a:rot lat="0" lon="0" rev="1200000"/>
+            </a:lightRig>
+          </a:scene3d>
+          <a:sp3d>
+            <a:bevelT w="63500" h="25400"/>
+          </a:sp3d>
+        </a:effectStyle>
+      </a:effectStyleLst>
+      <a:bgFillStyleLst>
+        <a:solidFill>
+          <a:schemeClr val="phClr"/>
+        </a:solidFill>
+        <a:gradFill rotWithShape="1">
+          <a:gsLst>
+            <a:gs pos="0">
+              <a:schemeClr val="phClr">
+                <a:tint val="40000"/>
+                <a:satMod val="350000"/>
+              </a:schemeClr>
+            </a:gs>
+            <a:gs pos="40000">
+              <a:schemeClr val="phClr">
+                <a:tint val="45000"/>
+                <a:shade val="99000"/>
+                <a:satMod val="350000"/>
+              </a:schemeClr>
+            </a:gs>
+            <a:gs pos="100000">
+              <a:schemeClr val="phClr">
+                <a:shade val="20000"/>
+                <a:satMod val="255000"/>
+              </a:schemeClr>
+            </a:gs>
+          </a:gsLst>
+          <a:path path="circle">
+            <a:fillToRect l="50000" t="-80000" r="50000" b="180000"/>
+          </a:path>
+        </a:gradFill>
+        <a:gradFill rotWithShape="1">
+          <a:gsLst>
+            <a:gs pos="0">
+              <a:schemeClr val="phClr">
+                <a:tint val="80000"/>
+                <a:satMod val="300000"/>
+              </a:schemeClr>
+            </a:gs>
+            <a:gs pos="100000">
+              <a:schemeClr val="phClr">
+                <a:shade val="30000"/>
+                <a:satMod val="200000"/>
+              </a:schemeClr>
+            </a:gs>
+          </a:gsLst>
+          <a:path path="circle">
+            <a:fillToRect l="50000" t="50000" r="50000" b="50000"/>
+          </a:path>
+        </a:gradFill>
+      </a:bgFillStyleLst>
+    </a:fmtScheme>
+  </a:themeElements>
+  <a:objectDefaults/>
+  <a:extraClrSchemeLst/>
+</a:theme>
 </file>